--- a/rpc-provider/src/main/resources/docs/dubbo服务暴露与消费简化图.pptx
+++ b/rpc-provider/src/main/resources/docs/dubbo服务暴露与消费简化图.pptx
@@ -5,12 +5,16 @@
     <p:sldMasterId id="2147483648" r:id="rId1"/>
   </p:sldMasterIdLst>
   <p:notesMasterIdLst>
-    <p:notesMasterId r:id="rId5"/>
+    <p:notesMasterId r:id="rId9"/>
   </p:notesMasterIdLst>
   <p:sldIdLst>
     <p:sldId id="256" r:id="rId2"/>
     <p:sldId id="257" r:id="rId3"/>
     <p:sldId id="258" r:id="rId4"/>
+    <p:sldId id="259" r:id="rId5"/>
+    <p:sldId id="260" r:id="rId6"/>
+    <p:sldId id="262" r:id="rId7"/>
+    <p:sldId id="261" r:id="rId8"/>
   </p:sldIdLst>
   <p:sldSz cx="12192000" cy="6858000"/>
   <p:notesSz cx="6858000" cy="9144000"/>
@@ -6094,7 +6098,7 @@
         </p:nvSpPr>
         <p:spPr>
           <a:xfrm>
-            <a:off x="358550" y="2582692"/>
+            <a:off x="358550" y="1065175"/>
             <a:ext cx="1147864" cy="714983"/>
           </a:xfrm>
           <a:prstGeom prst="rect">
@@ -6148,7 +6152,7 @@
         </p:nvSpPr>
         <p:spPr>
           <a:xfrm>
-            <a:off x="2080346" y="2582692"/>
+            <a:off x="2080346" y="1065175"/>
             <a:ext cx="1147864" cy="714983"/>
           </a:xfrm>
           <a:prstGeom prst="rect">
@@ -6202,7 +6206,7 @@
         </p:nvSpPr>
         <p:spPr>
           <a:xfrm>
-            <a:off x="3740533" y="2582694"/>
+            <a:off x="3740533" y="1065177"/>
             <a:ext cx="1147864" cy="714983"/>
           </a:xfrm>
           <a:prstGeom prst="rect">
@@ -6252,7 +6256,7 @@
         </p:nvSpPr>
         <p:spPr>
           <a:xfrm>
-            <a:off x="5257487" y="2482983"/>
+            <a:off x="5257487" y="965466"/>
             <a:ext cx="1468316" cy="914400"/>
           </a:xfrm>
           <a:prstGeom prst="cloud">
@@ -6311,7 +6315,7 @@
         </p:nvSpPr>
         <p:spPr>
           <a:xfrm>
-            <a:off x="7291318" y="2582693"/>
+            <a:off x="7291318" y="1065176"/>
             <a:ext cx="1147864" cy="714983"/>
           </a:xfrm>
           <a:prstGeom prst="rect">
@@ -6365,7 +6369,7 @@
         </p:nvSpPr>
         <p:spPr>
           <a:xfrm>
-            <a:off x="9013114" y="2582693"/>
+            <a:off x="9013114" y="1065176"/>
             <a:ext cx="1147864" cy="714983"/>
           </a:xfrm>
           <a:prstGeom prst="rect">
@@ -6419,7 +6423,7 @@
         </p:nvSpPr>
         <p:spPr>
           <a:xfrm>
-            <a:off x="10685586" y="2582691"/>
+            <a:off x="10685586" y="1065174"/>
             <a:ext cx="1147864" cy="714983"/>
           </a:xfrm>
           <a:prstGeom prst="rect">
@@ -6472,7 +6476,7 @@
         </p:nvCxnSpPr>
         <p:spPr>
           <a:xfrm>
-            <a:off x="1506414" y="2940184"/>
+            <a:off x="1506414" y="1422667"/>
             <a:ext cx="573932" cy="0"/>
           </a:xfrm>
           <a:prstGeom prst="straightConnector1">
@@ -6515,7 +6519,7 @@
         </p:nvCxnSpPr>
         <p:spPr>
           <a:xfrm>
-            <a:off x="3228210" y="2940184"/>
+            <a:off x="3228210" y="1422667"/>
             <a:ext cx="512323" cy="2"/>
           </a:xfrm>
           <a:prstGeom prst="straightConnector1">
@@ -6558,7 +6562,7 @@
         </p:nvCxnSpPr>
         <p:spPr>
           <a:xfrm flipV="1">
-            <a:off x="4888397" y="2940183"/>
+            <a:off x="4888397" y="1422666"/>
             <a:ext cx="373644" cy="3"/>
           </a:xfrm>
           <a:prstGeom prst="straightConnector1">
@@ -6601,7 +6605,7 @@
         </p:nvCxnSpPr>
         <p:spPr>
           <a:xfrm>
-            <a:off x="6724579" y="2940183"/>
+            <a:off x="6724579" y="1422666"/>
             <a:ext cx="566739" cy="2"/>
           </a:xfrm>
           <a:prstGeom prst="straightConnector1">
@@ -6644,7 +6648,7 @@
         </p:nvCxnSpPr>
         <p:spPr>
           <a:xfrm>
-            <a:off x="8439182" y="2940185"/>
+            <a:off x="8439182" y="1422668"/>
             <a:ext cx="573932" cy="0"/>
           </a:xfrm>
           <a:prstGeom prst="straightConnector1">
@@ -6687,7 +6691,7 @@
         </p:nvCxnSpPr>
         <p:spPr>
           <a:xfrm flipV="1">
-            <a:off x="10160978" y="2940183"/>
+            <a:off x="10160978" y="1422666"/>
             <a:ext cx="524608" cy="2"/>
           </a:xfrm>
           <a:prstGeom prst="straightConnector1">
@@ -9577,6 +9581,3564 @@
     <p:extLst>
       <p:ext uri="{BB962C8B-B14F-4D97-AF65-F5344CB8AC3E}">
         <p14:creationId xmlns:p14="http://schemas.microsoft.com/office/powerpoint/2010/main" val="1291788652"/>
+      </p:ext>
+    </p:extLst>
+  </p:cSld>
+  <p:clrMapOvr>
+    <a:masterClrMapping/>
+  </p:clrMapOvr>
+</p:sld>
+</file>
+
+<file path=ppt/slides/slide4.xml><?xml version="1.0" encoding="utf-8"?>
+<p:sld xmlns:a="http://schemas.openxmlformats.org/drawingml/2006/main" xmlns:r="http://schemas.openxmlformats.org/officeDocument/2006/relationships" xmlns:p="http://schemas.openxmlformats.org/presentationml/2006/main">
+  <p:cSld>
+    <p:spTree>
+      <p:nvGrpSpPr>
+        <p:cNvPr id="1" name=""/>
+        <p:cNvGrpSpPr/>
+        <p:nvPr/>
+      </p:nvGrpSpPr>
+      <p:grpSpPr>
+        <a:xfrm>
+          <a:off x="0" y="0"/>
+          <a:ext cx="0" cy="0"/>
+          <a:chOff x="0" y="0"/>
+          <a:chExt cx="0" cy="0"/>
+        </a:xfrm>
+      </p:grpSpPr>
+      <p:sp>
+        <p:nvSpPr>
+          <p:cNvPr id="4" name="矩形 3">
+            <a:extLst>
+              <a:ext uri="{FF2B5EF4-FFF2-40B4-BE49-F238E27FC236}">
+                <a16:creationId xmlns:a16="http://schemas.microsoft.com/office/drawing/2014/main" id="{59A5A245-824F-4E13-8ABE-814F18230EB9}"/>
+              </a:ext>
+            </a:extLst>
+          </p:cNvPr>
+          <p:cNvSpPr/>
+          <p:nvPr/>
+        </p:nvSpPr>
+        <p:spPr>
+          <a:xfrm>
+            <a:off x="94034" y="97277"/>
+            <a:ext cx="12003932" cy="3968882"/>
+          </a:xfrm>
+          <a:prstGeom prst="rect">
+            <a:avLst/>
+          </a:prstGeom>
+          <a:noFill/>
+          <a:ln w="28575">
+            <a:solidFill>
+              <a:schemeClr val="bg2">
+                <a:lumMod val="75000"/>
+              </a:schemeClr>
+            </a:solidFill>
+          </a:ln>
+        </p:spPr>
+        <p:style>
+          <a:lnRef idx="2">
+            <a:schemeClr val="accent1">
+              <a:shade val="50000"/>
+            </a:schemeClr>
+          </a:lnRef>
+          <a:fillRef idx="1">
+            <a:schemeClr val="accent1"/>
+          </a:fillRef>
+          <a:effectRef idx="0">
+            <a:schemeClr val="accent1"/>
+          </a:effectRef>
+          <a:fontRef idx="minor">
+            <a:schemeClr val="lt1"/>
+          </a:fontRef>
+        </p:style>
+        <p:txBody>
+          <a:bodyPr rtlCol="0" anchor="ctr"/>
+          <a:lstStyle/>
+          <a:p>
+            <a:pPr algn="ctr"/>
+            <a:endParaRPr lang="zh-CN" altLang="en-US"/>
+          </a:p>
+        </p:txBody>
+      </p:sp>
+      <p:sp>
+        <p:nvSpPr>
+          <p:cNvPr id="5" name="矩形 4">
+            <a:extLst>
+              <a:ext uri="{FF2B5EF4-FFF2-40B4-BE49-F238E27FC236}">
+                <a16:creationId xmlns:a16="http://schemas.microsoft.com/office/drawing/2014/main" id="{2CE2F626-1C5A-429A-8811-76D91E564448}"/>
+              </a:ext>
+            </a:extLst>
+          </p:cNvPr>
+          <p:cNvSpPr/>
+          <p:nvPr/>
+        </p:nvSpPr>
+        <p:spPr>
+          <a:xfrm>
+            <a:off x="162063" y="390728"/>
+            <a:ext cx="1147864" cy="714983"/>
+          </a:xfrm>
+          <a:prstGeom prst="rect">
+            <a:avLst/>
+          </a:prstGeom>
+        </p:spPr>
+        <p:style>
+          <a:lnRef idx="2">
+            <a:schemeClr val="accent1">
+              <a:shade val="50000"/>
+            </a:schemeClr>
+          </a:lnRef>
+          <a:fillRef idx="1">
+            <a:schemeClr val="accent1"/>
+          </a:fillRef>
+          <a:effectRef idx="0">
+            <a:schemeClr val="accent1"/>
+          </a:effectRef>
+          <a:fontRef idx="minor">
+            <a:schemeClr val="lt1"/>
+          </a:fontRef>
+        </p:style>
+        <p:txBody>
+          <a:bodyPr rtlCol="0" anchor="ctr"/>
+          <a:lstStyle/>
+          <a:p>
+            <a:pPr algn="ctr"/>
+            <a:r>
+              <a:rPr lang="zh-CN" altLang="en-US" dirty="0"/>
+              <a:t>消费端</a:t>
+            </a:r>
+            <a:r>
+              <a:rPr lang="en-US" altLang="zh-CN" dirty="0"/>
+              <a:t>proxy</a:t>
+            </a:r>
+            <a:endParaRPr lang="zh-CN" altLang="en-US" dirty="0"/>
+          </a:p>
+        </p:txBody>
+      </p:sp>
+      <p:sp>
+        <p:nvSpPr>
+          <p:cNvPr id="6" name="矩形 5">
+            <a:extLst>
+              <a:ext uri="{FF2B5EF4-FFF2-40B4-BE49-F238E27FC236}">
+                <a16:creationId xmlns:a16="http://schemas.microsoft.com/office/drawing/2014/main" id="{BA1B9EE9-909D-407E-86FB-E02C13308D18}"/>
+              </a:ext>
+            </a:extLst>
+          </p:cNvPr>
+          <p:cNvSpPr/>
+          <p:nvPr/>
+        </p:nvSpPr>
+        <p:spPr>
+          <a:xfrm>
+            <a:off x="1592715" y="390726"/>
+            <a:ext cx="1147864" cy="714983"/>
+          </a:xfrm>
+          <a:prstGeom prst="rect">
+            <a:avLst/>
+          </a:prstGeom>
+        </p:spPr>
+        <p:style>
+          <a:lnRef idx="2">
+            <a:schemeClr val="accent1">
+              <a:shade val="50000"/>
+            </a:schemeClr>
+          </a:lnRef>
+          <a:fillRef idx="1">
+            <a:schemeClr val="accent1"/>
+          </a:fillRef>
+          <a:effectRef idx="0">
+            <a:schemeClr val="accent1"/>
+          </a:effectRef>
+          <a:fontRef idx="minor">
+            <a:schemeClr val="lt1"/>
+          </a:fontRef>
+        </p:style>
+        <p:txBody>
+          <a:bodyPr rtlCol="0" anchor="ctr"/>
+          <a:lstStyle/>
+          <a:p>
+            <a:pPr algn="ctr"/>
+            <a:r>
+              <a:rPr lang="zh-CN" altLang="en-US" dirty="0"/>
+              <a:t>消费端</a:t>
+            </a:r>
+            <a:r>
+              <a:rPr lang="en-US" altLang="zh-CN" dirty="0"/>
+              <a:t>Invoker1</a:t>
+            </a:r>
+            <a:endParaRPr lang="zh-CN" altLang="en-US" dirty="0"/>
+          </a:p>
+        </p:txBody>
+      </p:sp>
+      <p:sp>
+        <p:nvSpPr>
+          <p:cNvPr id="7" name="矩形 6">
+            <a:extLst>
+              <a:ext uri="{FF2B5EF4-FFF2-40B4-BE49-F238E27FC236}">
+                <a16:creationId xmlns:a16="http://schemas.microsoft.com/office/drawing/2014/main" id="{F98F0D86-724F-45EB-8D1D-0092597DB9EE}"/>
+              </a:ext>
+            </a:extLst>
+          </p:cNvPr>
+          <p:cNvSpPr/>
+          <p:nvPr/>
+        </p:nvSpPr>
+        <p:spPr>
+          <a:xfrm>
+            <a:off x="7233387" y="381001"/>
+            <a:ext cx="1147864" cy="714983"/>
+          </a:xfrm>
+          <a:prstGeom prst="rect">
+            <a:avLst/>
+          </a:prstGeom>
+        </p:spPr>
+        <p:style>
+          <a:lnRef idx="2">
+            <a:schemeClr val="accent1">
+              <a:shade val="50000"/>
+            </a:schemeClr>
+          </a:lnRef>
+          <a:fillRef idx="1">
+            <a:schemeClr val="accent1"/>
+          </a:fillRef>
+          <a:effectRef idx="0">
+            <a:schemeClr val="accent1"/>
+          </a:effectRef>
+          <a:fontRef idx="minor">
+            <a:schemeClr val="lt1"/>
+          </a:fontRef>
+        </p:style>
+        <p:txBody>
+          <a:bodyPr rtlCol="0" anchor="ctr"/>
+          <a:lstStyle/>
+          <a:p>
+            <a:pPr algn="ctr"/>
+            <a:r>
+              <a:rPr lang="en-US" altLang="zh-CN" dirty="0"/>
+              <a:t>REF</a:t>
+            </a:r>
+            <a:endParaRPr lang="zh-CN" altLang="en-US" dirty="0"/>
+          </a:p>
+        </p:txBody>
+      </p:sp>
+      <p:sp>
+        <p:nvSpPr>
+          <p:cNvPr id="8" name="云形 7">
+            <a:extLst>
+              <a:ext uri="{FF2B5EF4-FFF2-40B4-BE49-F238E27FC236}">
+                <a16:creationId xmlns:a16="http://schemas.microsoft.com/office/drawing/2014/main" id="{876DF57F-2D73-4919-8DAD-3F339AC68218}"/>
+              </a:ext>
+            </a:extLst>
+          </p:cNvPr>
+          <p:cNvSpPr/>
+          <p:nvPr/>
+        </p:nvSpPr>
+        <p:spPr>
+          <a:xfrm>
+            <a:off x="5455876" y="1826373"/>
+            <a:ext cx="1468316" cy="914400"/>
+          </a:xfrm>
+          <a:prstGeom prst="cloud">
+            <a:avLst/>
+          </a:prstGeom>
+          <a:solidFill>
+            <a:schemeClr val="accent3">
+              <a:lumMod val="20000"/>
+              <a:lumOff val="80000"/>
+            </a:schemeClr>
+          </a:solidFill>
+        </p:spPr>
+        <p:style>
+          <a:lnRef idx="2">
+            <a:schemeClr val="accent1">
+              <a:shade val="50000"/>
+            </a:schemeClr>
+          </a:lnRef>
+          <a:fillRef idx="1">
+            <a:schemeClr val="accent1"/>
+          </a:fillRef>
+          <a:effectRef idx="0">
+            <a:schemeClr val="accent1"/>
+          </a:effectRef>
+          <a:fontRef idx="minor">
+            <a:schemeClr val="lt1"/>
+          </a:fontRef>
+        </p:style>
+        <p:txBody>
+          <a:bodyPr rtlCol="0" anchor="ctr"/>
+          <a:lstStyle/>
+          <a:p>
+            <a:pPr algn="ctr"/>
+            <a:r>
+              <a:rPr lang="zh-CN" altLang="en-US" dirty="0">
+                <a:solidFill>
+                  <a:schemeClr val="tx1"/>
+                </a:solidFill>
+              </a:rPr>
+              <a:t>网络</a:t>
+            </a:r>
+          </a:p>
+        </p:txBody>
+      </p:sp>
+      <p:cxnSp>
+        <p:nvCxnSpPr>
+          <p:cNvPr id="9" name="直接箭头连接符 8">
+            <a:extLst>
+              <a:ext uri="{FF2B5EF4-FFF2-40B4-BE49-F238E27FC236}">
+                <a16:creationId xmlns:a16="http://schemas.microsoft.com/office/drawing/2014/main" id="{CEBCACC9-EA61-4F2C-B4FB-53EB180CED50}"/>
+              </a:ext>
+            </a:extLst>
+          </p:cNvPr>
+          <p:cNvCxnSpPr>
+            <a:cxnSpLocks/>
+            <a:stCxn id="5" idx="3"/>
+            <a:endCxn id="6" idx="1"/>
+          </p:cNvCxnSpPr>
+          <p:nvPr/>
+        </p:nvCxnSpPr>
+        <p:spPr>
+          <a:xfrm flipV="1">
+            <a:off x="1309927" y="748218"/>
+            <a:ext cx="282788" cy="2"/>
+          </a:xfrm>
+          <a:prstGeom prst="straightConnector1">
+            <a:avLst/>
+          </a:prstGeom>
+          <a:ln>
+            <a:headEnd type="triangle"/>
+            <a:tailEnd type="triangle"/>
+          </a:ln>
+        </p:spPr>
+        <p:style>
+          <a:lnRef idx="1">
+            <a:schemeClr val="accent1"/>
+          </a:lnRef>
+          <a:fillRef idx="0">
+            <a:schemeClr val="accent1"/>
+          </a:fillRef>
+          <a:effectRef idx="0">
+            <a:schemeClr val="accent1"/>
+          </a:effectRef>
+          <a:fontRef idx="minor">
+            <a:schemeClr val="tx1"/>
+          </a:fontRef>
+        </p:style>
+      </p:cxnSp>
+      <p:cxnSp>
+        <p:nvCxnSpPr>
+          <p:cNvPr id="10" name="直接箭头连接符 9">
+            <a:extLst>
+              <a:ext uri="{FF2B5EF4-FFF2-40B4-BE49-F238E27FC236}">
+                <a16:creationId xmlns:a16="http://schemas.microsoft.com/office/drawing/2014/main" id="{1E5053EA-A2A8-4C76-8E28-52B5A18AA484}"/>
+              </a:ext>
+            </a:extLst>
+          </p:cNvPr>
+          <p:cNvCxnSpPr>
+            <a:cxnSpLocks/>
+            <a:stCxn id="6" idx="3"/>
+            <a:endCxn id="11" idx="1"/>
+          </p:cNvCxnSpPr>
+          <p:nvPr/>
+        </p:nvCxnSpPr>
+        <p:spPr>
+          <a:xfrm>
+            <a:off x="2740579" y="748218"/>
+            <a:ext cx="241820" cy="2"/>
+          </a:xfrm>
+          <a:prstGeom prst="straightConnector1">
+            <a:avLst/>
+          </a:prstGeom>
+          <a:ln>
+            <a:headEnd type="triangle"/>
+            <a:tailEnd type="triangle"/>
+          </a:ln>
+        </p:spPr>
+        <p:style>
+          <a:lnRef idx="1">
+            <a:schemeClr val="accent1"/>
+          </a:lnRef>
+          <a:fillRef idx="0">
+            <a:schemeClr val="accent1"/>
+          </a:fillRef>
+          <a:effectRef idx="0">
+            <a:schemeClr val="accent1"/>
+          </a:effectRef>
+          <a:fontRef idx="minor">
+            <a:schemeClr val="tx1"/>
+          </a:fontRef>
+        </p:style>
+      </p:cxnSp>
+      <p:sp>
+        <p:nvSpPr>
+          <p:cNvPr id="11" name="矩形 10">
+            <a:extLst>
+              <a:ext uri="{FF2B5EF4-FFF2-40B4-BE49-F238E27FC236}">
+                <a16:creationId xmlns:a16="http://schemas.microsoft.com/office/drawing/2014/main" id="{B71BB331-57AB-4E30-B292-9F4B138EA309}"/>
+              </a:ext>
+            </a:extLst>
+          </p:cNvPr>
+          <p:cNvSpPr/>
+          <p:nvPr/>
+        </p:nvSpPr>
+        <p:spPr>
+          <a:xfrm>
+            <a:off x="2982399" y="390728"/>
+            <a:ext cx="1147864" cy="714983"/>
+          </a:xfrm>
+          <a:prstGeom prst="rect">
+            <a:avLst/>
+          </a:prstGeom>
+        </p:spPr>
+        <p:style>
+          <a:lnRef idx="2">
+            <a:schemeClr val="accent1">
+              <a:shade val="50000"/>
+            </a:schemeClr>
+          </a:lnRef>
+          <a:fillRef idx="1">
+            <a:schemeClr val="accent1"/>
+          </a:fillRef>
+          <a:effectRef idx="0">
+            <a:schemeClr val="accent1"/>
+          </a:effectRef>
+          <a:fontRef idx="minor">
+            <a:schemeClr val="lt1"/>
+          </a:fontRef>
+        </p:style>
+        <p:txBody>
+          <a:bodyPr rtlCol="0" anchor="ctr"/>
+          <a:lstStyle/>
+          <a:p>
+            <a:pPr algn="ctr"/>
+            <a:r>
+              <a:rPr lang="zh-CN" altLang="en-US" dirty="0"/>
+              <a:t>消费端</a:t>
+            </a:r>
+            <a:r>
+              <a:rPr lang="en-US" altLang="zh-CN" dirty="0"/>
+              <a:t>Invoker2</a:t>
+            </a:r>
+            <a:endParaRPr lang="zh-CN" altLang="en-US" dirty="0"/>
+          </a:p>
+        </p:txBody>
+      </p:sp>
+      <p:sp>
+        <p:nvSpPr>
+          <p:cNvPr id="12" name="矩形 11">
+            <a:extLst>
+              <a:ext uri="{FF2B5EF4-FFF2-40B4-BE49-F238E27FC236}">
+                <a16:creationId xmlns:a16="http://schemas.microsoft.com/office/drawing/2014/main" id="{80587DEA-CF8B-4E21-8C3E-EAC33399DA99}"/>
+              </a:ext>
+            </a:extLst>
+          </p:cNvPr>
+          <p:cNvSpPr/>
+          <p:nvPr/>
+        </p:nvSpPr>
+        <p:spPr>
+          <a:xfrm>
+            <a:off x="4372083" y="381002"/>
+            <a:ext cx="1147864" cy="714983"/>
+          </a:xfrm>
+          <a:prstGeom prst="rect">
+            <a:avLst/>
+          </a:prstGeom>
+        </p:spPr>
+        <p:style>
+          <a:lnRef idx="2">
+            <a:schemeClr val="accent1">
+              <a:shade val="50000"/>
+            </a:schemeClr>
+          </a:lnRef>
+          <a:fillRef idx="1">
+            <a:schemeClr val="accent1"/>
+          </a:fillRef>
+          <a:effectRef idx="0">
+            <a:schemeClr val="accent1"/>
+          </a:effectRef>
+          <a:fontRef idx="minor">
+            <a:schemeClr val="lt1"/>
+          </a:fontRef>
+        </p:style>
+        <p:txBody>
+          <a:bodyPr rtlCol="0" anchor="ctr"/>
+          <a:lstStyle/>
+          <a:p>
+            <a:pPr algn="ctr"/>
+            <a:r>
+              <a:rPr lang="en-US" altLang="zh-CN" dirty="0"/>
+              <a:t>……</a:t>
+            </a:r>
+            <a:endParaRPr lang="zh-CN" altLang="en-US" dirty="0"/>
+          </a:p>
+        </p:txBody>
+      </p:sp>
+      <p:sp>
+        <p:nvSpPr>
+          <p:cNvPr id="13" name="矩形 12">
+            <a:extLst>
+              <a:ext uri="{FF2B5EF4-FFF2-40B4-BE49-F238E27FC236}">
+                <a16:creationId xmlns:a16="http://schemas.microsoft.com/office/drawing/2014/main" id="{45F9A57D-276A-42DC-A894-0CB249053D60}"/>
+              </a:ext>
+            </a:extLst>
+          </p:cNvPr>
+          <p:cNvSpPr/>
+          <p:nvPr/>
+        </p:nvSpPr>
+        <p:spPr>
+          <a:xfrm>
+            <a:off x="5802735" y="381003"/>
+            <a:ext cx="1147864" cy="714983"/>
+          </a:xfrm>
+          <a:prstGeom prst="rect">
+            <a:avLst/>
+          </a:prstGeom>
+          <a:solidFill>
+            <a:schemeClr val="accent6"/>
+          </a:solidFill>
+        </p:spPr>
+        <p:style>
+          <a:lnRef idx="2">
+            <a:schemeClr val="accent1">
+              <a:shade val="50000"/>
+            </a:schemeClr>
+          </a:lnRef>
+          <a:fillRef idx="1">
+            <a:schemeClr val="accent1"/>
+          </a:fillRef>
+          <a:effectRef idx="0">
+            <a:schemeClr val="accent1"/>
+          </a:effectRef>
+          <a:fontRef idx="minor">
+            <a:schemeClr val="lt1"/>
+          </a:fontRef>
+        </p:style>
+        <p:txBody>
+          <a:bodyPr rtlCol="0" anchor="ctr"/>
+          <a:lstStyle/>
+          <a:p>
+            <a:pPr algn="ctr"/>
+            <a:r>
+              <a:rPr lang="zh-CN" altLang="en-US" dirty="0"/>
+              <a:t>消费端</a:t>
+            </a:r>
+            <a:r>
+              <a:rPr lang="en-US" altLang="zh-CN" dirty="0"/>
+              <a:t>Invoker</a:t>
+            </a:r>
+            <a:endParaRPr lang="zh-CN" altLang="en-US" dirty="0"/>
+          </a:p>
+        </p:txBody>
+      </p:sp>
+      <p:cxnSp>
+        <p:nvCxnSpPr>
+          <p:cNvPr id="14" name="直接箭头连接符 13">
+            <a:extLst>
+              <a:ext uri="{FF2B5EF4-FFF2-40B4-BE49-F238E27FC236}">
+                <a16:creationId xmlns:a16="http://schemas.microsoft.com/office/drawing/2014/main" id="{54F5B365-C050-4BA8-9B83-512808C4B09C}"/>
+              </a:ext>
+            </a:extLst>
+          </p:cNvPr>
+          <p:cNvCxnSpPr>
+            <a:cxnSpLocks/>
+            <a:stCxn id="12" idx="1"/>
+            <a:endCxn id="11" idx="3"/>
+          </p:cNvCxnSpPr>
+          <p:nvPr/>
+        </p:nvCxnSpPr>
+        <p:spPr>
+          <a:xfrm flipH="1">
+            <a:off x="4130263" y="738494"/>
+            <a:ext cx="241820" cy="9726"/>
+          </a:xfrm>
+          <a:prstGeom prst="straightConnector1">
+            <a:avLst/>
+          </a:prstGeom>
+          <a:ln>
+            <a:headEnd type="triangle"/>
+            <a:tailEnd type="triangle"/>
+          </a:ln>
+        </p:spPr>
+        <p:style>
+          <a:lnRef idx="1">
+            <a:schemeClr val="accent1"/>
+          </a:lnRef>
+          <a:fillRef idx="0">
+            <a:schemeClr val="accent1"/>
+          </a:fillRef>
+          <a:effectRef idx="0">
+            <a:schemeClr val="accent1"/>
+          </a:effectRef>
+          <a:fontRef idx="minor">
+            <a:schemeClr val="tx1"/>
+          </a:fontRef>
+        </p:style>
+      </p:cxnSp>
+      <p:cxnSp>
+        <p:nvCxnSpPr>
+          <p:cNvPr id="15" name="直接箭头连接符 14">
+            <a:extLst>
+              <a:ext uri="{FF2B5EF4-FFF2-40B4-BE49-F238E27FC236}">
+                <a16:creationId xmlns:a16="http://schemas.microsoft.com/office/drawing/2014/main" id="{F9C20B44-5BE1-4D2E-B866-444D78228741}"/>
+              </a:ext>
+            </a:extLst>
+          </p:cNvPr>
+          <p:cNvCxnSpPr>
+            <a:cxnSpLocks/>
+            <a:stCxn id="12" idx="3"/>
+            <a:endCxn id="13" idx="1"/>
+          </p:cNvCxnSpPr>
+          <p:nvPr/>
+        </p:nvCxnSpPr>
+        <p:spPr>
+          <a:xfrm>
+            <a:off x="5519947" y="738494"/>
+            <a:ext cx="282788" cy="1"/>
+          </a:xfrm>
+          <a:prstGeom prst="straightConnector1">
+            <a:avLst/>
+          </a:prstGeom>
+          <a:ln>
+            <a:headEnd type="triangle"/>
+            <a:tailEnd type="triangle"/>
+          </a:ln>
+        </p:spPr>
+        <p:style>
+          <a:lnRef idx="1">
+            <a:schemeClr val="accent1"/>
+          </a:lnRef>
+          <a:fillRef idx="0">
+            <a:schemeClr val="accent1"/>
+          </a:fillRef>
+          <a:effectRef idx="0">
+            <a:schemeClr val="accent1"/>
+          </a:effectRef>
+          <a:fontRef idx="minor">
+            <a:schemeClr val="tx1"/>
+          </a:fontRef>
+        </p:style>
+      </p:cxnSp>
+      <p:sp>
+        <p:nvSpPr>
+          <p:cNvPr id="16" name="矩形 15">
+            <a:extLst>
+              <a:ext uri="{FF2B5EF4-FFF2-40B4-BE49-F238E27FC236}">
+                <a16:creationId xmlns:a16="http://schemas.microsoft.com/office/drawing/2014/main" id="{768207AC-B927-4DA9-8981-F0AF18350AEC}"/>
+              </a:ext>
+            </a:extLst>
+          </p:cNvPr>
+          <p:cNvSpPr/>
+          <p:nvPr/>
+        </p:nvSpPr>
+        <p:spPr>
+          <a:xfrm>
+            <a:off x="3787246" y="3227969"/>
+            <a:ext cx="1147864" cy="714983"/>
+          </a:xfrm>
+          <a:prstGeom prst="rect">
+            <a:avLst/>
+          </a:prstGeom>
+        </p:spPr>
+        <p:style>
+          <a:lnRef idx="2">
+            <a:schemeClr val="accent1">
+              <a:shade val="50000"/>
+            </a:schemeClr>
+          </a:lnRef>
+          <a:fillRef idx="1">
+            <a:schemeClr val="accent1"/>
+          </a:fillRef>
+          <a:effectRef idx="0">
+            <a:schemeClr val="accent1"/>
+          </a:effectRef>
+          <a:fontRef idx="minor">
+            <a:schemeClr val="lt1"/>
+          </a:fontRef>
+        </p:style>
+        <p:txBody>
+          <a:bodyPr rtlCol="0" anchor="ctr"/>
+          <a:lstStyle/>
+          <a:p>
+            <a:pPr algn="ctr"/>
+            <a:r>
+              <a:rPr lang="zh-CN" altLang="en-US" dirty="0"/>
+              <a:t>服务端</a:t>
+            </a:r>
+            <a:r>
+              <a:rPr lang="en-US" altLang="zh-CN" dirty="0"/>
+              <a:t>proxy</a:t>
+            </a:r>
+            <a:endParaRPr lang="zh-CN" altLang="en-US" dirty="0"/>
+          </a:p>
+        </p:txBody>
+      </p:sp>
+      <p:sp>
+        <p:nvSpPr>
+          <p:cNvPr id="17" name="矩形 16">
+            <a:extLst>
+              <a:ext uri="{FF2B5EF4-FFF2-40B4-BE49-F238E27FC236}">
+                <a16:creationId xmlns:a16="http://schemas.microsoft.com/office/drawing/2014/main" id="{DDE3667F-21D4-4A67-BFA9-DC661D716EE8}"/>
+              </a:ext>
+            </a:extLst>
+          </p:cNvPr>
+          <p:cNvSpPr/>
+          <p:nvPr/>
+        </p:nvSpPr>
+        <p:spPr>
+          <a:xfrm>
+            <a:off x="5217898" y="3227967"/>
+            <a:ext cx="1147864" cy="714983"/>
+          </a:xfrm>
+          <a:prstGeom prst="rect">
+            <a:avLst/>
+          </a:prstGeom>
+        </p:spPr>
+        <p:style>
+          <a:lnRef idx="2">
+            <a:schemeClr val="accent1">
+              <a:shade val="50000"/>
+            </a:schemeClr>
+          </a:lnRef>
+          <a:fillRef idx="1">
+            <a:schemeClr val="accent1"/>
+          </a:fillRef>
+          <a:effectRef idx="0">
+            <a:schemeClr val="accent1"/>
+          </a:effectRef>
+          <a:fontRef idx="minor">
+            <a:schemeClr val="lt1"/>
+          </a:fontRef>
+        </p:style>
+        <p:txBody>
+          <a:bodyPr rtlCol="0" anchor="ctr"/>
+          <a:lstStyle/>
+          <a:p>
+            <a:pPr algn="ctr"/>
+            <a:r>
+              <a:rPr lang="zh-CN" altLang="en-US" dirty="0"/>
+              <a:t>服务端</a:t>
+            </a:r>
+            <a:r>
+              <a:rPr lang="en-US" altLang="zh-CN" dirty="0"/>
+              <a:t>Invoker1</a:t>
+            </a:r>
+            <a:endParaRPr lang="zh-CN" altLang="en-US" dirty="0"/>
+          </a:p>
+        </p:txBody>
+      </p:sp>
+      <p:sp>
+        <p:nvSpPr>
+          <p:cNvPr id="18" name="矩形 17">
+            <a:extLst>
+              <a:ext uri="{FF2B5EF4-FFF2-40B4-BE49-F238E27FC236}">
+                <a16:creationId xmlns:a16="http://schemas.microsoft.com/office/drawing/2014/main" id="{9B8432E6-5550-45A1-8D46-164E04D2C15B}"/>
+              </a:ext>
+            </a:extLst>
+          </p:cNvPr>
+          <p:cNvSpPr/>
+          <p:nvPr/>
+        </p:nvSpPr>
+        <p:spPr>
+          <a:xfrm>
+            <a:off x="10858570" y="3218242"/>
+            <a:ext cx="1147864" cy="714983"/>
+          </a:xfrm>
+          <a:prstGeom prst="rect">
+            <a:avLst/>
+          </a:prstGeom>
+        </p:spPr>
+        <p:style>
+          <a:lnRef idx="2">
+            <a:schemeClr val="accent1">
+              <a:shade val="50000"/>
+            </a:schemeClr>
+          </a:lnRef>
+          <a:fillRef idx="1">
+            <a:schemeClr val="accent1"/>
+          </a:fillRef>
+          <a:effectRef idx="0">
+            <a:schemeClr val="accent1"/>
+          </a:effectRef>
+          <a:fontRef idx="minor">
+            <a:schemeClr val="lt1"/>
+          </a:fontRef>
+        </p:style>
+        <p:txBody>
+          <a:bodyPr rtlCol="0" anchor="ctr"/>
+          <a:lstStyle/>
+          <a:p>
+            <a:pPr algn="ctr"/>
+            <a:r>
+              <a:rPr lang="en-US" altLang="zh-CN" dirty="0"/>
+              <a:t>ref</a:t>
+            </a:r>
+          </a:p>
+        </p:txBody>
+      </p:sp>
+      <p:cxnSp>
+        <p:nvCxnSpPr>
+          <p:cNvPr id="19" name="直接箭头连接符 18">
+            <a:extLst>
+              <a:ext uri="{FF2B5EF4-FFF2-40B4-BE49-F238E27FC236}">
+                <a16:creationId xmlns:a16="http://schemas.microsoft.com/office/drawing/2014/main" id="{4141467B-9231-47B5-ADFC-D953C63E9596}"/>
+              </a:ext>
+            </a:extLst>
+          </p:cNvPr>
+          <p:cNvCxnSpPr>
+            <a:cxnSpLocks/>
+            <a:stCxn id="16" idx="3"/>
+            <a:endCxn id="17" idx="1"/>
+          </p:cNvCxnSpPr>
+          <p:nvPr/>
+        </p:nvCxnSpPr>
+        <p:spPr>
+          <a:xfrm flipV="1">
+            <a:off x="4935110" y="3585459"/>
+            <a:ext cx="282788" cy="2"/>
+          </a:xfrm>
+          <a:prstGeom prst="straightConnector1">
+            <a:avLst/>
+          </a:prstGeom>
+          <a:ln>
+            <a:headEnd type="triangle"/>
+            <a:tailEnd type="triangle"/>
+          </a:ln>
+        </p:spPr>
+        <p:style>
+          <a:lnRef idx="1">
+            <a:schemeClr val="accent1"/>
+          </a:lnRef>
+          <a:fillRef idx="0">
+            <a:schemeClr val="accent1"/>
+          </a:fillRef>
+          <a:effectRef idx="0">
+            <a:schemeClr val="accent1"/>
+          </a:effectRef>
+          <a:fontRef idx="minor">
+            <a:schemeClr val="tx1"/>
+          </a:fontRef>
+        </p:style>
+      </p:cxnSp>
+      <p:cxnSp>
+        <p:nvCxnSpPr>
+          <p:cNvPr id="20" name="直接箭头连接符 19">
+            <a:extLst>
+              <a:ext uri="{FF2B5EF4-FFF2-40B4-BE49-F238E27FC236}">
+                <a16:creationId xmlns:a16="http://schemas.microsoft.com/office/drawing/2014/main" id="{D4BA78F1-AD40-481C-8071-379E6C08210B}"/>
+              </a:ext>
+            </a:extLst>
+          </p:cNvPr>
+          <p:cNvCxnSpPr>
+            <a:cxnSpLocks/>
+            <a:stCxn id="17" idx="3"/>
+            <a:endCxn id="21" idx="1"/>
+          </p:cNvCxnSpPr>
+          <p:nvPr/>
+        </p:nvCxnSpPr>
+        <p:spPr>
+          <a:xfrm>
+            <a:off x="6365762" y="3585459"/>
+            <a:ext cx="241820" cy="2"/>
+          </a:xfrm>
+          <a:prstGeom prst="straightConnector1">
+            <a:avLst/>
+          </a:prstGeom>
+          <a:ln>
+            <a:headEnd type="triangle"/>
+            <a:tailEnd type="triangle"/>
+          </a:ln>
+        </p:spPr>
+        <p:style>
+          <a:lnRef idx="1">
+            <a:schemeClr val="accent1"/>
+          </a:lnRef>
+          <a:fillRef idx="0">
+            <a:schemeClr val="accent1"/>
+          </a:fillRef>
+          <a:effectRef idx="0">
+            <a:schemeClr val="accent1"/>
+          </a:effectRef>
+          <a:fontRef idx="minor">
+            <a:schemeClr val="tx1"/>
+          </a:fontRef>
+        </p:style>
+      </p:cxnSp>
+      <p:sp>
+        <p:nvSpPr>
+          <p:cNvPr id="21" name="矩形 20">
+            <a:extLst>
+              <a:ext uri="{FF2B5EF4-FFF2-40B4-BE49-F238E27FC236}">
+                <a16:creationId xmlns:a16="http://schemas.microsoft.com/office/drawing/2014/main" id="{9DD02ECC-EAA1-4B5C-A82C-431526941E55}"/>
+              </a:ext>
+            </a:extLst>
+          </p:cNvPr>
+          <p:cNvSpPr/>
+          <p:nvPr/>
+        </p:nvSpPr>
+        <p:spPr>
+          <a:xfrm>
+            <a:off x="6607582" y="3227969"/>
+            <a:ext cx="1147864" cy="714983"/>
+          </a:xfrm>
+          <a:prstGeom prst="rect">
+            <a:avLst/>
+          </a:prstGeom>
+        </p:spPr>
+        <p:style>
+          <a:lnRef idx="2">
+            <a:schemeClr val="accent1">
+              <a:shade val="50000"/>
+            </a:schemeClr>
+          </a:lnRef>
+          <a:fillRef idx="1">
+            <a:schemeClr val="accent1"/>
+          </a:fillRef>
+          <a:effectRef idx="0">
+            <a:schemeClr val="accent1"/>
+          </a:effectRef>
+          <a:fontRef idx="minor">
+            <a:schemeClr val="lt1"/>
+          </a:fontRef>
+        </p:style>
+        <p:txBody>
+          <a:bodyPr rtlCol="0" anchor="ctr"/>
+          <a:lstStyle/>
+          <a:p>
+            <a:pPr algn="ctr"/>
+            <a:r>
+              <a:rPr lang="zh-CN" altLang="en-US" dirty="0"/>
+              <a:t>服务端</a:t>
+            </a:r>
+            <a:r>
+              <a:rPr lang="en-US" altLang="zh-CN" dirty="0"/>
+              <a:t>Invoker2</a:t>
+            </a:r>
+            <a:endParaRPr lang="zh-CN" altLang="en-US" dirty="0"/>
+          </a:p>
+        </p:txBody>
+      </p:sp>
+      <p:sp>
+        <p:nvSpPr>
+          <p:cNvPr id="22" name="矩形 21">
+            <a:extLst>
+              <a:ext uri="{FF2B5EF4-FFF2-40B4-BE49-F238E27FC236}">
+                <a16:creationId xmlns:a16="http://schemas.microsoft.com/office/drawing/2014/main" id="{5B426456-BD7C-4AA1-A1D1-F04F23DBDBFB}"/>
+              </a:ext>
+            </a:extLst>
+          </p:cNvPr>
+          <p:cNvSpPr/>
+          <p:nvPr/>
+        </p:nvSpPr>
+        <p:spPr>
+          <a:xfrm>
+            <a:off x="7997266" y="3218243"/>
+            <a:ext cx="1147864" cy="714983"/>
+          </a:xfrm>
+          <a:prstGeom prst="rect">
+            <a:avLst/>
+          </a:prstGeom>
+        </p:spPr>
+        <p:style>
+          <a:lnRef idx="2">
+            <a:schemeClr val="accent1">
+              <a:shade val="50000"/>
+            </a:schemeClr>
+          </a:lnRef>
+          <a:fillRef idx="1">
+            <a:schemeClr val="accent1"/>
+          </a:fillRef>
+          <a:effectRef idx="0">
+            <a:schemeClr val="accent1"/>
+          </a:effectRef>
+          <a:fontRef idx="minor">
+            <a:schemeClr val="lt1"/>
+          </a:fontRef>
+        </p:style>
+        <p:txBody>
+          <a:bodyPr rtlCol="0" anchor="ctr"/>
+          <a:lstStyle/>
+          <a:p>
+            <a:pPr algn="ctr"/>
+            <a:r>
+              <a:rPr lang="en-US" altLang="zh-CN" dirty="0"/>
+              <a:t>……</a:t>
+            </a:r>
+            <a:endParaRPr lang="zh-CN" altLang="en-US" dirty="0"/>
+          </a:p>
+        </p:txBody>
+      </p:sp>
+      <p:sp>
+        <p:nvSpPr>
+          <p:cNvPr id="23" name="矩形 22">
+            <a:extLst>
+              <a:ext uri="{FF2B5EF4-FFF2-40B4-BE49-F238E27FC236}">
+                <a16:creationId xmlns:a16="http://schemas.microsoft.com/office/drawing/2014/main" id="{0283BC15-0249-4DC4-BFD9-1BA43FDC45C6}"/>
+              </a:ext>
+            </a:extLst>
+          </p:cNvPr>
+          <p:cNvSpPr/>
+          <p:nvPr/>
+        </p:nvSpPr>
+        <p:spPr>
+          <a:xfrm>
+            <a:off x="9427918" y="3218244"/>
+            <a:ext cx="1147864" cy="714983"/>
+          </a:xfrm>
+          <a:prstGeom prst="rect">
+            <a:avLst/>
+          </a:prstGeom>
+          <a:solidFill>
+            <a:schemeClr val="accent6"/>
+          </a:solidFill>
+        </p:spPr>
+        <p:style>
+          <a:lnRef idx="2">
+            <a:schemeClr val="accent1">
+              <a:shade val="50000"/>
+            </a:schemeClr>
+          </a:lnRef>
+          <a:fillRef idx="1">
+            <a:schemeClr val="accent1"/>
+          </a:fillRef>
+          <a:effectRef idx="0">
+            <a:schemeClr val="accent1"/>
+          </a:effectRef>
+          <a:fontRef idx="minor">
+            <a:schemeClr val="lt1"/>
+          </a:fontRef>
+        </p:style>
+        <p:txBody>
+          <a:bodyPr rtlCol="0" anchor="ctr"/>
+          <a:lstStyle/>
+          <a:p>
+            <a:pPr algn="ctr"/>
+            <a:r>
+              <a:rPr lang="zh-CN" altLang="en-US"/>
+              <a:t>服务端</a:t>
+            </a:r>
+            <a:r>
+              <a:rPr lang="en-US" altLang="zh-CN" dirty="0"/>
+              <a:t>Invoker</a:t>
+            </a:r>
+            <a:endParaRPr lang="zh-CN" altLang="en-US" dirty="0"/>
+          </a:p>
+        </p:txBody>
+      </p:sp>
+      <p:cxnSp>
+        <p:nvCxnSpPr>
+          <p:cNvPr id="24" name="直接箭头连接符 23">
+            <a:extLst>
+              <a:ext uri="{FF2B5EF4-FFF2-40B4-BE49-F238E27FC236}">
+                <a16:creationId xmlns:a16="http://schemas.microsoft.com/office/drawing/2014/main" id="{BC2C9884-6CFD-4B61-B31F-5E93AA255309}"/>
+              </a:ext>
+            </a:extLst>
+          </p:cNvPr>
+          <p:cNvCxnSpPr>
+            <a:cxnSpLocks/>
+            <a:stCxn id="22" idx="1"/>
+            <a:endCxn id="21" idx="3"/>
+          </p:cNvCxnSpPr>
+          <p:nvPr/>
+        </p:nvCxnSpPr>
+        <p:spPr>
+          <a:xfrm flipH="1">
+            <a:off x="7755446" y="3575735"/>
+            <a:ext cx="241820" cy="9726"/>
+          </a:xfrm>
+          <a:prstGeom prst="straightConnector1">
+            <a:avLst/>
+          </a:prstGeom>
+          <a:ln>
+            <a:headEnd type="triangle"/>
+            <a:tailEnd type="triangle"/>
+          </a:ln>
+        </p:spPr>
+        <p:style>
+          <a:lnRef idx="1">
+            <a:schemeClr val="accent1"/>
+          </a:lnRef>
+          <a:fillRef idx="0">
+            <a:schemeClr val="accent1"/>
+          </a:fillRef>
+          <a:effectRef idx="0">
+            <a:schemeClr val="accent1"/>
+          </a:effectRef>
+          <a:fontRef idx="minor">
+            <a:schemeClr val="tx1"/>
+          </a:fontRef>
+        </p:style>
+      </p:cxnSp>
+      <p:cxnSp>
+        <p:nvCxnSpPr>
+          <p:cNvPr id="25" name="直接箭头连接符 24">
+            <a:extLst>
+              <a:ext uri="{FF2B5EF4-FFF2-40B4-BE49-F238E27FC236}">
+                <a16:creationId xmlns:a16="http://schemas.microsoft.com/office/drawing/2014/main" id="{27AD47C4-D913-4C1B-AF91-E40B5543D4D7}"/>
+              </a:ext>
+            </a:extLst>
+          </p:cNvPr>
+          <p:cNvCxnSpPr>
+            <a:cxnSpLocks/>
+            <a:stCxn id="22" idx="3"/>
+            <a:endCxn id="23" idx="1"/>
+          </p:cNvCxnSpPr>
+          <p:nvPr/>
+        </p:nvCxnSpPr>
+        <p:spPr>
+          <a:xfrm>
+            <a:off x="9145130" y="3575735"/>
+            <a:ext cx="282788" cy="1"/>
+          </a:xfrm>
+          <a:prstGeom prst="straightConnector1">
+            <a:avLst/>
+          </a:prstGeom>
+          <a:ln>
+            <a:headEnd type="triangle"/>
+            <a:tailEnd type="triangle"/>
+          </a:ln>
+        </p:spPr>
+        <p:style>
+          <a:lnRef idx="1">
+            <a:schemeClr val="accent1"/>
+          </a:lnRef>
+          <a:fillRef idx="0">
+            <a:schemeClr val="accent1"/>
+          </a:fillRef>
+          <a:effectRef idx="0">
+            <a:schemeClr val="accent1"/>
+          </a:effectRef>
+          <a:fontRef idx="minor">
+            <a:schemeClr val="tx1"/>
+          </a:fontRef>
+        </p:style>
+      </p:cxnSp>
+      <p:cxnSp>
+        <p:nvCxnSpPr>
+          <p:cNvPr id="26" name="直接箭头连接符 25">
+            <a:extLst>
+              <a:ext uri="{FF2B5EF4-FFF2-40B4-BE49-F238E27FC236}">
+                <a16:creationId xmlns:a16="http://schemas.microsoft.com/office/drawing/2014/main" id="{C6A396C6-299D-452C-96E3-1EC7F8A28EBB}"/>
+              </a:ext>
+            </a:extLst>
+          </p:cNvPr>
+          <p:cNvCxnSpPr>
+            <a:cxnSpLocks/>
+            <a:stCxn id="13" idx="3"/>
+            <a:endCxn id="7" idx="1"/>
+          </p:cNvCxnSpPr>
+          <p:nvPr/>
+        </p:nvCxnSpPr>
+        <p:spPr>
+          <a:xfrm flipV="1">
+            <a:off x="6950599" y="738493"/>
+            <a:ext cx="282788" cy="2"/>
+          </a:xfrm>
+          <a:prstGeom prst="straightConnector1">
+            <a:avLst/>
+          </a:prstGeom>
+          <a:ln>
+            <a:headEnd type="triangle"/>
+            <a:tailEnd type="triangle"/>
+          </a:ln>
+        </p:spPr>
+        <p:style>
+          <a:lnRef idx="1">
+            <a:schemeClr val="accent1"/>
+          </a:lnRef>
+          <a:fillRef idx="0">
+            <a:schemeClr val="accent1"/>
+          </a:fillRef>
+          <a:effectRef idx="0">
+            <a:schemeClr val="accent1"/>
+          </a:effectRef>
+          <a:fontRef idx="minor">
+            <a:schemeClr val="tx1"/>
+          </a:fontRef>
+        </p:style>
+      </p:cxnSp>
+      <p:cxnSp>
+        <p:nvCxnSpPr>
+          <p:cNvPr id="27" name="直接箭头连接符 26">
+            <a:extLst>
+              <a:ext uri="{FF2B5EF4-FFF2-40B4-BE49-F238E27FC236}">
+                <a16:creationId xmlns:a16="http://schemas.microsoft.com/office/drawing/2014/main" id="{254798C1-E966-4A27-A002-27DD02CA9A78}"/>
+              </a:ext>
+            </a:extLst>
+          </p:cNvPr>
+          <p:cNvCxnSpPr>
+            <a:cxnSpLocks/>
+            <a:stCxn id="23" idx="3"/>
+            <a:endCxn id="18" idx="1"/>
+          </p:cNvCxnSpPr>
+          <p:nvPr/>
+        </p:nvCxnSpPr>
+        <p:spPr>
+          <a:xfrm flipV="1">
+            <a:off x="10575782" y="3575734"/>
+            <a:ext cx="282788" cy="2"/>
+          </a:xfrm>
+          <a:prstGeom prst="straightConnector1">
+            <a:avLst/>
+          </a:prstGeom>
+          <a:ln>
+            <a:headEnd type="triangle"/>
+            <a:tailEnd type="triangle"/>
+          </a:ln>
+        </p:spPr>
+        <p:style>
+          <a:lnRef idx="1">
+            <a:schemeClr val="accent1"/>
+          </a:lnRef>
+          <a:fillRef idx="0">
+            <a:schemeClr val="accent1"/>
+          </a:fillRef>
+          <a:effectRef idx="0">
+            <a:schemeClr val="accent1"/>
+          </a:effectRef>
+          <a:fontRef idx="minor">
+            <a:schemeClr val="tx1"/>
+          </a:fontRef>
+        </p:style>
+      </p:cxnSp>
+      <p:cxnSp>
+        <p:nvCxnSpPr>
+          <p:cNvPr id="28" name="连接符: 肘形 27">
+            <a:extLst>
+              <a:ext uri="{FF2B5EF4-FFF2-40B4-BE49-F238E27FC236}">
+                <a16:creationId xmlns:a16="http://schemas.microsoft.com/office/drawing/2014/main" id="{5A7857B2-5AF5-4431-A347-B55829BE914E}"/>
+              </a:ext>
+            </a:extLst>
+          </p:cNvPr>
+          <p:cNvCxnSpPr>
+            <a:cxnSpLocks/>
+            <a:stCxn id="7" idx="3"/>
+            <a:endCxn id="8" idx="0"/>
+          </p:cNvCxnSpPr>
+          <p:nvPr/>
+        </p:nvCxnSpPr>
+        <p:spPr>
+          <a:xfrm flipH="1">
+            <a:off x="6922968" y="738493"/>
+            <a:ext cx="1458283" cy="1545080"/>
+          </a:xfrm>
+          <a:prstGeom prst="bentConnector3">
+            <a:avLst>
+              <a:gd name="adj1" fmla="val -15676"/>
+            </a:avLst>
+          </a:prstGeom>
+          <a:ln>
+            <a:headEnd type="triangle"/>
+            <a:tailEnd type="triangle"/>
+          </a:ln>
+        </p:spPr>
+        <p:style>
+          <a:lnRef idx="1">
+            <a:schemeClr val="accent1"/>
+          </a:lnRef>
+          <a:fillRef idx="0">
+            <a:schemeClr val="accent1"/>
+          </a:fillRef>
+          <a:effectRef idx="0">
+            <a:schemeClr val="accent1"/>
+          </a:effectRef>
+          <a:fontRef idx="minor">
+            <a:schemeClr val="tx1"/>
+          </a:fontRef>
+        </p:style>
+      </p:cxnSp>
+      <p:cxnSp>
+        <p:nvCxnSpPr>
+          <p:cNvPr id="29" name="连接符: 肘形 28">
+            <a:extLst>
+              <a:ext uri="{FF2B5EF4-FFF2-40B4-BE49-F238E27FC236}">
+                <a16:creationId xmlns:a16="http://schemas.microsoft.com/office/drawing/2014/main" id="{3C1FB75F-5363-4385-9048-339FF8EE4D42}"/>
+              </a:ext>
+            </a:extLst>
+          </p:cNvPr>
+          <p:cNvCxnSpPr>
+            <a:cxnSpLocks/>
+            <a:stCxn id="8" idx="2"/>
+            <a:endCxn id="16" idx="1"/>
+          </p:cNvCxnSpPr>
+          <p:nvPr/>
+        </p:nvCxnSpPr>
+        <p:spPr>
+          <a:xfrm rot="10800000" flipV="1">
+            <a:off x="3787246" y="2283573"/>
+            <a:ext cx="1673184" cy="1301888"/>
+          </a:xfrm>
+          <a:prstGeom prst="bentConnector3">
+            <a:avLst>
+              <a:gd name="adj1" fmla="val 113663"/>
+            </a:avLst>
+          </a:prstGeom>
+          <a:ln>
+            <a:headEnd type="triangle"/>
+            <a:tailEnd type="triangle"/>
+          </a:ln>
+        </p:spPr>
+        <p:style>
+          <a:lnRef idx="1">
+            <a:schemeClr val="accent1"/>
+          </a:lnRef>
+          <a:fillRef idx="0">
+            <a:schemeClr val="accent1"/>
+          </a:fillRef>
+          <a:effectRef idx="0">
+            <a:schemeClr val="accent1"/>
+          </a:effectRef>
+          <a:fontRef idx="minor">
+            <a:schemeClr val="tx1"/>
+          </a:fontRef>
+        </p:style>
+      </p:cxnSp>
+    </p:spTree>
+    <p:extLst>
+      <p:ext uri="{BB962C8B-B14F-4D97-AF65-F5344CB8AC3E}">
+        <p14:creationId xmlns:p14="http://schemas.microsoft.com/office/powerpoint/2010/main" val="612418971"/>
+      </p:ext>
+    </p:extLst>
+  </p:cSld>
+  <p:clrMapOvr>
+    <a:masterClrMapping/>
+  </p:clrMapOvr>
+</p:sld>
+</file>
+
+<file path=ppt/slides/slide5.xml><?xml version="1.0" encoding="utf-8"?>
+<p:sld xmlns:a="http://schemas.openxmlformats.org/drawingml/2006/main" xmlns:r="http://schemas.openxmlformats.org/officeDocument/2006/relationships" xmlns:p="http://schemas.openxmlformats.org/presentationml/2006/main">
+  <p:cSld>
+    <p:spTree>
+      <p:nvGrpSpPr>
+        <p:cNvPr id="1" name=""/>
+        <p:cNvGrpSpPr/>
+        <p:nvPr/>
+      </p:nvGrpSpPr>
+      <p:grpSpPr>
+        <a:xfrm>
+          <a:off x="0" y="0"/>
+          <a:ext cx="0" cy="0"/>
+          <a:chOff x="0" y="0"/>
+          <a:chExt cx="0" cy="0"/>
+        </a:xfrm>
+      </p:grpSpPr>
+      <p:sp>
+        <p:nvSpPr>
+          <p:cNvPr id="12" name="矩形 11">
+            <a:extLst>
+              <a:ext uri="{FF2B5EF4-FFF2-40B4-BE49-F238E27FC236}">
+                <a16:creationId xmlns:a16="http://schemas.microsoft.com/office/drawing/2014/main" id="{EEC34380-2725-49B8-9316-2FDE809EE319}"/>
+              </a:ext>
+            </a:extLst>
+          </p:cNvPr>
+          <p:cNvSpPr/>
+          <p:nvPr/>
+        </p:nvSpPr>
+        <p:spPr>
+          <a:xfrm>
+            <a:off x="1945532" y="1468877"/>
+            <a:ext cx="8155020" cy="2509736"/>
+          </a:xfrm>
+          <a:prstGeom prst="rect">
+            <a:avLst/>
+          </a:prstGeom>
+          <a:solidFill>
+            <a:schemeClr val="accent1">
+              <a:lumMod val="40000"/>
+              <a:lumOff val="60000"/>
+            </a:schemeClr>
+          </a:solidFill>
+        </p:spPr>
+        <p:style>
+          <a:lnRef idx="2">
+            <a:schemeClr val="accent1">
+              <a:shade val="50000"/>
+            </a:schemeClr>
+          </a:lnRef>
+          <a:fillRef idx="1">
+            <a:schemeClr val="accent1"/>
+          </a:fillRef>
+          <a:effectRef idx="0">
+            <a:schemeClr val="accent1"/>
+          </a:effectRef>
+          <a:fontRef idx="minor">
+            <a:schemeClr val="lt1"/>
+          </a:fontRef>
+        </p:style>
+        <p:txBody>
+          <a:bodyPr rtlCol="0" anchor="ctr"/>
+          <a:lstStyle/>
+          <a:p>
+            <a:pPr algn="ctr"/>
+            <a:endParaRPr lang="zh-CN" altLang="en-US"/>
+          </a:p>
+        </p:txBody>
+      </p:sp>
+      <p:sp>
+        <p:nvSpPr>
+          <p:cNvPr id="5" name="矩形 4">
+            <a:extLst>
+              <a:ext uri="{FF2B5EF4-FFF2-40B4-BE49-F238E27FC236}">
+                <a16:creationId xmlns:a16="http://schemas.microsoft.com/office/drawing/2014/main" id="{6F71BCB2-BC02-4B28-922E-98E48A5D3EB1}"/>
+              </a:ext>
+            </a:extLst>
+          </p:cNvPr>
+          <p:cNvSpPr/>
+          <p:nvPr/>
+        </p:nvSpPr>
+        <p:spPr>
+          <a:xfrm>
+            <a:off x="2176393" y="2151435"/>
+            <a:ext cx="7745820" cy="1671536"/>
+          </a:xfrm>
+          <a:prstGeom prst="rect">
+            <a:avLst/>
+          </a:prstGeom>
+          <a:solidFill>
+            <a:schemeClr val="accent2">
+              <a:lumMod val="60000"/>
+              <a:lumOff val="40000"/>
+            </a:schemeClr>
+          </a:solidFill>
+        </p:spPr>
+        <p:style>
+          <a:lnRef idx="2">
+            <a:schemeClr val="accent1">
+              <a:shade val="50000"/>
+            </a:schemeClr>
+          </a:lnRef>
+          <a:fillRef idx="1">
+            <a:schemeClr val="accent1"/>
+          </a:fillRef>
+          <a:effectRef idx="0">
+            <a:schemeClr val="accent1"/>
+          </a:effectRef>
+          <a:fontRef idx="minor">
+            <a:schemeClr val="lt1"/>
+          </a:fontRef>
+        </p:style>
+        <p:txBody>
+          <a:bodyPr rtlCol="0" anchor="ctr"/>
+          <a:lstStyle/>
+          <a:p>
+            <a:pPr algn="just"/>
+            <a:r>
+              <a:rPr lang="en-US" altLang="zh-CN" dirty="0">
+                <a:solidFill>
+                  <a:schemeClr val="tx1">
+                    <a:lumMod val="95000"/>
+                    <a:lumOff val="5000"/>
+                  </a:schemeClr>
+                </a:solidFill>
+                <a:latin typeface="Times New Roman" panose="02020603050405020304" pitchFamily="18" charset="0"/>
+                <a:cs typeface="Times New Roman" panose="02020603050405020304" pitchFamily="18" charset="0"/>
+              </a:rPr>
+              <a:t>private  Invoker&lt;T&gt; invoker; </a:t>
+            </a:r>
+            <a:r>
+              <a:rPr lang="en-US" altLang="zh-CN" dirty="0">
+                <a:solidFill>
+                  <a:srgbClr val="00B050"/>
+                </a:solidFill>
+                <a:latin typeface="Times New Roman" panose="02020603050405020304" pitchFamily="18" charset="0"/>
+                <a:cs typeface="Times New Roman" panose="02020603050405020304" pitchFamily="18" charset="0"/>
+              </a:rPr>
+              <a:t>// </a:t>
+            </a:r>
+            <a:r>
+              <a:rPr lang="en-US" altLang="zh-CN" dirty="0" err="1">
+                <a:solidFill>
+                  <a:srgbClr val="00B050"/>
+                </a:solidFill>
+                <a:latin typeface="Times New Roman" panose="02020603050405020304" pitchFamily="18" charset="0"/>
+                <a:cs typeface="Times New Roman" panose="02020603050405020304" pitchFamily="18" charset="0"/>
+              </a:rPr>
+              <a:t>wrapperInvoker</a:t>
+            </a:r>
+            <a:r>
+              <a:rPr lang="zh-CN" altLang="en-US" dirty="0">
+                <a:solidFill>
+                  <a:srgbClr val="00B050"/>
+                </a:solidFill>
+                <a:latin typeface="Times New Roman" panose="02020603050405020304" pitchFamily="18" charset="0"/>
+                <a:cs typeface="Times New Roman" panose="02020603050405020304" pitchFamily="18" charset="0"/>
+              </a:rPr>
+              <a:t>里包含了其他的</a:t>
+            </a:r>
+            <a:r>
+              <a:rPr lang="en-US" altLang="zh-CN" dirty="0">
+                <a:solidFill>
+                  <a:srgbClr val="00B050"/>
+                </a:solidFill>
+                <a:latin typeface="Times New Roman" panose="02020603050405020304" pitchFamily="18" charset="0"/>
+                <a:cs typeface="Times New Roman" panose="02020603050405020304" pitchFamily="18" charset="0"/>
+              </a:rPr>
+              <a:t>Invoker</a:t>
+            </a:r>
+          </a:p>
+          <a:p>
+            <a:pPr algn="just"/>
+            <a:r>
+              <a:rPr lang="en-US" altLang="zh-CN" dirty="0">
+                <a:solidFill>
+                  <a:schemeClr val="tx1">
+                    <a:lumMod val="95000"/>
+                    <a:lumOff val="5000"/>
+                  </a:schemeClr>
+                </a:solidFill>
+                <a:latin typeface="Times New Roman" panose="02020603050405020304" pitchFamily="18" charset="0"/>
+                <a:cs typeface="Times New Roman" panose="02020603050405020304" pitchFamily="18" charset="0"/>
+              </a:rPr>
+              <a:t>public Result invoke(Invocation invocation) throws </a:t>
+            </a:r>
+            <a:r>
+              <a:rPr lang="en-US" altLang="zh-CN" dirty="0" err="1">
+                <a:solidFill>
+                  <a:schemeClr val="tx1">
+                    <a:lumMod val="95000"/>
+                    <a:lumOff val="5000"/>
+                  </a:schemeClr>
+                </a:solidFill>
+                <a:latin typeface="Times New Roman" panose="02020603050405020304" pitchFamily="18" charset="0"/>
+                <a:cs typeface="Times New Roman" panose="02020603050405020304" pitchFamily="18" charset="0"/>
+              </a:rPr>
+              <a:t>RpcException</a:t>
+            </a:r>
+            <a:r>
+              <a:rPr lang="en-US" altLang="zh-CN" dirty="0">
+                <a:solidFill>
+                  <a:schemeClr val="tx1">
+                    <a:lumMod val="95000"/>
+                    <a:lumOff val="5000"/>
+                  </a:schemeClr>
+                </a:solidFill>
+                <a:latin typeface="Times New Roman" panose="02020603050405020304" pitchFamily="18" charset="0"/>
+                <a:cs typeface="Times New Roman" panose="02020603050405020304" pitchFamily="18" charset="0"/>
+              </a:rPr>
+              <a:t> {</a:t>
+            </a:r>
+          </a:p>
+          <a:p>
+            <a:pPr algn="just"/>
+            <a:r>
+              <a:rPr lang="en-US" altLang="zh-CN" dirty="0">
+                <a:solidFill>
+                  <a:schemeClr val="tx1">
+                    <a:lumMod val="95000"/>
+                    <a:lumOff val="5000"/>
+                  </a:schemeClr>
+                </a:solidFill>
+                <a:latin typeface="Times New Roman" panose="02020603050405020304" pitchFamily="18" charset="0"/>
+                <a:cs typeface="Times New Roman" panose="02020603050405020304" pitchFamily="18" charset="0"/>
+              </a:rPr>
+              <a:t>        //</a:t>
+            </a:r>
+            <a:r>
+              <a:rPr lang="en-US" altLang="zh-CN" dirty="0" err="1">
+                <a:solidFill>
+                  <a:schemeClr val="tx1">
+                    <a:lumMod val="95000"/>
+                    <a:lumOff val="5000"/>
+                  </a:schemeClr>
+                </a:solidFill>
+                <a:latin typeface="Times New Roman" panose="02020603050405020304" pitchFamily="18" charset="0"/>
+                <a:cs typeface="Times New Roman" panose="02020603050405020304" pitchFamily="18" charset="0"/>
+              </a:rPr>
+              <a:t>doSomething</a:t>
+            </a:r>
+            <a:r>
+              <a:rPr lang="en-US" altLang="zh-CN" dirty="0">
+                <a:solidFill>
+                  <a:schemeClr val="tx1">
+                    <a:lumMod val="95000"/>
+                    <a:lumOff val="5000"/>
+                  </a:schemeClr>
+                </a:solidFill>
+                <a:latin typeface="Times New Roman" panose="02020603050405020304" pitchFamily="18" charset="0"/>
+                <a:cs typeface="Times New Roman" panose="02020603050405020304" pitchFamily="18" charset="0"/>
+              </a:rPr>
+              <a:t> </a:t>
+            </a:r>
+          </a:p>
+          <a:p>
+            <a:pPr algn="just"/>
+            <a:r>
+              <a:rPr lang="en-US" altLang="zh-CN" dirty="0">
+                <a:solidFill>
+                  <a:schemeClr val="tx1">
+                    <a:lumMod val="95000"/>
+                    <a:lumOff val="5000"/>
+                  </a:schemeClr>
+                </a:solidFill>
+                <a:latin typeface="Times New Roman" panose="02020603050405020304" pitchFamily="18" charset="0"/>
+                <a:cs typeface="Times New Roman" panose="02020603050405020304" pitchFamily="18" charset="0"/>
+              </a:rPr>
+              <a:t>        return </a:t>
+            </a:r>
+            <a:r>
+              <a:rPr lang="en-US" altLang="zh-CN" dirty="0" err="1">
+                <a:solidFill>
+                  <a:schemeClr val="tx1">
+                    <a:lumMod val="95000"/>
+                    <a:lumOff val="5000"/>
+                  </a:schemeClr>
+                </a:solidFill>
+                <a:latin typeface="Times New Roman" panose="02020603050405020304" pitchFamily="18" charset="0"/>
+                <a:cs typeface="Times New Roman" panose="02020603050405020304" pitchFamily="18" charset="0"/>
+              </a:rPr>
+              <a:t>invoker.invoke</a:t>
+            </a:r>
+            <a:r>
+              <a:rPr lang="en-US" altLang="zh-CN" dirty="0">
+                <a:solidFill>
+                  <a:schemeClr val="tx1">
+                    <a:lumMod val="95000"/>
+                    <a:lumOff val="5000"/>
+                  </a:schemeClr>
+                </a:solidFill>
+                <a:latin typeface="Times New Roman" panose="02020603050405020304" pitchFamily="18" charset="0"/>
+                <a:cs typeface="Times New Roman" panose="02020603050405020304" pitchFamily="18" charset="0"/>
+              </a:rPr>
+              <a:t>(invocation); </a:t>
+            </a:r>
+            <a:r>
+              <a:rPr lang="en-US" altLang="zh-CN" dirty="0">
+                <a:solidFill>
+                  <a:srgbClr val="00B050"/>
+                </a:solidFill>
+                <a:latin typeface="Times New Roman" panose="02020603050405020304" pitchFamily="18" charset="0"/>
+                <a:cs typeface="Times New Roman" panose="02020603050405020304" pitchFamily="18" charset="0"/>
+              </a:rPr>
+              <a:t>//</a:t>
+            </a:r>
+            <a:r>
+              <a:rPr lang="zh-CN" altLang="en-US" dirty="0">
+                <a:solidFill>
+                  <a:srgbClr val="00B050"/>
+                </a:solidFill>
+                <a:latin typeface="Times New Roman" panose="02020603050405020304" pitchFamily="18" charset="0"/>
+                <a:cs typeface="Times New Roman" panose="02020603050405020304" pitchFamily="18" charset="0"/>
+              </a:rPr>
+              <a:t>调用其他</a:t>
+            </a:r>
+            <a:r>
+              <a:rPr lang="en-US" altLang="zh-CN" dirty="0">
+                <a:solidFill>
+                  <a:srgbClr val="00B050"/>
+                </a:solidFill>
+                <a:latin typeface="Times New Roman" panose="02020603050405020304" pitchFamily="18" charset="0"/>
+                <a:cs typeface="Times New Roman" panose="02020603050405020304" pitchFamily="18" charset="0"/>
+              </a:rPr>
+              <a:t>Invoker</a:t>
+            </a:r>
+            <a:r>
+              <a:rPr lang="zh-CN" altLang="en-US" dirty="0">
+                <a:solidFill>
+                  <a:srgbClr val="00B050"/>
+                </a:solidFill>
+                <a:latin typeface="Times New Roman" panose="02020603050405020304" pitchFamily="18" charset="0"/>
+                <a:cs typeface="Times New Roman" panose="02020603050405020304" pitchFamily="18" charset="0"/>
+              </a:rPr>
+              <a:t>的</a:t>
+            </a:r>
+            <a:r>
+              <a:rPr lang="en-US" altLang="zh-CN" dirty="0">
+                <a:solidFill>
+                  <a:srgbClr val="00B050"/>
+                </a:solidFill>
+                <a:latin typeface="Times New Roman" panose="02020603050405020304" pitchFamily="18" charset="0"/>
+                <a:cs typeface="Times New Roman" panose="02020603050405020304" pitchFamily="18" charset="0"/>
+              </a:rPr>
+              <a:t>invoke</a:t>
+            </a:r>
+            <a:r>
+              <a:rPr lang="zh-CN" altLang="en-US" dirty="0">
+                <a:solidFill>
+                  <a:srgbClr val="00B050"/>
+                </a:solidFill>
+                <a:latin typeface="Times New Roman" panose="02020603050405020304" pitchFamily="18" charset="0"/>
+                <a:cs typeface="Times New Roman" panose="02020603050405020304" pitchFamily="18" charset="0"/>
+              </a:rPr>
+              <a:t>方法</a:t>
+            </a:r>
+            <a:endParaRPr lang="en-US" altLang="zh-CN" dirty="0">
+              <a:solidFill>
+                <a:srgbClr val="00B050"/>
+              </a:solidFill>
+              <a:latin typeface="Times New Roman" panose="02020603050405020304" pitchFamily="18" charset="0"/>
+              <a:cs typeface="Times New Roman" panose="02020603050405020304" pitchFamily="18" charset="0"/>
+            </a:endParaRPr>
+          </a:p>
+          <a:p>
+            <a:pPr algn="just"/>
+            <a:r>
+              <a:rPr lang="en-US" altLang="zh-CN" dirty="0">
+                <a:solidFill>
+                  <a:schemeClr val="tx1">
+                    <a:lumMod val="95000"/>
+                    <a:lumOff val="5000"/>
+                  </a:schemeClr>
+                </a:solidFill>
+                <a:latin typeface="Times New Roman" panose="02020603050405020304" pitchFamily="18" charset="0"/>
+                <a:cs typeface="Times New Roman" panose="02020603050405020304" pitchFamily="18" charset="0"/>
+              </a:rPr>
+              <a:t>}</a:t>
+            </a:r>
+          </a:p>
+        </p:txBody>
+      </p:sp>
+      <p:sp>
+        <p:nvSpPr>
+          <p:cNvPr id="7" name="文本框 6">
+            <a:extLst>
+              <a:ext uri="{FF2B5EF4-FFF2-40B4-BE49-F238E27FC236}">
+                <a16:creationId xmlns:a16="http://schemas.microsoft.com/office/drawing/2014/main" id="{9BCA1438-9146-475A-83CA-2DDB3CB025E3}"/>
+              </a:ext>
+            </a:extLst>
+          </p:cNvPr>
+          <p:cNvSpPr txBox="1"/>
+          <p:nvPr/>
+        </p:nvSpPr>
+        <p:spPr>
+          <a:xfrm>
+            <a:off x="2091448" y="1665371"/>
+            <a:ext cx="3362526" cy="369332"/>
+          </a:xfrm>
+          <a:prstGeom prst="rect">
+            <a:avLst/>
+          </a:prstGeom>
+          <a:noFill/>
+        </p:spPr>
+        <p:txBody>
+          <a:bodyPr wrap="square">
+            <a:spAutoFit/>
+          </a:bodyPr>
+          <a:lstStyle/>
+          <a:p>
+            <a:pPr algn="ctr"/>
+            <a:r>
+              <a:rPr lang="en-US" altLang="zh-CN" dirty="0" err="1"/>
+              <a:t>wrapperInvoker</a:t>
+            </a:r>
+            <a:r>
+              <a:rPr lang="zh-CN" altLang="en-US" dirty="0"/>
+              <a:t>的具体逻辑</a:t>
+            </a:r>
+          </a:p>
+        </p:txBody>
+      </p:sp>
+    </p:spTree>
+    <p:extLst>
+      <p:ext uri="{BB962C8B-B14F-4D97-AF65-F5344CB8AC3E}">
+        <p14:creationId xmlns:p14="http://schemas.microsoft.com/office/powerpoint/2010/main" val="380730913"/>
+      </p:ext>
+    </p:extLst>
+  </p:cSld>
+  <p:clrMapOvr>
+    <a:masterClrMapping/>
+  </p:clrMapOvr>
+</p:sld>
+</file>
+
+<file path=ppt/slides/slide6.xml><?xml version="1.0" encoding="utf-8"?>
+<p:sld xmlns:a="http://schemas.openxmlformats.org/drawingml/2006/main" xmlns:r="http://schemas.openxmlformats.org/officeDocument/2006/relationships" xmlns:p="http://schemas.openxmlformats.org/presentationml/2006/main">
+  <p:cSld>
+    <p:spTree>
+      <p:nvGrpSpPr>
+        <p:cNvPr id="1" name=""/>
+        <p:cNvGrpSpPr/>
+        <p:nvPr/>
+      </p:nvGrpSpPr>
+      <p:grpSpPr>
+        <a:xfrm>
+          <a:off x="0" y="0"/>
+          <a:ext cx="0" cy="0"/>
+          <a:chOff x="0" y="0"/>
+          <a:chExt cx="0" cy="0"/>
+        </a:xfrm>
+      </p:grpSpPr>
+      <p:sp>
+        <p:nvSpPr>
+          <p:cNvPr id="4" name="矩形 3">
+            <a:extLst>
+              <a:ext uri="{FF2B5EF4-FFF2-40B4-BE49-F238E27FC236}">
+                <a16:creationId xmlns:a16="http://schemas.microsoft.com/office/drawing/2014/main" id="{59A5A245-824F-4E13-8ABE-814F18230EB9}"/>
+              </a:ext>
+            </a:extLst>
+          </p:cNvPr>
+          <p:cNvSpPr/>
+          <p:nvPr/>
+        </p:nvSpPr>
+        <p:spPr>
+          <a:xfrm>
+            <a:off x="149086" y="199740"/>
+            <a:ext cx="11947476" cy="4908973"/>
+          </a:xfrm>
+          <a:prstGeom prst="rect">
+            <a:avLst/>
+          </a:prstGeom>
+          <a:noFill/>
+          <a:ln w="28575">
+            <a:solidFill>
+              <a:schemeClr val="bg2">
+                <a:lumMod val="75000"/>
+              </a:schemeClr>
+            </a:solidFill>
+          </a:ln>
+        </p:spPr>
+        <p:style>
+          <a:lnRef idx="2">
+            <a:schemeClr val="accent1">
+              <a:shade val="50000"/>
+            </a:schemeClr>
+          </a:lnRef>
+          <a:fillRef idx="1">
+            <a:schemeClr val="accent1"/>
+          </a:fillRef>
+          <a:effectRef idx="0">
+            <a:schemeClr val="accent1"/>
+          </a:effectRef>
+          <a:fontRef idx="minor">
+            <a:schemeClr val="lt1"/>
+          </a:fontRef>
+        </p:style>
+        <p:txBody>
+          <a:bodyPr rtlCol="0" anchor="ctr"/>
+          <a:lstStyle/>
+          <a:p>
+            <a:pPr algn="ctr"/>
+            <a:endParaRPr lang="zh-CN" altLang="en-US"/>
+          </a:p>
+        </p:txBody>
+      </p:sp>
+      <p:sp>
+        <p:nvSpPr>
+          <p:cNvPr id="5" name="矩形 4">
+            <a:extLst>
+              <a:ext uri="{FF2B5EF4-FFF2-40B4-BE49-F238E27FC236}">
+                <a16:creationId xmlns:a16="http://schemas.microsoft.com/office/drawing/2014/main" id="{2CE2F626-1C5A-429A-8811-76D91E564448}"/>
+              </a:ext>
+            </a:extLst>
+          </p:cNvPr>
+          <p:cNvSpPr/>
+          <p:nvPr/>
+        </p:nvSpPr>
+        <p:spPr>
+          <a:xfrm>
+            <a:off x="234584" y="712844"/>
+            <a:ext cx="1147864" cy="714983"/>
+          </a:xfrm>
+          <a:prstGeom prst="rect">
+            <a:avLst/>
+          </a:prstGeom>
+        </p:spPr>
+        <p:style>
+          <a:lnRef idx="2">
+            <a:schemeClr val="accent1">
+              <a:shade val="50000"/>
+            </a:schemeClr>
+          </a:lnRef>
+          <a:fillRef idx="1">
+            <a:schemeClr val="accent1"/>
+          </a:fillRef>
+          <a:effectRef idx="0">
+            <a:schemeClr val="accent1"/>
+          </a:effectRef>
+          <a:fontRef idx="minor">
+            <a:schemeClr val="lt1"/>
+          </a:fontRef>
+        </p:style>
+        <p:txBody>
+          <a:bodyPr rtlCol="0" anchor="ctr"/>
+          <a:lstStyle/>
+          <a:p>
+            <a:pPr algn="ctr"/>
+            <a:r>
+              <a:rPr lang="zh-CN" altLang="en-US" dirty="0"/>
+              <a:t>消费端</a:t>
+            </a:r>
+            <a:r>
+              <a:rPr lang="en-US" altLang="zh-CN" dirty="0"/>
+              <a:t>proxy</a:t>
+            </a:r>
+            <a:endParaRPr lang="zh-CN" altLang="en-US" dirty="0"/>
+          </a:p>
+        </p:txBody>
+      </p:sp>
+      <p:sp>
+        <p:nvSpPr>
+          <p:cNvPr id="6" name="矩形 5">
+            <a:extLst>
+              <a:ext uri="{FF2B5EF4-FFF2-40B4-BE49-F238E27FC236}">
+                <a16:creationId xmlns:a16="http://schemas.microsoft.com/office/drawing/2014/main" id="{BA1B9EE9-909D-407E-86FB-E02C13308D18}"/>
+              </a:ext>
+            </a:extLst>
+          </p:cNvPr>
+          <p:cNvSpPr/>
+          <p:nvPr/>
+        </p:nvSpPr>
+        <p:spPr>
+          <a:xfrm>
+            <a:off x="1662288" y="410604"/>
+            <a:ext cx="1147864" cy="1331070"/>
+          </a:xfrm>
+          <a:prstGeom prst="rect">
+            <a:avLst/>
+          </a:prstGeom>
+        </p:spPr>
+        <p:style>
+          <a:lnRef idx="2">
+            <a:schemeClr val="accent1">
+              <a:shade val="50000"/>
+            </a:schemeClr>
+          </a:lnRef>
+          <a:fillRef idx="1">
+            <a:schemeClr val="accent1"/>
+          </a:fillRef>
+          <a:effectRef idx="0">
+            <a:schemeClr val="accent1"/>
+          </a:effectRef>
+          <a:fontRef idx="minor">
+            <a:schemeClr val="lt1"/>
+          </a:fontRef>
+        </p:style>
+        <p:txBody>
+          <a:bodyPr rtlCol="0" anchor="t" anchorCtr="0"/>
+          <a:lstStyle/>
+          <a:p>
+            <a:pPr algn="ctr"/>
+            <a:r>
+              <a:rPr lang="zh-CN" altLang="en-US" dirty="0"/>
+              <a:t>消费端</a:t>
+            </a:r>
+            <a:r>
+              <a:rPr lang="en-US" altLang="zh-CN" dirty="0"/>
+              <a:t>Invoker1</a:t>
+            </a:r>
+          </a:p>
+        </p:txBody>
+      </p:sp>
+      <p:sp>
+        <p:nvSpPr>
+          <p:cNvPr id="7" name="矩形 6">
+            <a:extLst>
+              <a:ext uri="{FF2B5EF4-FFF2-40B4-BE49-F238E27FC236}">
+                <a16:creationId xmlns:a16="http://schemas.microsoft.com/office/drawing/2014/main" id="{F98F0D86-724F-45EB-8D1D-0092597DB9EE}"/>
+              </a:ext>
+            </a:extLst>
+          </p:cNvPr>
+          <p:cNvSpPr/>
+          <p:nvPr/>
+        </p:nvSpPr>
+        <p:spPr>
+          <a:xfrm>
+            <a:off x="8502819" y="889045"/>
+            <a:ext cx="1147864" cy="714983"/>
+          </a:xfrm>
+          <a:prstGeom prst="rect">
+            <a:avLst/>
+          </a:prstGeom>
+        </p:spPr>
+        <p:style>
+          <a:lnRef idx="2">
+            <a:schemeClr val="accent1">
+              <a:shade val="50000"/>
+            </a:schemeClr>
+          </a:lnRef>
+          <a:fillRef idx="1">
+            <a:schemeClr val="accent1"/>
+          </a:fillRef>
+          <a:effectRef idx="0">
+            <a:schemeClr val="accent1"/>
+          </a:effectRef>
+          <a:fontRef idx="minor">
+            <a:schemeClr val="lt1"/>
+          </a:fontRef>
+        </p:style>
+        <p:txBody>
+          <a:bodyPr rtlCol="0" anchor="ctr"/>
+          <a:lstStyle/>
+          <a:p>
+            <a:pPr algn="ctr"/>
+            <a:r>
+              <a:rPr lang="en-US" altLang="zh-CN" dirty="0"/>
+              <a:t>REF</a:t>
+            </a:r>
+            <a:endParaRPr lang="zh-CN" altLang="en-US" dirty="0"/>
+          </a:p>
+        </p:txBody>
+      </p:sp>
+      <p:sp>
+        <p:nvSpPr>
+          <p:cNvPr id="8" name="云形 7">
+            <a:extLst>
+              <a:ext uri="{FF2B5EF4-FFF2-40B4-BE49-F238E27FC236}">
+                <a16:creationId xmlns:a16="http://schemas.microsoft.com/office/drawing/2014/main" id="{876DF57F-2D73-4919-8DAD-3F339AC68218}"/>
+              </a:ext>
+            </a:extLst>
+          </p:cNvPr>
+          <p:cNvSpPr/>
+          <p:nvPr/>
+        </p:nvSpPr>
+        <p:spPr>
+          <a:xfrm>
+            <a:off x="5536735" y="2201410"/>
+            <a:ext cx="1468316" cy="914400"/>
+          </a:xfrm>
+          <a:prstGeom prst="cloud">
+            <a:avLst/>
+          </a:prstGeom>
+          <a:solidFill>
+            <a:schemeClr val="accent3">
+              <a:lumMod val="20000"/>
+              <a:lumOff val="80000"/>
+            </a:schemeClr>
+          </a:solidFill>
+        </p:spPr>
+        <p:style>
+          <a:lnRef idx="2">
+            <a:schemeClr val="accent1">
+              <a:shade val="50000"/>
+            </a:schemeClr>
+          </a:lnRef>
+          <a:fillRef idx="1">
+            <a:schemeClr val="accent1"/>
+          </a:fillRef>
+          <a:effectRef idx="0">
+            <a:schemeClr val="accent1"/>
+          </a:effectRef>
+          <a:fontRef idx="minor">
+            <a:schemeClr val="lt1"/>
+          </a:fontRef>
+        </p:style>
+        <p:txBody>
+          <a:bodyPr rtlCol="0" anchor="ctr"/>
+          <a:lstStyle/>
+          <a:p>
+            <a:pPr algn="ctr"/>
+            <a:r>
+              <a:rPr lang="zh-CN" altLang="en-US" dirty="0">
+                <a:solidFill>
+                  <a:schemeClr val="tx1"/>
+                </a:solidFill>
+              </a:rPr>
+              <a:t>网络</a:t>
+            </a:r>
+          </a:p>
+        </p:txBody>
+      </p:sp>
+      <p:cxnSp>
+        <p:nvCxnSpPr>
+          <p:cNvPr id="9" name="直接箭头连接符 8">
+            <a:extLst>
+              <a:ext uri="{FF2B5EF4-FFF2-40B4-BE49-F238E27FC236}">
+                <a16:creationId xmlns:a16="http://schemas.microsoft.com/office/drawing/2014/main" id="{CEBCACC9-EA61-4F2C-B4FB-53EB180CED50}"/>
+              </a:ext>
+            </a:extLst>
+          </p:cNvPr>
+          <p:cNvCxnSpPr>
+            <a:cxnSpLocks/>
+            <a:stCxn id="5" idx="3"/>
+            <a:endCxn id="6" idx="1"/>
+          </p:cNvCxnSpPr>
+          <p:nvPr/>
+        </p:nvCxnSpPr>
+        <p:spPr>
+          <a:xfrm>
+            <a:off x="1382448" y="1070336"/>
+            <a:ext cx="279840" cy="5803"/>
+          </a:xfrm>
+          <a:prstGeom prst="straightConnector1">
+            <a:avLst/>
+          </a:prstGeom>
+          <a:ln>
+            <a:solidFill>
+              <a:srgbClr val="FF0000"/>
+            </a:solidFill>
+            <a:headEnd type="triangle"/>
+            <a:tailEnd type="triangle"/>
+          </a:ln>
+        </p:spPr>
+        <p:style>
+          <a:lnRef idx="1">
+            <a:schemeClr val="accent1"/>
+          </a:lnRef>
+          <a:fillRef idx="0">
+            <a:schemeClr val="accent1"/>
+          </a:fillRef>
+          <a:effectRef idx="0">
+            <a:schemeClr val="accent1"/>
+          </a:effectRef>
+          <a:fontRef idx="minor">
+            <a:schemeClr val="tx1"/>
+          </a:fontRef>
+        </p:style>
+      </p:cxnSp>
+      <p:cxnSp>
+        <p:nvCxnSpPr>
+          <p:cNvPr id="10" name="直接箭头连接符 9">
+            <a:extLst>
+              <a:ext uri="{FF2B5EF4-FFF2-40B4-BE49-F238E27FC236}">
+                <a16:creationId xmlns:a16="http://schemas.microsoft.com/office/drawing/2014/main" id="{1E5053EA-A2A8-4C76-8E28-52B5A18AA484}"/>
+              </a:ext>
+            </a:extLst>
+          </p:cNvPr>
+          <p:cNvCxnSpPr>
+            <a:cxnSpLocks/>
+            <a:stCxn id="6" idx="3"/>
+            <a:endCxn id="11" idx="1"/>
+          </p:cNvCxnSpPr>
+          <p:nvPr/>
+        </p:nvCxnSpPr>
+        <p:spPr>
+          <a:xfrm>
+            <a:off x="2810152" y="1076139"/>
+            <a:ext cx="241820" cy="1"/>
+          </a:xfrm>
+          <a:prstGeom prst="straightConnector1">
+            <a:avLst/>
+          </a:prstGeom>
+          <a:ln>
+            <a:solidFill>
+              <a:srgbClr val="FF0000"/>
+            </a:solidFill>
+            <a:headEnd type="triangle"/>
+            <a:tailEnd type="triangle"/>
+          </a:ln>
+        </p:spPr>
+        <p:style>
+          <a:lnRef idx="1">
+            <a:schemeClr val="accent1"/>
+          </a:lnRef>
+          <a:fillRef idx="0">
+            <a:schemeClr val="accent1"/>
+          </a:fillRef>
+          <a:effectRef idx="0">
+            <a:schemeClr val="accent1"/>
+          </a:effectRef>
+          <a:fontRef idx="minor">
+            <a:schemeClr val="tx1"/>
+          </a:fontRef>
+        </p:style>
+      </p:cxnSp>
+      <p:sp>
+        <p:nvSpPr>
+          <p:cNvPr id="11" name="矩形 10">
+            <a:extLst>
+              <a:ext uri="{FF2B5EF4-FFF2-40B4-BE49-F238E27FC236}">
+                <a16:creationId xmlns:a16="http://schemas.microsoft.com/office/drawing/2014/main" id="{B71BB331-57AB-4E30-B292-9F4B138EA309}"/>
+              </a:ext>
+            </a:extLst>
+          </p:cNvPr>
+          <p:cNvSpPr/>
+          <p:nvPr/>
+        </p:nvSpPr>
+        <p:spPr>
+          <a:xfrm>
+            <a:off x="3051972" y="410606"/>
+            <a:ext cx="1147864" cy="1331068"/>
+          </a:xfrm>
+          <a:prstGeom prst="rect">
+            <a:avLst/>
+          </a:prstGeom>
+        </p:spPr>
+        <p:style>
+          <a:lnRef idx="2">
+            <a:schemeClr val="accent1">
+              <a:shade val="50000"/>
+            </a:schemeClr>
+          </a:lnRef>
+          <a:fillRef idx="1">
+            <a:schemeClr val="accent1"/>
+          </a:fillRef>
+          <a:effectRef idx="0">
+            <a:schemeClr val="accent1"/>
+          </a:effectRef>
+          <a:fontRef idx="minor">
+            <a:schemeClr val="lt1"/>
+          </a:fontRef>
+        </p:style>
+        <p:txBody>
+          <a:bodyPr rtlCol="0" anchor="t" anchorCtr="0"/>
+          <a:lstStyle/>
+          <a:p>
+            <a:pPr algn="ctr"/>
+            <a:r>
+              <a:rPr lang="zh-CN" altLang="en-US" dirty="0"/>
+              <a:t>消费端</a:t>
+            </a:r>
+            <a:r>
+              <a:rPr lang="en-US" altLang="zh-CN" dirty="0"/>
+              <a:t>Invoker2</a:t>
+            </a:r>
+            <a:endParaRPr lang="zh-CN" altLang="en-US" dirty="0"/>
+          </a:p>
+        </p:txBody>
+      </p:sp>
+      <p:sp>
+        <p:nvSpPr>
+          <p:cNvPr id="12" name="矩形 11">
+            <a:extLst>
+              <a:ext uri="{FF2B5EF4-FFF2-40B4-BE49-F238E27FC236}">
+                <a16:creationId xmlns:a16="http://schemas.microsoft.com/office/drawing/2014/main" id="{80587DEA-CF8B-4E21-8C3E-EAC33399DA99}"/>
+              </a:ext>
+            </a:extLst>
+          </p:cNvPr>
+          <p:cNvSpPr/>
+          <p:nvPr/>
+        </p:nvSpPr>
+        <p:spPr>
+          <a:xfrm>
+            <a:off x="4441656" y="400880"/>
+            <a:ext cx="1147864" cy="1353781"/>
+          </a:xfrm>
+          <a:prstGeom prst="rect">
+            <a:avLst/>
+          </a:prstGeom>
+        </p:spPr>
+        <p:style>
+          <a:lnRef idx="2">
+            <a:schemeClr val="accent1">
+              <a:shade val="50000"/>
+            </a:schemeClr>
+          </a:lnRef>
+          <a:fillRef idx="1">
+            <a:schemeClr val="accent1"/>
+          </a:fillRef>
+          <a:effectRef idx="0">
+            <a:schemeClr val="accent1"/>
+          </a:effectRef>
+          <a:fontRef idx="minor">
+            <a:schemeClr val="lt1"/>
+          </a:fontRef>
+        </p:style>
+        <p:txBody>
+          <a:bodyPr rtlCol="0" anchor="t" anchorCtr="0"/>
+          <a:lstStyle/>
+          <a:p>
+            <a:pPr algn="ctr"/>
+            <a:r>
+              <a:rPr lang="en-US" altLang="zh-CN" dirty="0"/>
+              <a:t>……</a:t>
+            </a:r>
+            <a:endParaRPr lang="zh-CN" altLang="en-US" dirty="0"/>
+          </a:p>
+        </p:txBody>
+      </p:sp>
+      <p:sp>
+        <p:nvSpPr>
+          <p:cNvPr id="13" name="矩形 12">
+            <a:extLst>
+              <a:ext uri="{FF2B5EF4-FFF2-40B4-BE49-F238E27FC236}">
+                <a16:creationId xmlns:a16="http://schemas.microsoft.com/office/drawing/2014/main" id="{45F9A57D-276A-42DC-A894-0CB249053D60}"/>
+              </a:ext>
+            </a:extLst>
+          </p:cNvPr>
+          <p:cNvSpPr/>
+          <p:nvPr/>
+        </p:nvSpPr>
+        <p:spPr>
+          <a:xfrm>
+            <a:off x="5908748" y="413920"/>
+            <a:ext cx="2299686" cy="1345306"/>
+          </a:xfrm>
+          <a:prstGeom prst="rect">
+            <a:avLst/>
+          </a:prstGeom>
+        </p:spPr>
+        <p:style>
+          <a:lnRef idx="2">
+            <a:schemeClr val="accent1">
+              <a:shade val="50000"/>
+            </a:schemeClr>
+          </a:lnRef>
+          <a:fillRef idx="1">
+            <a:schemeClr val="accent1"/>
+          </a:fillRef>
+          <a:effectRef idx="0">
+            <a:schemeClr val="accent1"/>
+          </a:effectRef>
+          <a:fontRef idx="minor">
+            <a:schemeClr val="lt1"/>
+          </a:fontRef>
+        </p:style>
+        <p:txBody>
+          <a:bodyPr rtlCol="0" anchor="t" anchorCtr="0"/>
+          <a:lstStyle/>
+          <a:p>
+            <a:pPr algn="ctr"/>
+            <a:r>
+              <a:rPr lang="zh-CN" altLang="en-US" dirty="0"/>
+              <a:t>消费端</a:t>
+            </a:r>
+            <a:r>
+              <a:rPr lang="en-US" altLang="zh-CN" dirty="0" err="1"/>
+              <a:t>InvokerN</a:t>
+            </a:r>
+            <a:endParaRPr lang="zh-CN" altLang="en-US" dirty="0"/>
+          </a:p>
+        </p:txBody>
+      </p:sp>
+      <p:cxnSp>
+        <p:nvCxnSpPr>
+          <p:cNvPr id="14" name="直接箭头连接符 13">
+            <a:extLst>
+              <a:ext uri="{FF2B5EF4-FFF2-40B4-BE49-F238E27FC236}">
+                <a16:creationId xmlns:a16="http://schemas.microsoft.com/office/drawing/2014/main" id="{54F5B365-C050-4BA8-9B83-512808C4B09C}"/>
+              </a:ext>
+            </a:extLst>
+          </p:cNvPr>
+          <p:cNvCxnSpPr>
+            <a:cxnSpLocks/>
+            <a:stCxn id="12" idx="1"/>
+            <a:endCxn id="11" idx="3"/>
+          </p:cNvCxnSpPr>
+          <p:nvPr/>
+        </p:nvCxnSpPr>
+        <p:spPr>
+          <a:xfrm flipH="1" flipV="1">
+            <a:off x="4199836" y="1076140"/>
+            <a:ext cx="241820" cy="1631"/>
+          </a:xfrm>
+          <a:prstGeom prst="straightConnector1">
+            <a:avLst/>
+          </a:prstGeom>
+          <a:ln>
+            <a:solidFill>
+              <a:srgbClr val="FF0000"/>
+            </a:solidFill>
+            <a:headEnd type="triangle"/>
+            <a:tailEnd type="triangle"/>
+          </a:ln>
+        </p:spPr>
+        <p:style>
+          <a:lnRef idx="1">
+            <a:schemeClr val="accent1"/>
+          </a:lnRef>
+          <a:fillRef idx="0">
+            <a:schemeClr val="accent1"/>
+          </a:fillRef>
+          <a:effectRef idx="0">
+            <a:schemeClr val="accent1"/>
+          </a:effectRef>
+          <a:fontRef idx="minor">
+            <a:schemeClr val="tx1"/>
+          </a:fontRef>
+        </p:style>
+      </p:cxnSp>
+      <p:cxnSp>
+        <p:nvCxnSpPr>
+          <p:cNvPr id="15" name="直接箭头连接符 14">
+            <a:extLst>
+              <a:ext uri="{FF2B5EF4-FFF2-40B4-BE49-F238E27FC236}">
+                <a16:creationId xmlns:a16="http://schemas.microsoft.com/office/drawing/2014/main" id="{F9C20B44-5BE1-4D2E-B866-444D78228741}"/>
+              </a:ext>
+            </a:extLst>
+          </p:cNvPr>
+          <p:cNvCxnSpPr>
+            <a:cxnSpLocks/>
+            <a:stCxn id="12" idx="3"/>
+            <a:endCxn id="13" idx="1"/>
+          </p:cNvCxnSpPr>
+          <p:nvPr/>
+        </p:nvCxnSpPr>
+        <p:spPr>
+          <a:xfrm>
+            <a:off x="5589520" y="1077771"/>
+            <a:ext cx="319228" cy="8802"/>
+          </a:xfrm>
+          <a:prstGeom prst="straightConnector1">
+            <a:avLst/>
+          </a:prstGeom>
+          <a:ln>
+            <a:solidFill>
+              <a:srgbClr val="FF0000"/>
+            </a:solidFill>
+            <a:headEnd type="triangle"/>
+            <a:tailEnd type="triangle"/>
+          </a:ln>
+        </p:spPr>
+        <p:style>
+          <a:lnRef idx="1">
+            <a:schemeClr val="accent1"/>
+          </a:lnRef>
+          <a:fillRef idx="0">
+            <a:schemeClr val="accent1"/>
+          </a:fillRef>
+          <a:effectRef idx="0">
+            <a:schemeClr val="accent1"/>
+          </a:effectRef>
+          <a:fontRef idx="minor">
+            <a:schemeClr val="tx1"/>
+          </a:fontRef>
+        </p:style>
+      </p:cxnSp>
+      <p:cxnSp>
+        <p:nvCxnSpPr>
+          <p:cNvPr id="26" name="直接箭头连接符 25">
+            <a:extLst>
+              <a:ext uri="{FF2B5EF4-FFF2-40B4-BE49-F238E27FC236}">
+                <a16:creationId xmlns:a16="http://schemas.microsoft.com/office/drawing/2014/main" id="{C6A396C6-299D-452C-96E3-1EC7F8A28EBB}"/>
+              </a:ext>
+            </a:extLst>
+          </p:cNvPr>
+          <p:cNvCxnSpPr>
+            <a:cxnSpLocks/>
+            <a:stCxn id="56" idx="3"/>
+            <a:endCxn id="7" idx="1"/>
+          </p:cNvCxnSpPr>
+          <p:nvPr/>
+        </p:nvCxnSpPr>
+        <p:spPr>
+          <a:xfrm>
+            <a:off x="8113499" y="1246537"/>
+            <a:ext cx="389320" cy="0"/>
+          </a:xfrm>
+          <a:prstGeom prst="straightConnector1">
+            <a:avLst/>
+          </a:prstGeom>
+          <a:ln>
+            <a:solidFill>
+              <a:srgbClr val="FF0000"/>
+            </a:solidFill>
+            <a:headEnd type="triangle"/>
+            <a:tailEnd type="triangle"/>
+          </a:ln>
+        </p:spPr>
+        <p:style>
+          <a:lnRef idx="1">
+            <a:schemeClr val="accent1"/>
+          </a:lnRef>
+          <a:fillRef idx="0">
+            <a:schemeClr val="accent1"/>
+          </a:fillRef>
+          <a:effectRef idx="0">
+            <a:schemeClr val="accent1"/>
+          </a:effectRef>
+          <a:fontRef idx="minor">
+            <a:schemeClr val="tx1"/>
+          </a:fontRef>
+        </p:style>
+      </p:cxnSp>
+      <p:cxnSp>
+        <p:nvCxnSpPr>
+          <p:cNvPr id="28" name="连接符: 肘形 27">
+            <a:extLst>
+              <a:ext uri="{FF2B5EF4-FFF2-40B4-BE49-F238E27FC236}">
+                <a16:creationId xmlns:a16="http://schemas.microsoft.com/office/drawing/2014/main" id="{5A7857B2-5AF5-4431-A347-B55829BE914E}"/>
+              </a:ext>
+            </a:extLst>
+          </p:cNvPr>
+          <p:cNvCxnSpPr>
+            <a:cxnSpLocks/>
+            <a:stCxn id="7" idx="3"/>
+            <a:endCxn id="8" idx="0"/>
+          </p:cNvCxnSpPr>
+          <p:nvPr/>
+        </p:nvCxnSpPr>
+        <p:spPr>
+          <a:xfrm flipH="1">
+            <a:off x="7003827" y="1246537"/>
+            <a:ext cx="2646856" cy="1412073"/>
+          </a:xfrm>
+          <a:prstGeom prst="bentConnector3">
+            <a:avLst>
+              <a:gd name="adj1" fmla="val -8637"/>
+            </a:avLst>
+          </a:prstGeom>
+          <a:ln>
+            <a:solidFill>
+              <a:srgbClr val="FF0000"/>
+            </a:solidFill>
+            <a:headEnd type="triangle"/>
+            <a:tailEnd type="triangle"/>
+          </a:ln>
+        </p:spPr>
+        <p:style>
+          <a:lnRef idx="1">
+            <a:schemeClr val="accent1"/>
+          </a:lnRef>
+          <a:fillRef idx="0">
+            <a:schemeClr val="accent1"/>
+          </a:fillRef>
+          <a:effectRef idx="0">
+            <a:schemeClr val="accent1"/>
+          </a:effectRef>
+          <a:fontRef idx="minor">
+            <a:schemeClr val="tx1"/>
+          </a:fontRef>
+        </p:style>
+      </p:cxnSp>
+      <p:cxnSp>
+        <p:nvCxnSpPr>
+          <p:cNvPr id="29" name="连接符: 肘形 28">
+            <a:extLst>
+              <a:ext uri="{FF2B5EF4-FFF2-40B4-BE49-F238E27FC236}">
+                <a16:creationId xmlns:a16="http://schemas.microsoft.com/office/drawing/2014/main" id="{3C1FB75F-5363-4385-9048-339FF8EE4D42}"/>
+              </a:ext>
+            </a:extLst>
+          </p:cNvPr>
+          <p:cNvCxnSpPr>
+            <a:cxnSpLocks/>
+            <a:stCxn id="8" idx="2"/>
+            <a:endCxn id="67" idx="1"/>
+          </p:cNvCxnSpPr>
+          <p:nvPr/>
+        </p:nvCxnSpPr>
+        <p:spPr>
+          <a:xfrm rot="10800000" flipV="1">
+            <a:off x="2523893" y="2658609"/>
+            <a:ext cx="3017396" cy="1555801"/>
+          </a:xfrm>
+          <a:prstGeom prst="bentConnector3">
+            <a:avLst>
+              <a:gd name="adj1" fmla="val 107576"/>
+            </a:avLst>
+          </a:prstGeom>
+          <a:ln>
+            <a:solidFill>
+              <a:srgbClr val="FF0000"/>
+            </a:solidFill>
+            <a:headEnd type="triangle"/>
+            <a:tailEnd type="triangle"/>
+          </a:ln>
+        </p:spPr>
+        <p:style>
+          <a:lnRef idx="1">
+            <a:schemeClr val="accent1"/>
+          </a:lnRef>
+          <a:fillRef idx="0">
+            <a:schemeClr val="accent1"/>
+          </a:fillRef>
+          <a:effectRef idx="0">
+            <a:schemeClr val="accent1"/>
+          </a:effectRef>
+          <a:fontRef idx="minor">
+            <a:schemeClr val="tx1"/>
+          </a:fontRef>
+        </p:style>
+      </p:cxnSp>
+      <p:sp>
+        <p:nvSpPr>
+          <p:cNvPr id="38" name="矩形 37">
+            <a:extLst>
+              <a:ext uri="{FF2B5EF4-FFF2-40B4-BE49-F238E27FC236}">
+                <a16:creationId xmlns:a16="http://schemas.microsoft.com/office/drawing/2014/main" id="{B1907694-43E0-4976-BC72-044E039298D1}"/>
+              </a:ext>
+            </a:extLst>
+          </p:cNvPr>
+          <p:cNvSpPr/>
+          <p:nvPr/>
+        </p:nvSpPr>
+        <p:spPr>
+          <a:xfrm>
+            <a:off x="1714761" y="1026971"/>
+            <a:ext cx="1042917" cy="619539"/>
+          </a:xfrm>
+          <a:prstGeom prst="rect">
+            <a:avLst/>
+          </a:prstGeom>
+        </p:spPr>
+        <p:style>
+          <a:lnRef idx="1">
+            <a:schemeClr val="accent4"/>
+          </a:lnRef>
+          <a:fillRef idx="2">
+            <a:schemeClr val="accent4"/>
+          </a:fillRef>
+          <a:effectRef idx="1">
+            <a:schemeClr val="accent4"/>
+          </a:effectRef>
+          <a:fontRef idx="minor">
+            <a:schemeClr val="dk1"/>
+          </a:fontRef>
+        </p:style>
+        <p:txBody>
+          <a:bodyPr rtlCol="0" anchor="ctr"/>
+          <a:lstStyle/>
+          <a:p>
+            <a:pPr algn="ctr"/>
+            <a:r>
+              <a:rPr lang="zh-CN" altLang="en-US" dirty="0"/>
+              <a:t>持有</a:t>
+            </a:r>
+            <a:r>
+              <a:rPr lang="en-US" altLang="zh-CN" dirty="0"/>
+              <a:t>Invoker2</a:t>
+            </a:r>
+            <a:endParaRPr lang="zh-CN" altLang="en-US" dirty="0"/>
+          </a:p>
+        </p:txBody>
+      </p:sp>
+      <p:sp>
+        <p:nvSpPr>
+          <p:cNvPr id="44" name="矩形 43">
+            <a:extLst>
+              <a:ext uri="{FF2B5EF4-FFF2-40B4-BE49-F238E27FC236}">
+                <a16:creationId xmlns:a16="http://schemas.microsoft.com/office/drawing/2014/main" id="{980FD660-2C49-40BE-A79C-5EAB43A12BFB}"/>
+              </a:ext>
+            </a:extLst>
+          </p:cNvPr>
+          <p:cNvSpPr/>
+          <p:nvPr/>
+        </p:nvSpPr>
+        <p:spPr>
+          <a:xfrm>
+            <a:off x="3104134" y="1049529"/>
+            <a:ext cx="1042917" cy="619539"/>
+          </a:xfrm>
+          <a:prstGeom prst="rect">
+            <a:avLst/>
+          </a:prstGeom>
+        </p:spPr>
+        <p:style>
+          <a:lnRef idx="1">
+            <a:schemeClr val="accent4"/>
+          </a:lnRef>
+          <a:fillRef idx="2">
+            <a:schemeClr val="accent4"/>
+          </a:fillRef>
+          <a:effectRef idx="1">
+            <a:schemeClr val="accent4"/>
+          </a:effectRef>
+          <a:fontRef idx="minor">
+            <a:schemeClr val="dk1"/>
+          </a:fontRef>
+        </p:style>
+        <p:txBody>
+          <a:bodyPr rtlCol="0" anchor="ctr"/>
+          <a:lstStyle/>
+          <a:p>
+            <a:pPr algn="ctr"/>
+            <a:r>
+              <a:rPr lang="zh-CN" altLang="en-US" dirty="0"/>
+              <a:t>持有</a:t>
+            </a:r>
+            <a:r>
+              <a:rPr lang="en-US" altLang="zh-CN" dirty="0"/>
+              <a:t>Invoker3</a:t>
+            </a:r>
+            <a:endParaRPr lang="zh-CN" altLang="en-US" dirty="0"/>
+          </a:p>
+        </p:txBody>
+      </p:sp>
+      <p:sp>
+        <p:nvSpPr>
+          <p:cNvPr id="48" name="矩形 47">
+            <a:extLst>
+              <a:ext uri="{FF2B5EF4-FFF2-40B4-BE49-F238E27FC236}">
+                <a16:creationId xmlns:a16="http://schemas.microsoft.com/office/drawing/2014/main" id="{990524FE-12FF-4D68-A99D-A0B4B46775D1}"/>
+              </a:ext>
+            </a:extLst>
+          </p:cNvPr>
+          <p:cNvSpPr/>
+          <p:nvPr/>
+        </p:nvSpPr>
+        <p:spPr>
+          <a:xfrm>
+            <a:off x="4493818" y="1035410"/>
+            <a:ext cx="1042917" cy="619539"/>
+          </a:xfrm>
+          <a:prstGeom prst="rect">
+            <a:avLst/>
+          </a:prstGeom>
+        </p:spPr>
+        <p:style>
+          <a:lnRef idx="1">
+            <a:schemeClr val="accent4"/>
+          </a:lnRef>
+          <a:fillRef idx="2">
+            <a:schemeClr val="accent4"/>
+          </a:fillRef>
+          <a:effectRef idx="1">
+            <a:schemeClr val="accent4"/>
+          </a:effectRef>
+          <a:fontRef idx="minor">
+            <a:schemeClr val="dk1"/>
+          </a:fontRef>
+        </p:style>
+        <p:txBody>
+          <a:bodyPr rtlCol="0" anchor="ctr"/>
+          <a:lstStyle/>
+          <a:p>
+            <a:pPr algn="ctr"/>
+            <a:r>
+              <a:rPr lang="zh-CN" altLang="en-US" dirty="0"/>
+              <a:t>持有</a:t>
+            </a:r>
+            <a:r>
+              <a:rPr lang="en-US" altLang="zh-CN" dirty="0"/>
+              <a:t>Invoker</a:t>
+            </a:r>
+            <a:r>
+              <a:rPr lang="zh-CN" altLang="en-US" dirty="0"/>
+              <a:t>。</a:t>
+            </a:r>
+          </a:p>
+        </p:txBody>
+      </p:sp>
+      <p:sp>
+        <p:nvSpPr>
+          <p:cNvPr id="56" name="矩形 55">
+            <a:extLst>
+              <a:ext uri="{FF2B5EF4-FFF2-40B4-BE49-F238E27FC236}">
+                <a16:creationId xmlns:a16="http://schemas.microsoft.com/office/drawing/2014/main" id="{EE16CAD8-754B-4339-ADB2-10285B7A3150}"/>
+              </a:ext>
+            </a:extLst>
+          </p:cNvPr>
+          <p:cNvSpPr/>
+          <p:nvPr/>
+        </p:nvSpPr>
+        <p:spPr>
+          <a:xfrm>
+            <a:off x="5986997" y="779021"/>
+            <a:ext cx="2126502" cy="935032"/>
+          </a:xfrm>
+          <a:prstGeom prst="rect">
+            <a:avLst/>
+          </a:prstGeom>
+          <a:solidFill>
+            <a:schemeClr val="accent6"/>
+          </a:solidFill>
+        </p:spPr>
+        <p:style>
+          <a:lnRef idx="2">
+            <a:schemeClr val="accent1">
+              <a:shade val="50000"/>
+            </a:schemeClr>
+          </a:lnRef>
+          <a:fillRef idx="1">
+            <a:schemeClr val="accent1"/>
+          </a:fillRef>
+          <a:effectRef idx="0">
+            <a:schemeClr val="accent1"/>
+          </a:effectRef>
+          <a:fontRef idx="minor">
+            <a:schemeClr val="lt1"/>
+          </a:fontRef>
+        </p:style>
+        <p:txBody>
+          <a:bodyPr rtlCol="0" anchor="ctr"/>
+          <a:lstStyle/>
+          <a:p>
+            <a:pPr algn="just"/>
+            <a:r>
+              <a:rPr lang="zh-CN" altLang="en-US" dirty="0"/>
+              <a:t>持有可直接调用远程服务的</a:t>
+            </a:r>
+            <a:r>
+              <a:rPr lang="en-US" altLang="zh-CN" dirty="0"/>
+              <a:t>Invoker</a:t>
+            </a:r>
+            <a:endParaRPr lang="zh-CN" altLang="en-US" dirty="0"/>
+          </a:p>
+        </p:txBody>
+      </p:sp>
+      <p:sp>
+        <p:nvSpPr>
+          <p:cNvPr id="67" name="矩形 66">
+            <a:extLst>
+              <a:ext uri="{FF2B5EF4-FFF2-40B4-BE49-F238E27FC236}">
+                <a16:creationId xmlns:a16="http://schemas.microsoft.com/office/drawing/2014/main" id="{9DCAA3E4-18E7-438E-911F-344B5EBD38AF}"/>
+              </a:ext>
+            </a:extLst>
+          </p:cNvPr>
+          <p:cNvSpPr/>
+          <p:nvPr/>
+        </p:nvSpPr>
+        <p:spPr>
+          <a:xfrm>
+            <a:off x="2523893" y="3856919"/>
+            <a:ext cx="1147864" cy="714983"/>
+          </a:xfrm>
+          <a:prstGeom prst="rect">
+            <a:avLst/>
+          </a:prstGeom>
+        </p:spPr>
+        <p:style>
+          <a:lnRef idx="2">
+            <a:schemeClr val="accent1">
+              <a:shade val="50000"/>
+            </a:schemeClr>
+          </a:lnRef>
+          <a:fillRef idx="1">
+            <a:schemeClr val="accent1"/>
+          </a:fillRef>
+          <a:effectRef idx="0">
+            <a:schemeClr val="accent1"/>
+          </a:effectRef>
+          <a:fontRef idx="minor">
+            <a:schemeClr val="lt1"/>
+          </a:fontRef>
+        </p:style>
+        <p:txBody>
+          <a:bodyPr rtlCol="0" anchor="ctr"/>
+          <a:lstStyle/>
+          <a:p>
+            <a:pPr algn="ctr"/>
+            <a:r>
+              <a:rPr lang="zh-CN" altLang="en-US" dirty="0"/>
+              <a:t>服务端</a:t>
+            </a:r>
+            <a:r>
+              <a:rPr lang="en-US" altLang="zh-CN" dirty="0"/>
+              <a:t>proxy</a:t>
+            </a:r>
+            <a:endParaRPr lang="zh-CN" altLang="en-US" dirty="0"/>
+          </a:p>
+        </p:txBody>
+      </p:sp>
+      <p:sp>
+        <p:nvSpPr>
+          <p:cNvPr id="68" name="矩形 67">
+            <a:extLst>
+              <a:ext uri="{FF2B5EF4-FFF2-40B4-BE49-F238E27FC236}">
+                <a16:creationId xmlns:a16="http://schemas.microsoft.com/office/drawing/2014/main" id="{DEE9031A-24BC-4998-8323-6B8CF020E9F1}"/>
+              </a:ext>
+            </a:extLst>
+          </p:cNvPr>
+          <p:cNvSpPr/>
+          <p:nvPr/>
+        </p:nvSpPr>
+        <p:spPr>
+          <a:xfrm>
+            <a:off x="3951597" y="3554679"/>
+            <a:ext cx="1147864" cy="1331070"/>
+          </a:xfrm>
+          <a:prstGeom prst="rect">
+            <a:avLst/>
+          </a:prstGeom>
+        </p:spPr>
+        <p:style>
+          <a:lnRef idx="2">
+            <a:schemeClr val="accent1">
+              <a:shade val="50000"/>
+            </a:schemeClr>
+          </a:lnRef>
+          <a:fillRef idx="1">
+            <a:schemeClr val="accent1"/>
+          </a:fillRef>
+          <a:effectRef idx="0">
+            <a:schemeClr val="accent1"/>
+          </a:effectRef>
+          <a:fontRef idx="minor">
+            <a:schemeClr val="lt1"/>
+          </a:fontRef>
+        </p:style>
+        <p:txBody>
+          <a:bodyPr rtlCol="0" anchor="t" anchorCtr="0"/>
+          <a:lstStyle/>
+          <a:p>
+            <a:pPr algn="ctr"/>
+            <a:r>
+              <a:rPr lang="zh-CN" altLang="en-US" dirty="0"/>
+              <a:t>服务端</a:t>
+            </a:r>
+            <a:r>
+              <a:rPr lang="en-US" altLang="zh-CN" dirty="0"/>
+              <a:t>Invoker1</a:t>
+            </a:r>
+          </a:p>
+        </p:txBody>
+      </p:sp>
+      <p:sp>
+        <p:nvSpPr>
+          <p:cNvPr id="69" name="矩形 68">
+            <a:extLst>
+              <a:ext uri="{FF2B5EF4-FFF2-40B4-BE49-F238E27FC236}">
+                <a16:creationId xmlns:a16="http://schemas.microsoft.com/office/drawing/2014/main" id="{FB05F6C9-1124-4F18-9628-8C5DCE674B7D}"/>
+              </a:ext>
+            </a:extLst>
+          </p:cNvPr>
+          <p:cNvSpPr/>
+          <p:nvPr/>
+        </p:nvSpPr>
+        <p:spPr>
+          <a:xfrm>
+            <a:off x="10792128" y="4033120"/>
+            <a:ext cx="1147864" cy="714983"/>
+          </a:xfrm>
+          <a:prstGeom prst="rect">
+            <a:avLst/>
+          </a:prstGeom>
+        </p:spPr>
+        <p:style>
+          <a:lnRef idx="2">
+            <a:schemeClr val="accent1">
+              <a:shade val="50000"/>
+            </a:schemeClr>
+          </a:lnRef>
+          <a:fillRef idx="1">
+            <a:schemeClr val="accent1"/>
+          </a:fillRef>
+          <a:effectRef idx="0">
+            <a:schemeClr val="accent1"/>
+          </a:effectRef>
+          <a:fontRef idx="minor">
+            <a:schemeClr val="lt1"/>
+          </a:fontRef>
+        </p:style>
+        <p:txBody>
+          <a:bodyPr rtlCol="0" anchor="ctr"/>
+          <a:lstStyle/>
+          <a:p>
+            <a:pPr algn="ctr"/>
+            <a:r>
+              <a:rPr lang="en-US" altLang="zh-CN" dirty="0"/>
+              <a:t>ref</a:t>
+            </a:r>
+            <a:endParaRPr lang="zh-CN" altLang="en-US" dirty="0"/>
+          </a:p>
+        </p:txBody>
+      </p:sp>
+      <p:cxnSp>
+        <p:nvCxnSpPr>
+          <p:cNvPr id="70" name="直接箭头连接符 69">
+            <a:extLst>
+              <a:ext uri="{FF2B5EF4-FFF2-40B4-BE49-F238E27FC236}">
+                <a16:creationId xmlns:a16="http://schemas.microsoft.com/office/drawing/2014/main" id="{1811AACE-5616-41EA-B574-FE8D0DC2A538}"/>
+              </a:ext>
+            </a:extLst>
+          </p:cNvPr>
+          <p:cNvCxnSpPr>
+            <a:cxnSpLocks/>
+            <a:stCxn id="67" idx="3"/>
+            <a:endCxn id="68" idx="1"/>
+          </p:cNvCxnSpPr>
+          <p:nvPr/>
+        </p:nvCxnSpPr>
+        <p:spPr>
+          <a:xfrm>
+            <a:off x="3671757" y="4214411"/>
+            <a:ext cx="279840" cy="5803"/>
+          </a:xfrm>
+          <a:prstGeom prst="straightConnector1">
+            <a:avLst/>
+          </a:prstGeom>
+          <a:ln>
+            <a:solidFill>
+              <a:srgbClr val="FF0000"/>
+            </a:solidFill>
+            <a:headEnd type="triangle"/>
+            <a:tailEnd type="triangle"/>
+          </a:ln>
+        </p:spPr>
+        <p:style>
+          <a:lnRef idx="1">
+            <a:schemeClr val="accent1"/>
+          </a:lnRef>
+          <a:fillRef idx="0">
+            <a:schemeClr val="accent1"/>
+          </a:fillRef>
+          <a:effectRef idx="0">
+            <a:schemeClr val="accent1"/>
+          </a:effectRef>
+          <a:fontRef idx="minor">
+            <a:schemeClr val="tx1"/>
+          </a:fontRef>
+        </p:style>
+      </p:cxnSp>
+      <p:cxnSp>
+        <p:nvCxnSpPr>
+          <p:cNvPr id="71" name="直接箭头连接符 70">
+            <a:extLst>
+              <a:ext uri="{FF2B5EF4-FFF2-40B4-BE49-F238E27FC236}">
+                <a16:creationId xmlns:a16="http://schemas.microsoft.com/office/drawing/2014/main" id="{0DCFD401-9550-4C52-B97E-2BB05F3199B7}"/>
+              </a:ext>
+            </a:extLst>
+          </p:cNvPr>
+          <p:cNvCxnSpPr>
+            <a:cxnSpLocks/>
+            <a:stCxn id="68" idx="3"/>
+            <a:endCxn id="72" idx="1"/>
+          </p:cNvCxnSpPr>
+          <p:nvPr/>
+        </p:nvCxnSpPr>
+        <p:spPr>
+          <a:xfrm>
+            <a:off x="5099461" y="4220214"/>
+            <a:ext cx="241820" cy="1"/>
+          </a:xfrm>
+          <a:prstGeom prst="straightConnector1">
+            <a:avLst/>
+          </a:prstGeom>
+          <a:ln>
+            <a:solidFill>
+              <a:srgbClr val="FF0000"/>
+            </a:solidFill>
+            <a:headEnd type="triangle"/>
+            <a:tailEnd type="triangle"/>
+          </a:ln>
+        </p:spPr>
+        <p:style>
+          <a:lnRef idx="1">
+            <a:schemeClr val="accent1"/>
+          </a:lnRef>
+          <a:fillRef idx="0">
+            <a:schemeClr val="accent1"/>
+          </a:fillRef>
+          <a:effectRef idx="0">
+            <a:schemeClr val="accent1"/>
+          </a:effectRef>
+          <a:fontRef idx="minor">
+            <a:schemeClr val="tx1"/>
+          </a:fontRef>
+        </p:style>
+      </p:cxnSp>
+      <p:sp>
+        <p:nvSpPr>
+          <p:cNvPr id="72" name="矩形 71">
+            <a:extLst>
+              <a:ext uri="{FF2B5EF4-FFF2-40B4-BE49-F238E27FC236}">
+                <a16:creationId xmlns:a16="http://schemas.microsoft.com/office/drawing/2014/main" id="{142A25A0-6A57-4628-B917-3AAF21793258}"/>
+              </a:ext>
+            </a:extLst>
+          </p:cNvPr>
+          <p:cNvSpPr/>
+          <p:nvPr/>
+        </p:nvSpPr>
+        <p:spPr>
+          <a:xfrm>
+            <a:off x="5341281" y="3554681"/>
+            <a:ext cx="1147864" cy="1331068"/>
+          </a:xfrm>
+          <a:prstGeom prst="rect">
+            <a:avLst/>
+          </a:prstGeom>
+        </p:spPr>
+        <p:style>
+          <a:lnRef idx="2">
+            <a:schemeClr val="accent1">
+              <a:shade val="50000"/>
+            </a:schemeClr>
+          </a:lnRef>
+          <a:fillRef idx="1">
+            <a:schemeClr val="accent1"/>
+          </a:fillRef>
+          <a:effectRef idx="0">
+            <a:schemeClr val="accent1"/>
+          </a:effectRef>
+          <a:fontRef idx="minor">
+            <a:schemeClr val="lt1"/>
+          </a:fontRef>
+        </p:style>
+        <p:txBody>
+          <a:bodyPr rtlCol="0" anchor="t" anchorCtr="0"/>
+          <a:lstStyle/>
+          <a:p>
+            <a:pPr algn="ctr"/>
+            <a:r>
+              <a:rPr lang="zh-CN" altLang="en-US" dirty="0"/>
+              <a:t>服务端</a:t>
+            </a:r>
+            <a:r>
+              <a:rPr lang="en-US" altLang="zh-CN" dirty="0"/>
+              <a:t>Invoker2</a:t>
+            </a:r>
+            <a:endParaRPr lang="zh-CN" altLang="en-US" dirty="0"/>
+          </a:p>
+        </p:txBody>
+      </p:sp>
+      <p:sp>
+        <p:nvSpPr>
+          <p:cNvPr id="73" name="矩形 72">
+            <a:extLst>
+              <a:ext uri="{FF2B5EF4-FFF2-40B4-BE49-F238E27FC236}">
+                <a16:creationId xmlns:a16="http://schemas.microsoft.com/office/drawing/2014/main" id="{8F1CC5B4-C4B3-42AD-A90D-0A1D2A2EED21}"/>
+              </a:ext>
+            </a:extLst>
+          </p:cNvPr>
+          <p:cNvSpPr/>
+          <p:nvPr/>
+        </p:nvSpPr>
+        <p:spPr>
+          <a:xfrm>
+            <a:off x="6730965" y="3544955"/>
+            <a:ext cx="1147864" cy="1353781"/>
+          </a:xfrm>
+          <a:prstGeom prst="rect">
+            <a:avLst/>
+          </a:prstGeom>
+        </p:spPr>
+        <p:style>
+          <a:lnRef idx="2">
+            <a:schemeClr val="accent1">
+              <a:shade val="50000"/>
+            </a:schemeClr>
+          </a:lnRef>
+          <a:fillRef idx="1">
+            <a:schemeClr val="accent1"/>
+          </a:fillRef>
+          <a:effectRef idx="0">
+            <a:schemeClr val="accent1"/>
+          </a:effectRef>
+          <a:fontRef idx="minor">
+            <a:schemeClr val="lt1"/>
+          </a:fontRef>
+        </p:style>
+        <p:txBody>
+          <a:bodyPr rtlCol="0" anchor="t" anchorCtr="0"/>
+          <a:lstStyle/>
+          <a:p>
+            <a:pPr algn="ctr"/>
+            <a:r>
+              <a:rPr lang="en-US" altLang="zh-CN" dirty="0"/>
+              <a:t>……</a:t>
+            </a:r>
+            <a:endParaRPr lang="zh-CN" altLang="en-US" dirty="0"/>
+          </a:p>
+        </p:txBody>
+      </p:sp>
+      <p:sp>
+        <p:nvSpPr>
+          <p:cNvPr id="74" name="矩形 73">
+            <a:extLst>
+              <a:ext uri="{FF2B5EF4-FFF2-40B4-BE49-F238E27FC236}">
+                <a16:creationId xmlns:a16="http://schemas.microsoft.com/office/drawing/2014/main" id="{14EBBB3F-F0CB-45A3-852A-FBF753CD9497}"/>
+              </a:ext>
+            </a:extLst>
+          </p:cNvPr>
+          <p:cNvSpPr/>
+          <p:nvPr/>
+        </p:nvSpPr>
+        <p:spPr>
+          <a:xfrm>
+            <a:off x="8198057" y="3557995"/>
+            <a:ext cx="2299686" cy="1345306"/>
+          </a:xfrm>
+          <a:prstGeom prst="rect">
+            <a:avLst/>
+          </a:prstGeom>
+        </p:spPr>
+        <p:style>
+          <a:lnRef idx="2">
+            <a:schemeClr val="accent1">
+              <a:shade val="50000"/>
+            </a:schemeClr>
+          </a:lnRef>
+          <a:fillRef idx="1">
+            <a:schemeClr val="accent1"/>
+          </a:fillRef>
+          <a:effectRef idx="0">
+            <a:schemeClr val="accent1"/>
+          </a:effectRef>
+          <a:fontRef idx="minor">
+            <a:schemeClr val="lt1"/>
+          </a:fontRef>
+        </p:style>
+        <p:txBody>
+          <a:bodyPr rtlCol="0" anchor="t" anchorCtr="0"/>
+          <a:lstStyle/>
+          <a:p>
+            <a:pPr algn="ctr"/>
+            <a:r>
+              <a:rPr lang="zh-CN" altLang="en-US" dirty="0"/>
+              <a:t>消费端</a:t>
+            </a:r>
+            <a:r>
+              <a:rPr lang="en-US" altLang="zh-CN" dirty="0" err="1"/>
+              <a:t>InvokerN</a:t>
+            </a:r>
+            <a:endParaRPr lang="zh-CN" altLang="en-US" dirty="0"/>
+          </a:p>
+        </p:txBody>
+      </p:sp>
+      <p:cxnSp>
+        <p:nvCxnSpPr>
+          <p:cNvPr id="75" name="直接箭头连接符 74">
+            <a:extLst>
+              <a:ext uri="{FF2B5EF4-FFF2-40B4-BE49-F238E27FC236}">
+                <a16:creationId xmlns:a16="http://schemas.microsoft.com/office/drawing/2014/main" id="{8ADBDF34-C30E-4436-895C-38A796DE9FB3}"/>
+              </a:ext>
+            </a:extLst>
+          </p:cNvPr>
+          <p:cNvCxnSpPr>
+            <a:cxnSpLocks/>
+            <a:stCxn id="73" idx="1"/>
+            <a:endCxn id="72" idx="3"/>
+          </p:cNvCxnSpPr>
+          <p:nvPr/>
+        </p:nvCxnSpPr>
+        <p:spPr>
+          <a:xfrm flipH="1" flipV="1">
+            <a:off x="6489145" y="4220215"/>
+            <a:ext cx="241820" cy="1631"/>
+          </a:xfrm>
+          <a:prstGeom prst="straightConnector1">
+            <a:avLst/>
+          </a:prstGeom>
+          <a:ln>
+            <a:solidFill>
+              <a:srgbClr val="FF0000"/>
+            </a:solidFill>
+            <a:headEnd type="triangle"/>
+            <a:tailEnd type="triangle"/>
+          </a:ln>
+        </p:spPr>
+        <p:style>
+          <a:lnRef idx="1">
+            <a:schemeClr val="accent1"/>
+          </a:lnRef>
+          <a:fillRef idx="0">
+            <a:schemeClr val="accent1"/>
+          </a:fillRef>
+          <a:effectRef idx="0">
+            <a:schemeClr val="accent1"/>
+          </a:effectRef>
+          <a:fontRef idx="minor">
+            <a:schemeClr val="tx1"/>
+          </a:fontRef>
+        </p:style>
+      </p:cxnSp>
+      <p:cxnSp>
+        <p:nvCxnSpPr>
+          <p:cNvPr id="76" name="直接箭头连接符 75">
+            <a:extLst>
+              <a:ext uri="{FF2B5EF4-FFF2-40B4-BE49-F238E27FC236}">
+                <a16:creationId xmlns:a16="http://schemas.microsoft.com/office/drawing/2014/main" id="{6F1C9F4D-576E-4680-9788-69C55AAE2243}"/>
+              </a:ext>
+            </a:extLst>
+          </p:cNvPr>
+          <p:cNvCxnSpPr>
+            <a:cxnSpLocks/>
+            <a:stCxn id="73" idx="3"/>
+            <a:endCxn id="74" idx="1"/>
+          </p:cNvCxnSpPr>
+          <p:nvPr/>
+        </p:nvCxnSpPr>
+        <p:spPr>
+          <a:xfrm>
+            <a:off x="7878829" y="4221846"/>
+            <a:ext cx="319228" cy="8802"/>
+          </a:xfrm>
+          <a:prstGeom prst="straightConnector1">
+            <a:avLst/>
+          </a:prstGeom>
+          <a:ln>
+            <a:solidFill>
+              <a:srgbClr val="FF0000"/>
+            </a:solidFill>
+            <a:headEnd type="triangle"/>
+            <a:tailEnd type="triangle"/>
+          </a:ln>
+        </p:spPr>
+        <p:style>
+          <a:lnRef idx="1">
+            <a:schemeClr val="accent1"/>
+          </a:lnRef>
+          <a:fillRef idx="0">
+            <a:schemeClr val="accent1"/>
+          </a:fillRef>
+          <a:effectRef idx="0">
+            <a:schemeClr val="accent1"/>
+          </a:effectRef>
+          <a:fontRef idx="minor">
+            <a:schemeClr val="tx1"/>
+          </a:fontRef>
+        </p:style>
+      </p:cxnSp>
+      <p:cxnSp>
+        <p:nvCxnSpPr>
+          <p:cNvPr id="77" name="直接箭头连接符 76">
+            <a:extLst>
+              <a:ext uri="{FF2B5EF4-FFF2-40B4-BE49-F238E27FC236}">
+                <a16:creationId xmlns:a16="http://schemas.microsoft.com/office/drawing/2014/main" id="{6C872F04-1F74-4F45-A500-BEA3C36E7A2D}"/>
+              </a:ext>
+            </a:extLst>
+          </p:cNvPr>
+          <p:cNvCxnSpPr>
+            <a:cxnSpLocks/>
+            <a:stCxn id="81" idx="3"/>
+            <a:endCxn id="69" idx="1"/>
+          </p:cNvCxnSpPr>
+          <p:nvPr/>
+        </p:nvCxnSpPr>
+        <p:spPr>
+          <a:xfrm>
+            <a:off x="10426145" y="4390612"/>
+            <a:ext cx="365983" cy="0"/>
+          </a:xfrm>
+          <a:prstGeom prst="straightConnector1">
+            <a:avLst/>
+          </a:prstGeom>
+          <a:ln>
+            <a:solidFill>
+              <a:srgbClr val="FF0000"/>
+            </a:solidFill>
+            <a:headEnd type="triangle"/>
+            <a:tailEnd type="triangle"/>
+          </a:ln>
+        </p:spPr>
+        <p:style>
+          <a:lnRef idx="1">
+            <a:schemeClr val="accent1"/>
+          </a:lnRef>
+          <a:fillRef idx="0">
+            <a:schemeClr val="accent1"/>
+          </a:fillRef>
+          <a:effectRef idx="0">
+            <a:schemeClr val="accent1"/>
+          </a:effectRef>
+          <a:fontRef idx="minor">
+            <a:schemeClr val="tx1"/>
+          </a:fontRef>
+        </p:style>
+      </p:cxnSp>
+      <p:sp>
+        <p:nvSpPr>
+          <p:cNvPr id="78" name="矩形 77">
+            <a:extLst>
+              <a:ext uri="{FF2B5EF4-FFF2-40B4-BE49-F238E27FC236}">
+                <a16:creationId xmlns:a16="http://schemas.microsoft.com/office/drawing/2014/main" id="{30FAA3C4-BFD2-44F8-BE9B-543FC3D25A73}"/>
+              </a:ext>
+            </a:extLst>
+          </p:cNvPr>
+          <p:cNvSpPr/>
+          <p:nvPr/>
+        </p:nvSpPr>
+        <p:spPr>
+          <a:xfrm>
+            <a:off x="4004070" y="4171046"/>
+            <a:ext cx="1042917" cy="619539"/>
+          </a:xfrm>
+          <a:prstGeom prst="rect">
+            <a:avLst/>
+          </a:prstGeom>
+        </p:spPr>
+        <p:style>
+          <a:lnRef idx="1">
+            <a:schemeClr val="accent4"/>
+          </a:lnRef>
+          <a:fillRef idx="2">
+            <a:schemeClr val="accent4"/>
+          </a:fillRef>
+          <a:effectRef idx="1">
+            <a:schemeClr val="accent4"/>
+          </a:effectRef>
+          <a:fontRef idx="minor">
+            <a:schemeClr val="dk1"/>
+          </a:fontRef>
+        </p:style>
+        <p:txBody>
+          <a:bodyPr rtlCol="0" anchor="ctr"/>
+          <a:lstStyle/>
+          <a:p>
+            <a:pPr algn="ctr"/>
+            <a:r>
+              <a:rPr lang="zh-CN" altLang="en-US" dirty="0"/>
+              <a:t>持有</a:t>
+            </a:r>
+            <a:r>
+              <a:rPr lang="en-US" altLang="zh-CN" dirty="0"/>
+              <a:t>Invoker2</a:t>
+            </a:r>
+            <a:endParaRPr lang="zh-CN" altLang="en-US" dirty="0"/>
+          </a:p>
+        </p:txBody>
+      </p:sp>
+      <p:sp>
+        <p:nvSpPr>
+          <p:cNvPr id="79" name="矩形 78">
+            <a:extLst>
+              <a:ext uri="{FF2B5EF4-FFF2-40B4-BE49-F238E27FC236}">
+                <a16:creationId xmlns:a16="http://schemas.microsoft.com/office/drawing/2014/main" id="{4D1861BC-9D83-4172-92FF-FCE51D110892}"/>
+              </a:ext>
+            </a:extLst>
+          </p:cNvPr>
+          <p:cNvSpPr/>
+          <p:nvPr/>
+        </p:nvSpPr>
+        <p:spPr>
+          <a:xfrm>
+            <a:off x="5393443" y="4193604"/>
+            <a:ext cx="1042917" cy="619539"/>
+          </a:xfrm>
+          <a:prstGeom prst="rect">
+            <a:avLst/>
+          </a:prstGeom>
+        </p:spPr>
+        <p:style>
+          <a:lnRef idx="1">
+            <a:schemeClr val="accent4"/>
+          </a:lnRef>
+          <a:fillRef idx="2">
+            <a:schemeClr val="accent4"/>
+          </a:fillRef>
+          <a:effectRef idx="1">
+            <a:schemeClr val="accent4"/>
+          </a:effectRef>
+          <a:fontRef idx="minor">
+            <a:schemeClr val="dk1"/>
+          </a:fontRef>
+        </p:style>
+        <p:txBody>
+          <a:bodyPr rtlCol="0" anchor="ctr"/>
+          <a:lstStyle/>
+          <a:p>
+            <a:pPr algn="ctr"/>
+            <a:r>
+              <a:rPr lang="zh-CN" altLang="en-US" dirty="0"/>
+              <a:t>持有</a:t>
+            </a:r>
+            <a:r>
+              <a:rPr lang="en-US" altLang="zh-CN" dirty="0"/>
+              <a:t>Invoker3</a:t>
+            </a:r>
+            <a:endParaRPr lang="zh-CN" altLang="en-US" dirty="0"/>
+          </a:p>
+        </p:txBody>
+      </p:sp>
+      <p:sp>
+        <p:nvSpPr>
+          <p:cNvPr id="80" name="矩形 79">
+            <a:extLst>
+              <a:ext uri="{FF2B5EF4-FFF2-40B4-BE49-F238E27FC236}">
+                <a16:creationId xmlns:a16="http://schemas.microsoft.com/office/drawing/2014/main" id="{39CBDB8B-3E37-4C56-B4B3-5E9987E2A53D}"/>
+              </a:ext>
+            </a:extLst>
+          </p:cNvPr>
+          <p:cNvSpPr/>
+          <p:nvPr/>
+        </p:nvSpPr>
+        <p:spPr>
+          <a:xfrm>
+            <a:off x="6783127" y="4179485"/>
+            <a:ext cx="1042917" cy="619539"/>
+          </a:xfrm>
+          <a:prstGeom prst="rect">
+            <a:avLst/>
+          </a:prstGeom>
+        </p:spPr>
+        <p:style>
+          <a:lnRef idx="1">
+            <a:schemeClr val="accent4"/>
+          </a:lnRef>
+          <a:fillRef idx="2">
+            <a:schemeClr val="accent4"/>
+          </a:fillRef>
+          <a:effectRef idx="1">
+            <a:schemeClr val="accent4"/>
+          </a:effectRef>
+          <a:fontRef idx="minor">
+            <a:schemeClr val="dk1"/>
+          </a:fontRef>
+        </p:style>
+        <p:txBody>
+          <a:bodyPr rtlCol="0" anchor="ctr"/>
+          <a:lstStyle/>
+          <a:p>
+            <a:pPr algn="ctr"/>
+            <a:r>
+              <a:rPr lang="zh-CN" altLang="en-US" dirty="0"/>
+              <a:t>持有</a:t>
+            </a:r>
+            <a:r>
+              <a:rPr lang="en-US" altLang="zh-CN" dirty="0"/>
+              <a:t>Invoker</a:t>
+            </a:r>
+            <a:r>
+              <a:rPr lang="zh-CN" altLang="en-US" dirty="0"/>
+              <a:t>。</a:t>
+            </a:r>
+          </a:p>
+        </p:txBody>
+      </p:sp>
+      <p:sp>
+        <p:nvSpPr>
+          <p:cNvPr id="81" name="矩形 80">
+            <a:extLst>
+              <a:ext uri="{FF2B5EF4-FFF2-40B4-BE49-F238E27FC236}">
+                <a16:creationId xmlns:a16="http://schemas.microsoft.com/office/drawing/2014/main" id="{8DDF2D22-C08F-4D45-9D64-D7D9765E5B2A}"/>
+              </a:ext>
+            </a:extLst>
+          </p:cNvPr>
+          <p:cNvSpPr/>
+          <p:nvPr/>
+        </p:nvSpPr>
+        <p:spPr>
+          <a:xfrm>
+            <a:off x="8299643" y="3923096"/>
+            <a:ext cx="2126502" cy="935032"/>
+          </a:xfrm>
+          <a:prstGeom prst="rect">
+            <a:avLst/>
+          </a:prstGeom>
+          <a:solidFill>
+            <a:schemeClr val="accent6"/>
+          </a:solidFill>
+        </p:spPr>
+        <p:style>
+          <a:lnRef idx="2">
+            <a:schemeClr val="accent1">
+              <a:shade val="50000"/>
+            </a:schemeClr>
+          </a:lnRef>
+          <a:fillRef idx="1">
+            <a:schemeClr val="accent1"/>
+          </a:fillRef>
+          <a:effectRef idx="0">
+            <a:schemeClr val="accent1"/>
+          </a:effectRef>
+          <a:fontRef idx="minor">
+            <a:schemeClr val="lt1"/>
+          </a:fontRef>
+        </p:style>
+        <p:txBody>
+          <a:bodyPr rtlCol="0" anchor="ctr"/>
+          <a:lstStyle/>
+          <a:p>
+            <a:pPr algn="just"/>
+            <a:r>
+              <a:rPr lang="zh-CN" altLang="en-US" dirty="0"/>
+              <a:t>持有可直接调用具体服务（</a:t>
+            </a:r>
+            <a:r>
+              <a:rPr lang="en-US" altLang="zh-CN" dirty="0"/>
+              <a:t>ref</a:t>
+            </a:r>
+            <a:r>
+              <a:rPr lang="zh-CN" altLang="en-US" dirty="0"/>
+              <a:t>）的</a:t>
+            </a:r>
+            <a:r>
+              <a:rPr lang="en-US" altLang="zh-CN" dirty="0"/>
+              <a:t>Invoker</a:t>
+            </a:r>
+            <a:endParaRPr lang="zh-CN" altLang="en-US" dirty="0"/>
+          </a:p>
+        </p:txBody>
+      </p:sp>
+    </p:spTree>
+    <p:extLst>
+      <p:ext uri="{BB962C8B-B14F-4D97-AF65-F5344CB8AC3E}">
+        <p14:creationId xmlns:p14="http://schemas.microsoft.com/office/powerpoint/2010/main" val="2784968653"/>
+      </p:ext>
+    </p:extLst>
+  </p:cSld>
+  <p:clrMapOvr>
+    <a:masterClrMapping/>
+  </p:clrMapOvr>
+</p:sld>
+</file>
+
+<file path=ppt/slides/slide7.xml><?xml version="1.0" encoding="utf-8"?>
+<p:sld xmlns:a="http://schemas.openxmlformats.org/drawingml/2006/main" xmlns:r="http://schemas.openxmlformats.org/officeDocument/2006/relationships" xmlns:p="http://schemas.openxmlformats.org/presentationml/2006/main">
+  <p:cSld>
+    <p:spTree>
+      <p:nvGrpSpPr>
+        <p:cNvPr id="1" name=""/>
+        <p:cNvGrpSpPr/>
+        <p:nvPr/>
+      </p:nvGrpSpPr>
+      <p:grpSpPr>
+        <a:xfrm>
+          <a:off x="0" y="0"/>
+          <a:ext cx="0" cy="0"/>
+          <a:chOff x="0" y="0"/>
+          <a:chExt cx="0" cy="0"/>
+        </a:xfrm>
+      </p:grpSpPr>
+    </p:spTree>
+    <p:extLst>
+      <p:ext uri="{BB962C8B-B14F-4D97-AF65-F5344CB8AC3E}">
+        <p14:creationId xmlns:p14="http://schemas.microsoft.com/office/powerpoint/2010/main" val="1620665904"/>
       </p:ext>
     </p:extLst>
   </p:cSld>

--- a/rpc-provider/src/main/resources/docs/dubbo服务暴露与消费简化图.pptx
+++ b/rpc-provider/src/main/resources/docs/dubbo服务暴露与消费简化图.pptx
@@ -13135,6 +13135,1715 @@
           <a:chExt cx="0" cy="0"/>
         </a:xfrm>
       </p:grpSpPr>
+      <p:sp>
+        <p:nvSpPr>
+          <p:cNvPr id="35" name="矩形: 圆角 34">
+            <a:extLst>
+              <a:ext uri="{FF2B5EF4-FFF2-40B4-BE49-F238E27FC236}">
+                <a16:creationId xmlns:a16="http://schemas.microsoft.com/office/drawing/2014/main" id="{0A405B97-7D36-49EE-88AE-F62CEA031343}"/>
+              </a:ext>
+            </a:extLst>
+          </p:cNvPr>
+          <p:cNvSpPr/>
+          <p:nvPr/>
+        </p:nvSpPr>
+        <p:spPr>
+          <a:xfrm>
+            <a:off x="175098" y="194553"/>
+            <a:ext cx="11916383" cy="6429983"/>
+          </a:xfrm>
+          <a:prstGeom prst="roundRect">
+            <a:avLst/>
+          </a:prstGeom>
+          <a:noFill/>
+          <a:ln w="28575">
+            <a:solidFill>
+              <a:schemeClr val="bg2">
+                <a:lumMod val="75000"/>
+              </a:schemeClr>
+            </a:solidFill>
+          </a:ln>
+        </p:spPr>
+        <p:style>
+          <a:lnRef idx="2">
+            <a:schemeClr val="accent1">
+              <a:shade val="50000"/>
+            </a:schemeClr>
+          </a:lnRef>
+          <a:fillRef idx="1">
+            <a:schemeClr val="accent1"/>
+          </a:fillRef>
+          <a:effectRef idx="0">
+            <a:schemeClr val="accent1"/>
+          </a:effectRef>
+          <a:fontRef idx="minor">
+            <a:schemeClr val="lt1"/>
+          </a:fontRef>
+        </p:style>
+        <p:txBody>
+          <a:bodyPr rtlCol="0" anchor="ctr"/>
+          <a:lstStyle/>
+          <a:p>
+            <a:pPr algn="ctr"/>
+            <a:endParaRPr lang="zh-CN" altLang="en-US"/>
+          </a:p>
+        </p:txBody>
+      </p:sp>
+      <p:sp>
+        <p:nvSpPr>
+          <p:cNvPr id="2" name="矩形 1">
+            <a:extLst>
+              <a:ext uri="{FF2B5EF4-FFF2-40B4-BE49-F238E27FC236}">
+                <a16:creationId xmlns:a16="http://schemas.microsoft.com/office/drawing/2014/main" id="{15927C3C-761E-416C-8201-89BC16C01845}"/>
+              </a:ext>
+            </a:extLst>
+          </p:cNvPr>
+          <p:cNvSpPr/>
+          <p:nvPr/>
+        </p:nvSpPr>
+        <p:spPr>
+          <a:xfrm>
+            <a:off x="2909039" y="1693011"/>
+            <a:ext cx="8969848" cy="4445251"/>
+          </a:xfrm>
+          <a:prstGeom prst="rect">
+            <a:avLst/>
+          </a:prstGeom>
+          <a:solidFill>
+            <a:schemeClr val="bg1"/>
+          </a:solidFill>
+          <a:ln>
+            <a:solidFill>
+              <a:srgbClr val="FF0000"/>
+            </a:solidFill>
+            <a:prstDash val="lgDash"/>
+          </a:ln>
+        </p:spPr>
+        <p:style>
+          <a:lnRef idx="2">
+            <a:schemeClr val="accent1">
+              <a:shade val="50000"/>
+            </a:schemeClr>
+          </a:lnRef>
+          <a:fillRef idx="1">
+            <a:schemeClr val="accent1"/>
+          </a:fillRef>
+          <a:effectRef idx="0">
+            <a:schemeClr val="accent1"/>
+          </a:effectRef>
+          <a:fontRef idx="minor">
+            <a:schemeClr val="lt1"/>
+          </a:fontRef>
+        </p:style>
+        <p:txBody>
+          <a:bodyPr rtlCol="0" anchor="t"/>
+          <a:lstStyle/>
+          <a:p>
+            <a:r>
+              <a:rPr lang="zh-CN" altLang="en-US" sz="1400" dirty="0">
+                <a:solidFill>
+                  <a:srgbClr val="FF0000"/>
+                </a:solidFill>
+              </a:rPr>
+              <a:t>消费端</a:t>
+            </a:r>
+          </a:p>
+        </p:txBody>
+      </p:sp>
+      <p:sp>
+        <p:nvSpPr>
+          <p:cNvPr id="3" name="矩形 2">
+            <a:extLst>
+              <a:ext uri="{FF2B5EF4-FFF2-40B4-BE49-F238E27FC236}">
+                <a16:creationId xmlns:a16="http://schemas.microsoft.com/office/drawing/2014/main" id="{9C47BE0D-A5F7-4D22-9584-71BD69EA2AB9}"/>
+              </a:ext>
+            </a:extLst>
+          </p:cNvPr>
+          <p:cNvSpPr/>
+          <p:nvPr/>
+        </p:nvSpPr>
+        <p:spPr>
+          <a:xfrm>
+            <a:off x="2578449" y="4046884"/>
+            <a:ext cx="1416097" cy="359805"/>
+          </a:xfrm>
+          <a:prstGeom prst="rect">
+            <a:avLst/>
+          </a:prstGeom>
+        </p:spPr>
+        <p:style>
+          <a:lnRef idx="2">
+            <a:schemeClr val="accent1">
+              <a:shade val="50000"/>
+            </a:schemeClr>
+          </a:lnRef>
+          <a:fillRef idx="1">
+            <a:schemeClr val="accent1"/>
+          </a:fillRef>
+          <a:effectRef idx="0">
+            <a:schemeClr val="accent1"/>
+          </a:effectRef>
+          <a:fontRef idx="minor">
+            <a:schemeClr val="lt1"/>
+          </a:fontRef>
+        </p:style>
+        <p:txBody>
+          <a:bodyPr rtlCol="0" anchor="ctr"/>
+          <a:lstStyle/>
+          <a:p>
+            <a:pPr algn="ctr"/>
+            <a:r>
+              <a:rPr lang="en-US" dirty="0"/>
+              <a:t>protocol</a:t>
+            </a:r>
+            <a:endParaRPr lang="zh-CN" altLang="en-US" dirty="0"/>
+          </a:p>
+        </p:txBody>
+      </p:sp>
+      <p:sp>
+        <p:nvSpPr>
+          <p:cNvPr id="4" name="云形 3">
+            <a:extLst>
+              <a:ext uri="{FF2B5EF4-FFF2-40B4-BE49-F238E27FC236}">
+                <a16:creationId xmlns:a16="http://schemas.microsoft.com/office/drawing/2014/main" id="{2D0C05C8-6F2D-40B0-AE29-432D92F0CBD1}"/>
+              </a:ext>
+            </a:extLst>
+          </p:cNvPr>
+          <p:cNvSpPr/>
+          <p:nvPr/>
+        </p:nvSpPr>
+        <p:spPr>
+          <a:xfrm>
+            <a:off x="779543" y="3784706"/>
+            <a:ext cx="1468316" cy="914400"/>
+          </a:xfrm>
+          <a:prstGeom prst="cloud">
+            <a:avLst/>
+          </a:prstGeom>
+          <a:solidFill>
+            <a:schemeClr val="accent3">
+              <a:lumMod val="20000"/>
+              <a:lumOff val="80000"/>
+            </a:schemeClr>
+          </a:solidFill>
+        </p:spPr>
+        <p:style>
+          <a:lnRef idx="2">
+            <a:schemeClr val="accent1">
+              <a:shade val="50000"/>
+            </a:schemeClr>
+          </a:lnRef>
+          <a:fillRef idx="1">
+            <a:schemeClr val="accent1"/>
+          </a:fillRef>
+          <a:effectRef idx="0">
+            <a:schemeClr val="accent1"/>
+          </a:effectRef>
+          <a:fontRef idx="minor">
+            <a:schemeClr val="lt1"/>
+          </a:fontRef>
+        </p:style>
+        <p:txBody>
+          <a:bodyPr rtlCol="0" anchor="ctr"/>
+          <a:lstStyle/>
+          <a:p>
+            <a:pPr algn="ctr"/>
+            <a:r>
+              <a:rPr lang="zh-CN" altLang="en-US" dirty="0">
+                <a:solidFill>
+                  <a:schemeClr val="tx1"/>
+                </a:solidFill>
+              </a:rPr>
+              <a:t>网络</a:t>
+            </a:r>
+          </a:p>
+        </p:txBody>
+      </p:sp>
+      <p:cxnSp>
+        <p:nvCxnSpPr>
+          <p:cNvPr id="5" name="直接箭头连接符 4">
+            <a:extLst>
+              <a:ext uri="{FF2B5EF4-FFF2-40B4-BE49-F238E27FC236}">
+                <a16:creationId xmlns:a16="http://schemas.microsoft.com/office/drawing/2014/main" id="{8DE5059F-3F42-4AF3-BD29-17BC21E6E12A}"/>
+              </a:ext>
+            </a:extLst>
+          </p:cNvPr>
+          <p:cNvCxnSpPr>
+            <a:stCxn id="3" idx="1"/>
+            <a:endCxn id="4" idx="0"/>
+          </p:cNvCxnSpPr>
+          <p:nvPr/>
+        </p:nvCxnSpPr>
+        <p:spPr>
+          <a:xfrm rot="10800000" flipV="1">
+            <a:off x="2246635" y="4226786"/>
+            <a:ext cx="331814" cy="15119"/>
+          </a:xfrm>
+          <a:prstGeom prst="straightConnector1">
+            <a:avLst/>
+          </a:prstGeom>
+          <a:ln>
+            <a:tailEnd type="arrow"/>
+          </a:ln>
+        </p:spPr>
+        <p:style>
+          <a:lnRef idx="1">
+            <a:schemeClr val="accent1"/>
+          </a:lnRef>
+          <a:fillRef idx="0">
+            <a:schemeClr val="accent1"/>
+          </a:fillRef>
+          <a:effectRef idx="0">
+            <a:schemeClr val="accent1"/>
+          </a:effectRef>
+          <a:fontRef idx="minor">
+            <a:schemeClr val="tx1"/>
+          </a:fontRef>
+        </p:style>
+      </p:cxnSp>
+      <p:sp>
+        <p:nvSpPr>
+          <p:cNvPr id="6" name="椭圆形标注 12">
+            <a:extLst>
+              <a:ext uri="{FF2B5EF4-FFF2-40B4-BE49-F238E27FC236}">
+                <a16:creationId xmlns:a16="http://schemas.microsoft.com/office/drawing/2014/main" id="{A43A171A-A3EB-4A27-A26C-E3ECEC529444}"/>
+              </a:ext>
+            </a:extLst>
+          </p:cNvPr>
+          <p:cNvSpPr/>
+          <p:nvPr/>
+        </p:nvSpPr>
+        <p:spPr>
+          <a:xfrm>
+            <a:off x="1865015" y="3141556"/>
+            <a:ext cx="914400" cy="377257"/>
+          </a:xfrm>
+          <a:prstGeom prst="wedgeEllipseCallout">
+            <a:avLst>
+              <a:gd name="adj1" fmla="val -86180"/>
+              <a:gd name="adj2" fmla="val 133799"/>
+            </a:avLst>
+          </a:prstGeom>
+          <a:solidFill>
+            <a:schemeClr val="bg1"/>
+          </a:solidFill>
+          <a:ln>
+            <a:solidFill>
+              <a:srgbClr val="FF0000"/>
+            </a:solidFill>
+            <a:prstDash val="dashDot"/>
+          </a:ln>
+        </p:spPr>
+        <p:style>
+          <a:lnRef idx="2">
+            <a:schemeClr val="accent1">
+              <a:shade val="50000"/>
+            </a:schemeClr>
+          </a:lnRef>
+          <a:fillRef idx="1">
+            <a:schemeClr val="accent1"/>
+          </a:fillRef>
+          <a:effectRef idx="0">
+            <a:schemeClr val="accent1"/>
+          </a:effectRef>
+          <a:fontRef idx="minor">
+            <a:schemeClr val="lt1"/>
+          </a:fontRef>
+        </p:style>
+        <p:txBody>
+          <a:bodyPr rtlCol="0" anchor="ctr"/>
+          <a:lstStyle/>
+          <a:p>
+            <a:pPr algn="ctr"/>
+            <a:r>
+              <a:rPr lang="en-US" altLang="zh-CN" sz="1400" dirty="0">
+                <a:solidFill>
+                  <a:srgbClr val="FF0000"/>
+                </a:solidFill>
+              </a:rPr>
+              <a:t>URL</a:t>
+            </a:r>
+            <a:endParaRPr lang="zh-CN" altLang="en-US" sz="1400" dirty="0">
+              <a:solidFill>
+                <a:srgbClr val="FF0000"/>
+              </a:solidFill>
+            </a:endParaRPr>
+          </a:p>
+        </p:txBody>
+      </p:sp>
+      <p:sp>
+        <p:nvSpPr>
+          <p:cNvPr id="7" name="椭圆形标注 13">
+            <a:extLst>
+              <a:ext uri="{FF2B5EF4-FFF2-40B4-BE49-F238E27FC236}">
+                <a16:creationId xmlns:a16="http://schemas.microsoft.com/office/drawing/2014/main" id="{76558BB9-D32A-4C33-BE1C-4D13257DAC1A}"/>
+              </a:ext>
+            </a:extLst>
+          </p:cNvPr>
+          <p:cNvSpPr/>
+          <p:nvPr/>
+        </p:nvSpPr>
+        <p:spPr>
+          <a:xfrm>
+            <a:off x="298766" y="3176259"/>
+            <a:ext cx="1348965" cy="377257"/>
+          </a:xfrm>
+          <a:prstGeom prst="wedgeEllipseCallout">
+            <a:avLst>
+              <a:gd name="adj1" fmla="val 41729"/>
+              <a:gd name="adj2" fmla="val 124200"/>
+            </a:avLst>
+          </a:prstGeom>
+          <a:solidFill>
+            <a:schemeClr val="bg1"/>
+          </a:solidFill>
+          <a:ln>
+            <a:solidFill>
+              <a:srgbClr val="FF0000"/>
+            </a:solidFill>
+            <a:prstDash val="dashDot"/>
+          </a:ln>
+        </p:spPr>
+        <p:style>
+          <a:lnRef idx="2">
+            <a:schemeClr val="accent1">
+              <a:shade val="50000"/>
+            </a:schemeClr>
+          </a:lnRef>
+          <a:fillRef idx="1">
+            <a:schemeClr val="accent1"/>
+          </a:fillRef>
+          <a:effectRef idx="0">
+            <a:schemeClr val="accent1"/>
+          </a:effectRef>
+          <a:fontRef idx="minor">
+            <a:schemeClr val="lt1"/>
+          </a:fontRef>
+        </p:style>
+        <p:txBody>
+          <a:bodyPr rtlCol="0" anchor="ctr"/>
+          <a:lstStyle/>
+          <a:p>
+            <a:pPr algn="ctr"/>
+            <a:r>
+              <a:rPr lang="en-US" sz="1400" dirty="0">
+                <a:solidFill>
+                  <a:srgbClr val="FF0000"/>
+                </a:solidFill>
+              </a:rPr>
+              <a:t>interface</a:t>
+            </a:r>
+            <a:endParaRPr lang="zh-CN" altLang="en-US" sz="1400" dirty="0">
+              <a:solidFill>
+                <a:srgbClr val="FF0000"/>
+              </a:solidFill>
+            </a:endParaRPr>
+          </a:p>
+        </p:txBody>
+      </p:sp>
+      <p:cxnSp>
+        <p:nvCxnSpPr>
+          <p:cNvPr id="8" name="直接箭头连接符 7">
+            <a:extLst>
+              <a:ext uri="{FF2B5EF4-FFF2-40B4-BE49-F238E27FC236}">
+                <a16:creationId xmlns:a16="http://schemas.microsoft.com/office/drawing/2014/main" id="{56E5AF7F-67B3-47F0-A322-3DC613F4A76E}"/>
+              </a:ext>
+            </a:extLst>
+          </p:cNvPr>
+          <p:cNvCxnSpPr>
+            <a:stCxn id="3" idx="3"/>
+            <a:endCxn id="9" idx="1"/>
+          </p:cNvCxnSpPr>
+          <p:nvPr/>
+        </p:nvCxnSpPr>
+        <p:spPr>
+          <a:xfrm flipV="1">
+            <a:off x="3994546" y="3829548"/>
+            <a:ext cx="523131" cy="397239"/>
+          </a:xfrm>
+          <a:prstGeom prst="straightConnector1">
+            <a:avLst/>
+          </a:prstGeom>
+          <a:ln w="28575">
+            <a:prstDash val="dash"/>
+            <a:tailEnd type="arrow"/>
+          </a:ln>
+        </p:spPr>
+        <p:style>
+          <a:lnRef idx="1">
+            <a:schemeClr val="accent1"/>
+          </a:lnRef>
+          <a:fillRef idx="0">
+            <a:schemeClr val="accent1"/>
+          </a:fillRef>
+          <a:effectRef idx="0">
+            <a:schemeClr val="accent1"/>
+          </a:effectRef>
+          <a:fontRef idx="minor">
+            <a:schemeClr val="tx1"/>
+          </a:fontRef>
+        </p:style>
+      </p:cxnSp>
+      <p:sp>
+        <p:nvSpPr>
+          <p:cNvPr id="9" name="圆角矩形 43">
+            <a:extLst>
+              <a:ext uri="{FF2B5EF4-FFF2-40B4-BE49-F238E27FC236}">
+                <a16:creationId xmlns:a16="http://schemas.microsoft.com/office/drawing/2014/main" id="{88CA31E7-B670-43D8-AE19-D3B1A5D4A3A9}"/>
+              </a:ext>
+            </a:extLst>
+          </p:cNvPr>
+          <p:cNvSpPr/>
+          <p:nvPr/>
+        </p:nvSpPr>
+        <p:spPr>
+          <a:xfrm>
+            <a:off x="4517677" y="3530783"/>
+            <a:ext cx="1113576" cy="597529"/>
+          </a:xfrm>
+          <a:prstGeom prst="roundRect">
+            <a:avLst/>
+          </a:prstGeom>
+        </p:spPr>
+        <p:style>
+          <a:lnRef idx="2">
+            <a:schemeClr val="accent1">
+              <a:shade val="50000"/>
+            </a:schemeClr>
+          </a:lnRef>
+          <a:fillRef idx="1">
+            <a:schemeClr val="accent1"/>
+          </a:fillRef>
+          <a:effectRef idx="0">
+            <a:schemeClr val="accent1"/>
+          </a:effectRef>
+          <a:fontRef idx="minor">
+            <a:schemeClr val="lt1"/>
+          </a:fontRef>
+        </p:style>
+        <p:txBody>
+          <a:bodyPr rtlCol="0" anchor="ctr"/>
+          <a:lstStyle/>
+          <a:p>
+            <a:pPr algn="ctr"/>
+            <a:r>
+              <a:rPr lang="en-US" altLang="zh-CN" sz="1600" dirty="0" err="1"/>
+              <a:t>InvokerA</a:t>
+            </a:r>
+            <a:endParaRPr lang="zh-CN" altLang="en-US" sz="1600" dirty="0"/>
+          </a:p>
+        </p:txBody>
+      </p:sp>
+      <p:sp>
+        <p:nvSpPr>
+          <p:cNvPr id="10" name="圆角矩形 53">
+            <a:extLst>
+              <a:ext uri="{FF2B5EF4-FFF2-40B4-BE49-F238E27FC236}">
+                <a16:creationId xmlns:a16="http://schemas.microsoft.com/office/drawing/2014/main" id="{79880213-5202-41A8-86A1-B59091B2008D}"/>
+              </a:ext>
+            </a:extLst>
+          </p:cNvPr>
+          <p:cNvSpPr/>
+          <p:nvPr/>
+        </p:nvSpPr>
+        <p:spPr>
+          <a:xfrm>
+            <a:off x="4489004" y="4443675"/>
+            <a:ext cx="1113576" cy="597529"/>
+          </a:xfrm>
+          <a:prstGeom prst="roundRect">
+            <a:avLst/>
+          </a:prstGeom>
+        </p:spPr>
+        <p:style>
+          <a:lnRef idx="2">
+            <a:schemeClr val="accent1">
+              <a:shade val="50000"/>
+            </a:schemeClr>
+          </a:lnRef>
+          <a:fillRef idx="1">
+            <a:schemeClr val="accent1"/>
+          </a:fillRef>
+          <a:effectRef idx="0">
+            <a:schemeClr val="accent1"/>
+          </a:effectRef>
+          <a:fontRef idx="minor">
+            <a:schemeClr val="lt1"/>
+          </a:fontRef>
+        </p:style>
+        <p:txBody>
+          <a:bodyPr rtlCol="0" anchor="ctr"/>
+          <a:lstStyle/>
+          <a:p>
+            <a:pPr algn="ctr"/>
+            <a:r>
+              <a:rPr lang="en-US" altLang="zh-CN" sz="1600" dirty="0" err="1"/>
+              <a:t>InvokerB</a:t>
+            </a:r>
+            <a:endParaRPr lang="zh-CN" altLang="en-US" sz="1600" dirty="0"/>
+          </a:p>
+        </p:txBody>
+      </p:sp>
+      <p:sp>
+        <p:nvSpPr>
+          <p:cNvPr id="11" name="圆角矩形 66">
+            <a:extLst>
+              <a:ext uri="{FF2B5EF4-FFF2-40B4-BE49-F238E27FC236}">
+                <a16:creationId xmlns:a16="http://schemas.microsoft.com/office/drawing/2014/main" id="{CC92D6A0-D9B9-462B-A2C7-84FB5D46C10D}"/>
+              </a:ext>
+            </a:extLst>
+          </p:cNvPr>
+          <p:cNvSpPr/>
+          <p:nvPr/>
+        </p:nvSpPr>
+        <p:spPr>
+          <a:xfrm>
+            <a:off x="4442229" y="5474291"/>
+            <a:ext cx="1161869" cy="597529"/>
+          </a:xfrm>
+          <a:prstGeom prst="roundRect">
+            <a:avLst/>
+          </a:prstGeom>
+        </p:spPr>
+        <p:style>
+          <a:lnRef idx="2">
+            <a:schemeClr val="accent1">
+              <a:shade val="50000"/>
+            </a:schemeClr>
+          </a:lnRef>
+          <a:fillRef idx="1">
+            <a:schemeClr val="accent1"/>
+          </a:fillRef>
+          <a:effectRef idx="0">
+            <a:schemeClr val="accent1"/>
+          </a:effectRef>
+          <a:fontRef idx="minor">
+            <a:schemeClr val="lt1"/>
+          </a:fontRef>
+        </p:style>
+        <p:txBody>
+          <a:bodyPr rtlCol="0" anchor="ctr"/>
+          <a:lstStyle/>
+          <a:p>
+            <a:pPr algn="ctr"/>
+            <a:r>
+              <a:rPr lang="en-US" altLang="zh-CN" sz="1600" dirty="0" err="1"/>
+              <a:t>InvokerN</a:t>
+            </a:r>
+            <a:endParaRPr lang="zh-CN" altLang="en-US" sz="1600" dirty="0"/>
+          </a:p>
+        </p:txBody>
+      </p:sp>
+      <p:cxnSp>
+        <p:nvCxnSpPr>
+          <p:cNvPr id="12" name="直接箭头连接符 11">
+            <a:extLst>
+              <a:ext uri="{FF2B5EF4-FFF2-40B4-BE49-F238E27FC236}">
+                <a16:creationId xmlns:a16="http://schemas.microsoft.com/office/drawing/2014/main" id="{9DAF7791-475E-448F-9BE5-28DA1552C25D}"/>
+              </a:ext>
+            </a:extLst>
+          </p:cNvPr>
+          <p:cNvCxnSpPr>
+            <a:endCxn id="9" idx="3"/>
+          </p:cNvCxnSpPr>
+          <p:nvPr/>
+        </p:nvCxnSpPr>
+        <p:spPr>
+          <a:xfrm rot="10800000">
+            <a:off x="5631254" y="3829548"/>
+            <a:ext cx="715227" cy="525154"/>
+          </a:xfrm>
+          <a:prstGeom prst="straightConnector1">
+            <a:avLst/>
+          </a:prstGeom>
+          <a:ln>
+            <a:solidFill>
+              <a:srgbClr val="00B0F0"/>
+            </a:solidFill>
+            <a:prstDash val="lgDashDotDot"/>
+            <a:tailEnd type="arrow"/>
+          </a:ln>
+        </p:spPr>
+        <p:style>
+          <a:lnRef idx="1">
+            <a:schemeClr val="accent1"/>
+          </a:lnRef>
+          <a:fillRef idx="0">
+            <a:schemeClr val="accent1"/>
+          </a:fillRef>
+          <a:effectRef idx="0">
+            <a:schemeClr val="accent1"/>
+          </a:effectRef>
+          <a:fontRef idx="minor">
+            <a:schemeClr val="tx1"/>
+          </a:fontRef>
+        </p:style>
+      </p:cxnSp>
+      <p:cxnSp>
+        <p:nvCxnSpPr>
+          <p:cNvPr id="13" name="直接箭头连接符 12">
+            <a:extLst>
+              <a:ext uri="{FF2B5EF4-FFF2-40B4-BE49-F238E27FC236}">
+                <a16:creationId xmlns:a16="http://schemas.microsoft.com/office/drawing/2014/main" id="{CDCB72EC-33B6-4350-A6C2-85DD418F097C}"/>
+              </a:ext>
+            </a:extLst>
+          </p:cNvPr>
+          <p:cNvCxnSpPr>
+            <a:endCxn id="10" idx="3"/>
+          </p:cNvCxnSpPr>
+          <p:nvPr/>
+        </p:nvCxnSpPr>
+        <p:spPr>
+          <a:xfrm rot="10800000" flipV="1">
+            <a:off x="5602580" y="4354702"/>
+            <a:ext cx="743900" cy="387738"/>
+          </a:xfrm>
+          <a:prstGeom prst="straightConnector1">
+            <a:avLst/>
+          </a:prstGeom>
+          <a:ln>
+            <a:solidFill>
+              <a:srgbClr val="00B0F0"/>
+            </a:solidFill>
+            <a:prstDash val="lgDashDotDot"/>
+            <a:tailEnd type="arrow"/>
+          </a:ln>
+        </p:spPr>
+        <p:style>
+          <a:lnRef idx="1">
+            <a:schemeClr val="accent1"/>
+          </a:lnRef>
+          <a:fillRef idx="0">
+            <a:schemeClr val="accent1"/>
+          </a:fillRef>
+          <a:effectRef idx="0">
+            <a:schemeClr val="accent1"/>
+          </a:effectRef>
+          <a:fontRef idx="minor">
+            <a:schemeClr val="tx1"/>
+          </a:fontRef>
+        </p:style>
+      </p:cxnSp>
+      <p:cxnSp>
+        <p:nvCxnSpPr>
+          <p:cNvPr id="14" name="直接箭头连接符 13">
+            <a:extLst>
+              <a:ext uri="{FF2B5EF4-FFF2-40B4-BE49-F238E27FC236}">
+                <a16:creationId xmlns:a16="http://schemas.microsoft.com/office/drawing/2014/main" id="{1FBE90D8-69CA-4248-8BC7-17B3BE4E95B3}"/>
+              </a:ext>
+            </a:extLst>
+          </p:cNvPr>
+          <p:cNvCxnSpPr>
+            <a:endCxn id="11" idx="3"/>
+          </p:cNvCxnSpPr>
+          <p:nvPr/>
+        </p:nvCxnSpPr>
+        <p:spPr>
+          <a:xfrm rot="10800000" flipV="1">
+            <a:off x="5604098" y="4354702"/>
+            <a:ext cx="742382" cy="1418354"/>
+          </a:xfrm>
+          <a:prstGeom prst="straightConnector1">
+            <a:avLst/>
+          </a:prstGeom>
+          <a:ln>
+            <a:solidFill>
+              <a:srgbClr val="00B0F0"/>
+            </a:solidFill>
+            <a:prstDash val="lgDashDotDot"/>
+            <a:tailEnd type="arrow"/>
+          </a:ln>
+        </p:spPr>
+        <p:style>
+          <a:lnRef idx="1">
+            <a:schemeClr val="accent1"/>
+          </a:lnRef>
+          <a:fillRef idx="0">
+            <a:schemeClr val="accent1"/>
+          </a:fillRef>
+          <a:effectRef idx="0">
+            <a:schemeClr val="accent1"/>
+          </a:effectRef>
+          <a:fontRef idx="minor">
+            <a:schemeClr val="tx1"/>
+          </a:fontRef>
+        </p:style>
+      </p:cxnSp>
+      <p:sp>
+        <p:nvSpPr>
+          <p:cNvPr id="15" name="TextBox 33">
+            <a:extLst>
+              <a:ext uri="{FF2B5EF4-FFF2-40B4-BE49-F238E27FC236}">
+                <a16:creationId xmlns:a16="http://schemas.microsoft.com/office/drawing/2014/main" id="{FAF32836-FBF2-4AF7-80B7-D7D5B328194B}"/>
+              </a:ext>
+            </a:extLst>
+          </p:cNvPr>
+          <p:cNvSpPr txBox="1"/>
+          <p:nvPr/>
+        </p:nvSpPr>
+        <p:spPr>
+          <a:xfrm>
+            <a:off x="417601" y="379150"/>
+            <a:ext cx="2390398" cy="717889"/>
+          </a:xfrm>
+          <a:prstGeom prst="rect">
+            <a:avLst/>
+          </a:prstGeom>
+          <a:noFill/>
+        </p:spPr>
+        <p:txBody>
+          <a:bodyPr wrap="none" rtlCol="0">
+            <a:spAutoFit/>
+          </a:bodyPr>
+          <a:lstStyle/>
+          <a:p>
+            <a:pPr defTabSz="1218565">
+              <a:defRPr/>
+            </a:pPr>
+            <a:r>
+              <a:rPr lang="zh-CN" altLang="en-US" sz="2665" noProof="1">
+                <a:solidFill>
+                  <a:srgbClr val="1D69A3"/>
+                </a:solidFill>
+                <a:latin typeface="微软雅黑" panose="020B0503020204020204" pitchFamily="34" charset="-122"/>
+                <a:ea typeface="微软雅黑" panose="020B0503020204020204" pitchFamily="34" charset="-122"/>
+              </a:rPr>
+              <a:t>容错组件</a:t>
+            </a:r>
+            <a:endParaRPr lang="en-US" altLang="zh-CN" sz="2665" noProof="1">
+              <a:solidFill>
+                <a:srgbClr val="1D69A3"/>
+              </a:solidFill>
+              <a:latin typeface="微软雅黑" panose="020B0503020204020204" pitchFamily="34" charset="-122"/>
+              <a:ea typeface="微软雅黑" panose="020B0503020204020204" pitchFamily="34" charset="-122"/>
+            </a:endParaRPr>
+          </a:p>
+          <a:p>
+            <a:pPr defTabSz="1218565">
+              <a:defRPr/>
+            </a:pPr>
+            <a:r>
+              <a:rPr lang="en-US" altLang="zh-CN" sz="1400" noProof="1">
+                <a:solidFill>
+                  <a:srgbClr val="1D69A3"/>
+                </a:solidFill>
+                <a:latin typeface="微软雅黑" panose="020B0503020204020204" pitchFamily="34" charset="-122"/>
+                <a:ea typeface="微软雅黑" panose="020B0503020204020204" pitchFamily="34" charset="-122"/>
+              </a:rPr>
+              <a:t>---</a:t>
+            </a:r>
+            <a:r>
+              <a:rPr lang="zh-CN" altLang="en-US" sz="1400" noProof="1">
+                <a:solidFill>
+                  <a:srgbClr val="1D69A3"/>
+                </a:solidFill>
+                <a:latin typeface="微软雅黑" panose="020B0503020204020204" pitchFamily="34" charset="-122"/>
+                <a:ea typeface="微软雅黑" panose="020B0503020204020204" pitchFamily="34" charset="-122"/>
+              </a:rPr>
+              <a:t>消费端面临多选一的抉择</a:t>
+            </a:r>
+          </a:p>
+        </p:txBody>
+      </p:sp>
+      <p:cxnSp>
+        <p:nvCxnSpPr>
+          <p:cNvPr id="16" name="直接箭头连接符 15">
+            <a:extLst>
+              <a:ext uri="{FF2B5EF4-FFF2-40B4-BE49-F238E27FC236}">
+                <a16:creationId xmlns:a16="http://schemas.microsoft.com/office/drawing/2014/main" id="{45BEB5F0-4F4B-4859-895B-DD7A784E3463}"/>
+              </a:ext>
+            </a:extLst>
+          </p:cNvPr>
+          <p:cNvCxnSpPr>
+            <a:endCxn id="10" idx="1"/>
+          </p:cNvCxnSpPr>
+          <p:nvPr/>
+        </p:nvCxnSpPr>
+        <p:spPr>
+          <a:xfrm rot="16200000" flipH="1">
+            <a:off x="4019769" y="4273205"/>
+            <a:ext cx="478258" cy="460212"/>
+          </a:xfrm>
+          <a:prstGeom prst="straightConnector1">
+            <a:avLst/>
+          </a:prstGeom>
+          <a:ln w="28575">
+            <a:prstDash val="dash"/>
+            <a:tailEnd type="arrow"/>
+          </a:ln>
+        </p:spPr>
+        <p:style>
+          <a:lnRef idx="1">
+            <a:schemeClr val="accent1"/>
+          </a:lnRef>
+          <a:fillRef idx="0">
+            <a:schemeClr val="accent1"/>
+          </a:fillRef>
+          <a:effectRef idx="0">
+            <a:schemeClr val="accent1"/>
+          </a:effectRef>
+          <a:fontRef idx="minor">
+            <a:schemeClr val="tx1"/>
+          </a:fontRef>
+        </p:style>
+      </p:cxnSp>
+      <p:cxnSp>
+        <p:nvCxnSpPr>
+          <p:cNvPr id="17" name="直接箭头连接符 16">
+            <a:extLst>
+              <a:ext uri="{FF2B5EF4-FFF2-40B4-BE49-F238E27FC236}">
+                <a16:creationId xmlns:a16="http://schemas.microsoft.com/office/drawing/2014/main" id="{5162E6FF-1BBD-4742-892A-7286753A5D1E}"/>
+              </a:ext>
+            </a:extLst>
+          </p:cNvPr>
+          <p:cNvCxnSpPr>
+            <a:stCxn id="3" idx="3"/>
+            <a:endCxn id="11" idx="1"/>
+          </p:cNvCxnSpPr>
+          <p:nvPr/>
+        </p:nvCxnSpPr>
+        <p:spPr>
+          <a:xfrm>
+            <a:off x="3994546" y="4226787"/>
+            <a:ext cx="447683" cy="1546269"/>
+          </a:xfrm>
+          <a:prstGeom prst="straightConnector1">
+            <a:avLst/>
+          </a:prstGeom>
+          <a:ln w="28575">
+            <a:prstDash val="dash"/>
+            <a:tailEnd type="arrow"/>
+          </a:ln>
+        </p:spPr>
+        <p:style>
+          <a:lnRef idx="1">
+            <a:schemeClr val="accent1"/>
+          </a:lnRef>
+          <a:fillRef idx="0">
+            <a:schemeClr val="accent1"/>
+          </a:fillRef>
+          <a:effectRef idx="0">
+            <a:schemeClr val="accent1"/>
+          </a:effectRef>
+          <a:fontRef idx="minor">
+            <a:schemeClr val="tx1"/>
+          </a:fontRef>
+        </p:style>
+      </p:cxnSp>
+      <p:sp>
+        <p:nvSpPr>
+          <p:cNvPr id="18" name="TextBox 75">
+            <a:extLst>
+              <a:ext uri="{FF2B5EF4-FFF2-40B4-BE49-F238E27FC236}">
+                <a16:creationId xmlns:a16="http://schemas.microsoft.com/office/drawing/2014/main" id="{388B6348-CD5A-463F-9402-C76E1D93825C}"/>
+              </a:ext>
+            </a:extLst>
+          </p:cNvPr>
+          <p:cNvSpPr txBox="1"/>
+          <p:nvPr/>
+        </p:nvSpPr>
+        <p:spPr>
+          <a:xfrm>
+            <a:off x="4635375" y="5060865"/>
+            <a:ext cx="671979" cy="369332"/>
+          </a:xfrm>
+          <a:prstGeom prst="rect">
+            <a:avLst/>
+          </a:prstGeom>
+          <a:noFill/>
+        </p:spPr>
+        <p:txBody>
+          <a:bodyPr wrap="none" rtlCol="0">
+            <a:spAutoFit/>
+          </a:bodyPr>
+          <a:lstStyle/>
+          <a:p>
+            <a:r>
+              <a:rPr lang="en-US" altLang="zh-CN" dirty="0"/>
+              <a:t>……..</a:t>
+            </a:r>
+            <a:endParaRPr lang="zh-CN" altLang="en-US" dirty="0"/>
+          </a:p>
+        </p:txBody>
+      </p:sp>
+      <p:sp>
+        <p:nvSpPr>
+          <p:cNvPr id="19" name="圆角矩形 108">
+            <a:extLst>
+              <a:ext uri="{FF2B5EF4-FFF2-40B4-BE49-F238E27FC236}">
+                <a16:creationId xmlns:a16="http://schemas.microsoft.com/office/drawing/2014/main" id="{F0739E8E-C8FE-42B6-9B09-23573A795356}"/>
+              </a:ext>
+            </a:extLst>
+          </p:cNvPr>
+          <p:cNvSpPr/>
+          <p:nvPr/>
+        </p:nvSpPr>
+        <p:spPr>
+          <a:xfrm>
+            <a:off x="6346479" y="4092166"/>
+            <a:ext cx="1457605" cy="478256"/>
+          </a:xfrm>
+          <a:prstGeom prst="roundRect">
+            <a:avLst/>
+          </a:prstGeom>
+        </p:spPr>
+        <p:style>
+          <a:lnRef idx="2">
+            <a:schemeClr val="accent1">
+              <a:shade val="50000"/>
+            </a:schemeClr>
+          </a:lnRef>
+          <a:fillRef idx="1">
+            <a:schemeClr val="accent1"/>
+          </a:fillRef>
+          <a:effectRef idx="0">
+            <a:schemeClr val="accent1"/>
+          </a:effectRef>
+          <a:fontRef idx="minor">
+            <a:schemeClr val="lt1"/>
+          </a:fontRef>
+        </p:style>
+        <p:txBody>
+          <a:bodyPr rtlCol="0" anchor="ctr"/>
+          <a:lstStyle/>
+          <a:p>
+            <a:pPr algn="ctr"/>
+            <a:r>
+              <a:rPr lang="en-US" sz="1600" dirty="0" err="1"/>
+              <a:t>loadbalance</a:t>
+            </a:r>
+            <a:endParaRPr lang="zh-CN" altLang="en-US" sz="1600" dirty="0"/>
+          </a:p>
+        </p:txBody>
+      </p:sp>
+      <p:sp>
+        <p:nvSpPr>
+          <p:cNvPr id="20" name="圆角矩形 119">
+            <a:extLst>
+              <a:ext uri="{FF2B5EF4-FFF2-40B4-BE49-F238E27FC236}">
+                <a16:creationId xmlns:a16="http://schemas.microsoft.com/office/drawing/2014/main" id="{23BE935E-4719-4792-8B8F-37FAF4EC657C}"/>
+              </a:ext>
+            </a:extLst>
+          </p:cNvPr>
+          <p:cNvSpPr/>
+          <p:nvPr/>
+        </p:nvSpPr>
+        <p:spPr>
+          <a:xfrm>
+            <a:off x="8128503" y="4126842"/>
+            <a:ext cx="1466661" cy="416490"/>
+          </a:xfrm>
+          <a:prstGeom prst="roundRect">
+            <a:avLst/>
+          </a:prstGeom>
+          <a:solidFill>
+            <a:schemeClr val="accent6">
+              <a:lumMod val="75000"/>
+            </a:schemeClr>
+          </a:solidFill>
+        </p:spPr>
+        <p:style>
+          <a:lnRef idx="2">
+            <a:schemeClr val="accent1">
+              <a:shade val="50000"/>
+            </a:schemeClr>
+          </a:lnRef>
+          <a:fillRef idx="1">
+            <a:schemeClr val="accent1"/>
+          </a:fillRef>
+          <a:effectRef idx="0">
+            <a:schemeClr val="accent1"/>
+          </a:effectRef>
+          <a:fontRef idx="minor">
+            <a:schemeClr val="lt1"/>
+          </a:fontRef>
+        </p:style>
+        <p:txBody>
+          <a:bodyPr rtlCol="0" anchor="ctr"/>
+          <a:lstStyle/>
+          <a:p>
+            <a:pPr algn="ctr"/>
+            <a:r>
+              <a:rPr lang="en-US" sz="1400" dirty="0" err="1"/>
+              <a:t>ClusterInvoker</a:t>
+            </a:r>
+            <a:endParaRPr lang="zh-CN" altLang="en-US" sz="1400" dirty="0"/>
+          </a:p>
+        </p:txBody>
+      </p:sp>
+      <p:sp>
+        <p:nvSpPr>
+          <p:cNvPr id="21" name="圆角矩形 120">
+            <a:extLst>
+              <a:ext uri="{FF2B5EF4-FFF2-40B4-BE49-F238E27FC236}">
+                <a16:creationId xmlns:a16="http://schemas.microsoft.com/office/drawing/2014/main" id="{9D5DA367-7297-4136-AF3A-BD4918C0BB3C}"/>
+              </a:ext>
+            </a:extLst>
+          </p:cNvPr>
+          <p:cNvSpPr/>
+          <p:nvPr/>
+        </p:nvSpPr>
+        <p:spPr>
+          <a:xfrm>
+            <a:off x="8353324" y="3067611"/>
+            <a:ext cx="1015500" cy="478256"/>
+          </a:xfrm>
+          <a:prstGeom prst="roundRect">
+            <a:avLst/>
+          </a:prstGeom>
+        </p:spPr>
+        <p:style>
+          <a:lnRef idx="2">
+            <a:schemeClr val="accent1">
+              <a:shade val="50000"/>
+            </a:schemeClr>
+          </a:lnRef>
+          <a:fillRef idx="1">
+            <a:schemeClr val="accent1"/>
+          </a:fillRef>
+          <a:effectRef idx="0">
+            <a:schemeClr val="accent1"/>
+          </a:effectRef>
+          <a:fontRef idx="minor">
+            <a:schemeClr val="lt1"/>
+          </a:fontRef>
+        </p:style>
+        <p:txBody>
+          <a:bodyPr rtlCol="0" anchor="ctr"/>
+          <a:lstStyle/>
+          <a:p>
+            <a:pPr algn="ctr"/>
+            <a:r>
+              <a:rPr lang="en-US" sz="1600" dirty="0"/>
+              <a:t>cluster</a:t>
+            </a:r>
+            <a:endParaRPr lang="zh-CN" altLang="en-US" sz="1600" dirty="0"/>
+          </a:p>
+        </p:txBody>
+      </p:sp>
+      <p:cxnSp>
+        <p:nvCxnSpPr>
+          <p:cNvPr id="22" name="直接箭头连接符 21">
+            <a:extLst>
+              <a:ext uri="{FF2B5EF4-FFF2-40B4-BE49-F238E27FC236}">
+                <a16:creationId xmlns:a16="http://schemas.microsoft.com/office/drawing/2014/main" id="{B5A3B3A5-D377-4827-8739-5CAD2F19EBB5}"/>
+              </a:ext>
+            </a:extLst>
+          </p:cNvPr>
+          <p:cNvCxnSpPr>
+            <a:stCxn id="21" idx="2"/>
+            <a:endCxn id="20" idx="0"/>
+          </p:cNvCxnSpPr>
+          <p:nvPr/>
+        </p:nvCxnSpPr>
+        <p:spPr>
+          <a:xfrm rot="16200000" flipH="1">
+            <a:off x="8570967" y="3835974"/>
+            <a:ext cx="580975" cy="760"/>
+          </a:xfrm>
+          <a:prstGeom prst="straightConnector1">
+            <a:avLst/>
+          </a:prstGeom>
+          <a:ln>
+            <a:tailEnd type="arrow"/>
+          </a:ln>
+        </p:spPr>
+        <p:style>
+          <a:lnRef idx="1">
+            <a:schemeClr val="accent1"/>
+          </a:lnRef>
+          <a:fillRef idx="0">
+            <a:schemeClr val="accent1"/>
+          </a:fillRef>
+          <a:effectRef idx="0">
+            <a:schemeClr val="accent1"/>
+          </a:effectRef>
+          <a:fontRef idx="minor">
+            <a:schemeClr val="tx1"/>
+          </a:fontRef>
+        </p:style>
+      </p:cxnSp>
+      <p:cxnSp>
+        <p:nvCxnSpPr>
+          <p:cNvPr id="23" name="直接箭头连接符 22">
+            <a:extLst>
+              <a:ext uri="{FF2B5EF4-FFF2-40B4-BE49-F238E27FC236}">
+                <a16:creationId xmlns:a16="http://schemas.microsoft.com/office/drawing/2014/main" id="{D054440A-1D9B-4884-82B2-A52A39D193DE}"/>
+              </a:ext>
+            </a:extLst>
+          </p:cNvPr>
+          <p:cNvCxnSpPr>
+            <a:stCxn id="20" idx="1"/>
+            <a:endCxn id="19" idx="3"/>
+          </p:cNvCxnSpPr>
+          <p:nvPr/>
+        </p:nvCxnSpPr>
+        <p:spPr>
+          <a:xfrm rot="10800000">
+            <a:off x="7804085" y="4331295"/>
+            <a:ext cx="324419" cy="3793"/>
+          </a:xfrm>
+          <a:prstGeom prst="straightConnector1">
+            <a:avLst/>
+          </a:prstGeom>
+          <a:ln>
+            <a:tailEnd type="arrow"/>
+          </a:ln>
+        </p:spPr>
+        <p:style>
+          <a:lnRef idx="1">
+            <a:schemeClr val="accent1"/>
+          </a:lnRef>
+          <a:fillRef idx="0">
+            <a:schemeClr val="accent1"/>
+          </a:fillRef>
+          <a:effectRef idx="0">
+            <a:schemeClr val="accent1"/>
+          </a:effectRef>
+          <a:fontRef idx="minor">
+            <a:schemeClr val="tx1"/>
+          </a:fontRef>
+        </p:style>
+      </p:cxnSp>
+      <p:sp>
+        <p:nvSpPr>
+          <p:cNvPr id="24" name="矩形 23">
+            <a:extLst>
+              <a:ext uri="{FF2B5EF4-FFF2-40B4-BE49-F238E27FC236}">
+                <a16:creationId xmlns:a16="http://schemas.microsoft.com/office/drawing/2014/main" id="{A0924DCD-A483-44FF-813B-A6D2226D3212}"/>
+              </a:ext>
+            </a:extLst>
+          </p:cNvPr>
+          <p:cNvSpPr/>
+          <p:nvPr/>
+        </p:nvSpPr>
+        <p:spPr>
+          <a:xfrm>
+            <a:off x="9918064" y="3017515"/>
+            <a:ext cx="1829281" cy="539857"/>
+          </a:xfrm>
+          <a:prstGeom prst="rect">
+            <a:avLst/>
+          </a:prstGeom>
+        </p:spPr>
+        <p:style>
+          <a:lnRef idx="2">
+            <a:schemeClr val="accent1">
+              <a:shade val="50000"/>
+            </a:schemeClr>
+          </a:lnRef>
+          <a:fillRef idx="1">
+            <a:schemeClr val="accent1"/>
+          </a:fillRef>
+          <a:effectRef idx="0">
+            <a:schemeClr val="accent1"/>
+          </a:effectRef>
+          <a:fontRef idx="minor">
+            <a:schemeClr val="lt1"/>
+          </a:fontRef>
+        </p:style>
+        <p:txBody>
+          <a:bodyPr rtlCol="0" anchor="ctr"/>
+          <a:lstStyle/>
+          <a:p>
+            <a:pPr algn="ctr"/>
+            <a:r>
+              <a:rPr lang="en-US" dirty="0"/>
+              <a:t>Registry</a:t>
+            </a:r>
+          </a:p>
+          <a:p>
+            <a:pPr algn="ctr"/>
+            <a:r>
+              <a:rPr lang="en-US" dirty="0"/>
+              <a:t>protocol</a:t>
+            </a:r>
+            <a:endParaRPr lang="zh-CN" altLang="en-US" dirty="0"/>
+          </a:p>
+        </p:txBody>
+      </p:sp>
+      <p:sp>
+        <p:nvSpPr>
+          <p:cNvPr id="25" name="椭圆 24">
+            <a:extLst>
+              <a:ext uri="{FF2B5EF4-FFF2-40B4-BE49-F238E27FC236}">
+                <a16:creationId xmlns:a16="http://schemas.microsoft.com/office/drawing/2014/main" id="{81AFECF6-03D2-4AEE-877F-D4677D7C1A91}"/>
+              </a:ext>
+            </a:extLst>
+          </p:cNvPr>
+          <p:cNvSpPr/>
+          <p:nvPr/>
+        </p:nvSpPr>
+        <p:spPr>
+          <a:xfrm>
+            <a:off x="10168991" y="4082542"/>
+            <a:ext cx="1328909" cy="516601"/>
+          </a:xfrm>
+          <a:prstGeom prst="ellipse">
+            <a:avLst/>
+          </a:prstGeom>
+        </p:spPr>
+        <p:style>
+          <a:lnRef idx="2">
+            <a:schemeClr val="accent1">
+              <a:shade val="50000"/>
+            </a:schemeClr>
+          </a:lnRef>
+          <a:fillRef idx="1">
+            <a:schemeClr val="accent1"/>
+          </a:fillRef>
+          <a:effectRef idx="0">
+            <a:schemeClr val="accent1"/>
+          </a:effectRef>
+          <a:fontRef idx="minor">
+            <a:schemeClr val="lt1"/>
+          </a:fontRef>
+        </p:style>
+        <p:txBody>
+          <a:bodyPr rtlCol="0" anchor="ctr"/>
+          <a:lstStyle/>
+          <a:p>
+            <a:pPr algn="ctr"/>
+            <a:r>
+              <a:rPr lang="en-US" altLang="zh-CN" sz="1600" dirty="0"/>
+              <a:t>Invoker</a:t>
+            </a:r>
+            <a:endParaRPr lang="zh-CN" altLang="en-US" sz="1600" dirty="0"/>
+          </a:p>
+        </p:txBody>
+      </p:sp>
+      <p:cxnSp>
+        <p:nvCxnSpPr>
+          <p:cNvPr id="26" name="直接箭头连接符 25">
+            <a:extLst>
+              <a:ext uri="{FF2B5EF4-FFF2-40B4-BE49-F238E27FC236}">
+                <a16:creationId xmlns:a16="http://schemas.microsoft.com/office/drawing/2014/main" id="{71EE94E1-88E8-484B-804B-C5BA82B41A59}"/>
+              </a:ext>
+            </a:extLst>
+          </p:cNvPr>
+          <p:cNvCxnSpPr>
+            <a:stCxn id="24" idx="2"/>
+            <a:endCxn id="25" idx="0"/>
+          </p:cNvCxnSpPr>
+          <p:nvPr/>
+        </p:nvCxnSpPr>
+        <p:spPr>
+          <a:xfrm>
+            <a:off x="10832705" y="3557372"/>
+            <a:ext cx="741" cy="525170"/>
+          </a:xfrm>
+          <a:prstGeom prst="straightConnector1">
+            <a:avLst/>
+          </a:prstGeom>
+          <a:ln>
+            <a:tailEnd type="arrow"/>
+          </a:ln>
+        </p:spPr>
+        <p:style>
+          <a:lnRef idx="1">
+            <a:schemeClr val="accent1"/>
+          </a:lnRef>
+          <a:fillRef idx="0">
+            <a:schemeClr val="accent1"/>
+          </a:fillRef>
+          <a:effectRef idx="0">
+            <a:schemeClr val="accent1"/>
+          </a:effectRef>
+          <a:fontRef idx="minor">
+            <a:schemeClr val="tx1"/>
+          </a:fontRef>
+        </p:style>
+      </p:cxnSp>
+      <p:cxnSp>
+        <p:nvCxnSpPr>
+          <p:cNvPr id="27" name="直接箭头连接符 26">
+            <a:extLst>
+              <a:ext uri="{FF2B5EF4-FFF2-40B4-BE49-F238E27FC236}">
+                <a16:creationId xmlns:a16="http://schemas.microsoft.com/office/drawing/2014/main" id="{135A0177-E718-4AF8-BAFB-A346831976DE}"/>
+              </a:ext>
+            </a:extLst>
+          </p:cNvPr>
+          <p:cNvCxnSpPr>
+            <a:stCxn id="25" idx="2"/>
+            <a:endCxn id="20" idx="3"/>
+          </p:cNvCxnSpPr>
+          <p:nvPr/>
+        </p:nvCxnSpPr>
+        <p:spPr>
+          <a:xfrm rot="10800000">
+            <a:off x="9595165" y="4335087"/>
+            <a:ext cx="573827" cy="5756"/>
+          </a:xfrm>
+          <a:prstGeom prst="straightConnector1">
+            <a:avLst/>
+          </a:prstGeom>
+          <a:ln>
+            <a:tailEnd type="arrow"/>
+          </a:ln>
+        </p:spPr>
+        <p:style>
+          <a:lnRef idx="1">
+            <a:schemeClr val="accent1"/>
+          </a:lnRef>
+          <a:fillRef idx="0">
+            <a:schemeClr val="accent1"/>
+          </a:fillRef>
+          <a:effectRef idx="0">
+            <a:schemeClr val="accent1"/>
+          </a:effectRef>
+          <a:fontRef idx="minor">
+            <a:schemeClr val="tx1"/>
+          </a:fontRef>
+        </p:style>
+      </p:cxnSp>
+      <p:sp>
+        <p:nvSpPr>
+          <p:cNvPr id="28" name="圆角矩形 141">
+            <a:extLst>
+              <a:ext uri="{FF2B5EF4-FFF2-40B4-BE49-F238E27FC236}">
+                <a16:creationId xmlns:a16="http://schemas.microsoft.com/office/drawing/2014/main" id="{8FD356B8-CF6D-4D35-83BD-AB6CF1E8ECD5}"/>
+              </a:ext>
+            </a:extLst>
+          </p:cNvPr>
+          <p:cNvSpPr/>
+          <p:nvPr/>
+        </p:nvSpPr>
+        <p:spPr>
+          <a:xfrm>
+            <a:off x="7736180" y="1925365"/>
+            <a:ext cx="2240739" cy="478256"/>
+          </a:xfrm>
+          <a:prstGeom prst="roundRect">
+            <a:avLst/>
+          </a:prstGeom>
+        </p:spPr>
+        <p:style>
+          <a:lnRef idx="2">
+            <a:schemeClr val="accent1">
+              <a:shade val="50000"/>
+            </a:schemeClr>
+          </a:lnRef>
+          <a:fillRef idx="1">
+            <a:schemeClr val="accent1"/>
+          </a:fillRef>
+          <a:effectRef idx="0">
+            <a:schemeClr val="accent1"/>
+          </a:effectRef>
+          <a:fontRef idx="minor">
+            <a:schemeClr val="lt1"/>
+          </a:fontRef>
+        </p:style>
+        <p:txBody>
+          <a:bodyPr rtlCol="0" anchor="ctr"/>
+          <a:lstStyle/>
+          <a:p>
+            <a:pPr algn="ctr"/>
+            <a:r>
+              <a:rPr lang="en-US" sz="1600" dirty="0" err="1"/>
+              <a:t>RegistryDirectory</a:t>
+            </a:r>
+            <a:endParaRPr lang="zh-CN" altLang="en-US" sz="1600" dirty="0"/>
+          </a:p>
+        </p:txBody>
+      </p:sp>
+      <p:cxnSp>
+        <p:nvCxnSpPr>
+          <p:cNvPr id="29" name="直接箭头连接符 28">
+            <a:extLst>
+              <a:ext uri="{FF2B5EF4-FFF2-40B4-BE49-F238E27FC236}">
+                <a16:creationId xmlns:a16="http://schemas.microsoft.com/office/drawing/2014/main" id="{8C4A47ED-99F0-4203-8C1B-5B3023A0B47E}"/>
+              </a:ext>
+            </a:extLst>
+          </p:cNvPr>
+          <p:cNvCxnSpPr>
+            <a:stCxn id="28" idx="2"/>
+            <a:endCxn id="21" idx="0"/>
+          </p:cNvCxnSpPr>
+          <p:nvPr/>
+        </p:nvCxnSpPr>
+        <p:spPr>
+          <a:xfrm rot="16200000" flipH="1">
+            <a:off x="8526817" y="2733354"/>
+            <a:ext cx="663990" cy="4524"/>
+          </a:xfrm>
+          <a:prstGeom prst="straightConnector1">
+            <a:avLst/>
+          </a:prstGeom>
+          <a:ln>
+            <a:tailEnd type="arrow"/>
+          </a:ln>
+        </p:spPr>
+        <p:style>
+          <a:lnRef idx="1">
+            <a:schemeClr val="accent1"/>
+          </a:lnRef>
+          <a:fillRef idx="0">
+            <a:schemeClr val="accent1"/>
+          </a:fillRef>
+          <a:effectRef idx="0">
+            <a:schemeClr val="accent1"/>
+          </a:effectRef>
+          <a:fontRef idx="minor">
+            <a:schemeClr val="tx1"/>
+          </a:fontRef>
+        </p:style>
+      </p:cxnSp>
+      <p:sp>
+        <p:nvSpPr>
+          <p:cNvPr id="30" name="矩形 29">
+            <a:extLst>
+              <a:ext uri="{FF2B5EF4-FFF2-40B4-BE49-F238E27FC236}">
+                <a16:creationId xmlns:a16="http://schemas.microsoft.com/office/drawing/2014/main" id="{28809C65-0C83-4DCC-BE46-8255B706F7C6}"/>
+              </a:ext>
+            </a:extLst>
+          </p:cNvPr>
+          <p:cNvSpPr/>
+          <p:nvPr/>
+        </p:nvSpPr>
+        <p:spPr>
+          <a:xfrm>
+            <a:off x="7668285" y="733331"/>
+            <a:ext cx="2353901" cy="506994"/>
+          </a:xfrm>
+          <a:prstGeom prst="rect">
+            <a:avLst/>
+          </a:prstGeom>
+          <a:solidFill>
+            <a:schemeClr val="tx1"/>
+          </a:solidFill>
+        </p:spPr>
+        <p:style>
+          <a:lnRef idx="2">
+            <a:schemeClr val="accent1">
+              <a:shade val="50000"/>
+            </a:schemeClr>
+          </a:lnRef>
+          <a:fillRef idx="1">
+            <a:schemeClr val="accent1"/>
+          </a:fillRef>
+          <a:effectRef idx="0">
+            <a:schemeClr val="accent1"/>
+          </a:effectRef>
+          <a:fontRef idx="minor">
+            <a:schemeClr val="lt1"/>
+          </a:fontRef>
+        </p:style>
+        <p:txBody>
+          <a:bodyPr rtlCol="0" anchor="ctr"/>
+          <a:lstStyle/>
+          <a:p>
+            <a:pPr algn="ctr"/>
+            <a:r>
+              <a:rPr lang="en-US" altLang="zh-CN" dirty="0" err="1"/>
+              <a:t>providerUrls</a:t>
+            </a:r>
+            <a:endParaRPr lang="zh-CN" altLang="en-US" dirty="0"/>
+          </a:p>
+        </p:txBody>
+      </p:sp>
+      <p:cxnSp>
+        <p:nvCxnSpPr>
+          <p:cNvPr id="31" name="直接箭头连接符 30">
+            <a:extLst>
+              <a:ext uri="{FF2B5EF4-FFF2-40B4-BE49-F238E27FC236}">
+                <a16:creationId xmlns:a16="http://schemas.microsoft.com/office/drawing/2014/main" id="{72BB986E-EF75-48DB-98DE-4A222FC76228}"/>
+              </a:ext>
+            </a:extLst>
+          </p:cNvPr>
+          <p:cNvCxnSpPr>
+            <a:stCxn id="28" idx="0"/>
+            <a:endCxn id="30" idx="2"/>
+          </p:cNvCxnSpPr>
+          <p:nvPr/>
+        </p:nvCxnSpPr>
+        <p:spPr>
+          <a:xfrm rot="16200000" flipV="1">
+            <a:off x="8508373" y="1577188"/>
+            <a:ext cx="685040" cy="11314"/>
+          </a:xfrm>
+          <a:prstGeom prst="straightConnector1">
+            <a:avLst/>
+          </a:prstGeom>
+          <a:ln>
+            <a:tailEnd type="arrow"/>
+          </a:ln>
+        </p:spPr>
+        <p:style>
+          <a:lnRef idx="1">
+            <a:schemeClr val="accent1"/>
+          </a:lnRef>
+          <a:fillRef idx="0">
+            <a:schemeClr val="accent1"/>
+          </a:fillRef>
+          <a:effectRef idx="0">
+            <a:schemeClr val="accent1"/>
+          </a:effectRef>
+          <a:fontRef idx="minor">
+            <a:schemeClr val="tx1"/>
+          </a:fontRef>
+        </p:style>
+      </p:cxnSp>
+      <p:sp>
+        <p:nvSpPr>
+          <p:cNvPr id="32" name="文本框 31">
+            <a:extLst>
+              <a:ext uri="{FF2B5EF4-FFF2-40B4-BE49-F238E27FC236}">
+                <a16:creationId xmlns:a16="http://schemas.microsoft.com/office/drawing/2014/main" id="{AFD7C584-F3E3-4D57-8EC7-4709E41FB3B0}"/>
+              </a:ext>
+            </a:extLst>
+          </p:cNvPr>
+          <p:cNvSpPr txBox="1"/>
+          <p:nvPr/>
+        </p:nvSpPr>
+        <p:spPr>
+          <a:xfrm>
+            <a:off x="7954441" y="4699106"/>
+            <a:ext cx="3924446" cy="646331"/>
+          </a:xfrm>
+          <a:prstGeom prst="rect">
+            <a:avLst/>
+          </a:prstGeom>
+          <a:noFill/>
+        </p:spPr>
+        <p:txBody>
+          <a:bodyPr wrap="square" rtlCol="0">
+            <a:spAutoFit/>
+          </a:bodyPr>
+          <a:lstStyle/>
+          <a:p>
+            <a:r>
+              <a:rPr lang="zh-CN" altLang="en-US" b="1" dirty="0">
+                <a:latin typeface="华文新魏" panose="02010800040101010101" pitchFamily="2" charset="-122"/>
+                <a:ea typeface="华文新魏" panose="02010800040101010101" pitchFamily="2" charset="-122"/>
+              </a:rPr>
+              <a:t>决定了本次调用失败后，</a:t>
+            </a:r>
+            <a:endParaRPr lang="en-US" altLang="zh-CN" b="1" dirty="0">
+              <a:latin typeface="华文新魏" panose="02010800040101010101" pitchFamily="2" charset="-122"/>
+              <a:ea typeface="华文新魏" panose="02010800040101010101" pitchFamily="2" charset="-122"/>
+            </a:endParaRPr>
+          </a:p>
+          <a:p>
+            <a:r>
+              <a:rPr lang="zh-CN" altLang="en-US" b="1" dirty="0">
+                <a:latin typeface="华文新魏" panose="02010800040101010101" pitchFamily="2" charset="-122"/>
+                <a:ea typeface="华文新魏" panose="02010800040101010101" pitchFamily="2" charset="-122"/>
+              </a:rPr>
+              <a:t>下次调用会去选择</a:t>
+            </a:r>
+            <a:r>
+              <a:rPr lang="zh-CN" altLang="en-US" b="1" dirty="0">
+                <a:solidFill>
+                  <a:srgbClr val="FF0000"/>
+                </a:solidFill>
+                <a:latin typeface="华文新魏" panose="02010800040101010101" pitchFamily="2" charset="-122"/>
+                <a:ea typeface="华文新魏" panose="02010800040101010101" pitchFamily="2" charset="-122"/>
+              </a:rPr>
+              <a:t>哪些</a:t>
+            </a:r>
+            <a:r>
+              <a:rPr lang="zh-CN" altLang="en-US" b="1" dirty="0">
+                <a:latin typeface="华文新魏" panose="02010800040101010101" pitchFamily="2" charset="-122"/>
+                <a:ea typeface="华文新魏" panose="02010800040101010101" pitchFamily="2" charset="-122"/>
+              </a:rPr>
+              <a:t>可用的</a:t>
+            </a:r>
+            <a:r>
+              <a:rPr lang="en-US" altLang="zh-CN" b="1" dirty="0">
+                <a:latin typeface="华文新魏" panose="02010800040101010101" pitchFamily="2" charset="-122"/>
+                <a:ea typeface="华文新魏" panose="02010800040101010101" pitchFamily="2" charset="-122"/>
+              </a:rPr>
+              <a:t>Invoker</a:t>
+            </a:r>
+            <a:endParaRPr lang="zh-CN" altLang="en-US" b="1" dirty="0">
+              <a:latin typeface="华文新魏" panose="02010800040101010101" pitchFamily="2" charset="-122"/>
+              <a:ea typeface="华文新魏" panose="02010800040101010101" pitchFamily="2" charset="-122"/>
+            </a:endParaRPr>
+          </a:p>
+        </p:txBody>
+      </p:sp>
+      <p:sp>
+        <p:nvSpPr>
+          <p:cNvPr id="34" name="文本框 33">
+            <a:extLst>
+              <a:ext uri="{FF2B5EF4-FFF2-40B4-BE49-F238E27FC236}">
+                <a16:creationId xmlns:a16="http://schemas.microsoft.com/office/drawing/2014/main" id="{E1325793-6B20-4531-A0E9-611FE2C890BF}"/>
+              </a:ext>
+            </a:extLst>
+          </p:cNvPr>
+          <p:cNvSpPr txBox="1"/>
+          <p:nvPr/>
+        </p:nvSpPr>
+        <p:spPr>
+          <a:xfrm>
+            <a:off x="5681045" y="3496791"/>
+            <a:ext cx="3699906" cy="646331"/>
+          </a:xfrm>
+          <a:prstGeom prst="rect">
+            <a:avLst/>
+          </a:prstGeom>
+          <a:noFill/>
+        </p:spPr>
+        <p:txBody>
+          <a:bodyPr wrap="square" rtlCol="0">
+            <a:spAutoFit/>
+          </a:bodyPr>
+          <a:lstStyle/>
+          <a:p>
+            <a:r>
+              <a:rPr lang="zh-CN" altLang="en-US" b="1" dirty="0">
+                <a:latin typeface="华文新魏" panose="02010800040101010101" pitchFamily="2" charset="-122"/>
+                <a:ea typeface="华文新魏" panose="02010800040101010101" pitchFamily="2" charset="-122"/>
+              </a:rPr>
+              <a:t>决定本次调用从可选的</a:t>
+            </a:r>
+            <a:r>
+              <a:rPr lang="en-US" altLang="zh-CN" b="1" dirty="0">
+                <a:latin typeface="华文新魏" panose="02010800040101010101" pitchFamily="2" charset="-122"/>
+                <a:ea typeface="华文新魏" panose="02010800040101010101" pitchFamily="2" charset="-122"/>
+              </a:rPr>
+              <a:t>Invoker</a:t>
+            </a:r>
+            <a:r>
+              <a:rPr lang="zh-CN" altLang="en-US" b="1" dirty="0">
+                <a:latin typeface="华文新魏" panose="02010800040101010101" pitchFamily="2" charset="-122"/>
+                <a:ea typeface="华文新魏" panose="02010800040101010101" pitchFamily="2" charset="-122"/>
+              </a:rPr>
+              <a:t>里</a:t>
+            </a:r>
+            <a:endParaRPr lang="en-US" altLang="zh-CN" b="1" dirty="0">
+              <a:latin typeface="华文新魏" panose="02010800040101010101" pitchFamily="2" charset="-122"/>
+              <a:ea typeface="华文新魏" panose="02010800040101010101" pitchFamily="2" charset="-122"/>
+            </a:endParaRPr>
+          </a:p>
+          <a:p>
+            <a:r>
+              <a:rPr lang="zh-CN" altLang="en-US" b="1" dirty="0">
+                <a:latin typeface="华文新魏" panose="02010800040101010101" pitchFamily="2" charset="-122"/>
+                <a:ea typeface="华文新魏" panose="02010800040101010101" pitchFamily="2" charset="-122"/>
+              </a:rPr>
+              <a:t>到底选择</a:t>
+            </a:r>
+            <a:r>
+              <a:rPr lang="zh-CN" altLang="en-US" b="1" dirty="0">
+                <a:solidFill>
+                  <a:srgbClr val="FF0000"/>
+                </a:solidFill>
+                <a:latin typeface="华文新魏" panose="02010800040101010101" pitchFamily="2" charset="-122"/>
+                <a:ea typeface="华文新魏" panose="02010800040101010101" pitchFamily="2" charset="-122"/>
+              </a:rPr>
+              <a:t>哪个</a:t>
+            </a:r>
+            <a:r>
+              <a:rPr lang="en-US" altLang="zh-CN" b="1" dirty="0">
+                <a:latin typeface="华文新魏" panose="02010800040101010101" pitchFamily="2" charset="-122"/>
+                <a:ea typeface="华文新魏" panose="02010800040101010101" pitchFamily="2" charset="-122"/>
+              </a:rPr>
+              <a:t>Invoker</a:t>
+            </a:r>
+          </a:p>
+        </p:txBody>
+      </p:sp>
     </p:spTree>
     <p:extLst>
       <p:ext uri="{BB962C8B-B14F-4D97-AF65-F5344CB8AC3E}">

--- a/rpc-provider/src/main/resources/docs/dubbo服务暴露与消费简化图.pptx
+++ b/rpc-provider/src/main/resources/docs/dubbo服务暴露与消费简化图.pptx
@@ -5,7 +5,7 @@
     <p:sldMasterId id="2147483648" r:id="rId1"/>
   </p:sldMasterIdLst>
   <p:notesMasterIdLst>
-    <p:notesMasterId r:id="rId9"/>
+    <p:notesMasterId r:id="rId10"/>
   </p:notesMasterIdLst>
   <p:sldIdLst>
     <p:sldId id="256" r:id="rId2"/>
@@ -15,6 +15,7 @@
     <p:sldId id="260" r:id="rId6"/>
     <p:sldId id="262" r:id="rId7"/>
     <p:sldId id="261" r:id="rId8"/>
+    <p:sldId id="263" r:id="rId9"/>
   </p:sldIdLst>
   <p:sldSz cx="12192000" cy="6858000"/>
   <p:notesSz cx="6858000" cy="9144000"/>
@@ -203,7 +204,7 @@
           <a:p>
             <a:fld id="{906EE56B-62DC-4C13-B362-166EA2BBF590}" type="datetimeFigureOut">
               <a:rPr lang="zh-CN" altLang="en-US" smtClean="0"/>
-              <a:t>2020/7/19</a:t>
+              <a:t>2020/7/20</a:t>
             </a:fld>
             <a:endParaRPr lang="zh-CN" altLang="en-US"/>
           </a:p>
@@ -701,7 +702,7 @@
           <a:p>
             <a:fld id="{6276281A-EA41-49C1-842C-A632D6C7403E}" type="datetimeFigureOut">
               <a:rPr lang="zh-CN" altLang="en-US" smtClean="0"/>
-              <a:t>2020/7/19</a:t>
+              <a:t>2020/7/20</a:t>
             </a:fld>
             <a:endParaRPr lang="zh-CN" altLang="en-US"/>
           </a:p>
@@ -899,7 +900,7 @@
           <a:p>
             <a:fld id="{6276281A-EA41-49C1-842C-A632D6C7403E}" type="datetimeFigureOut">
               <a:rPr lang="zh-CN" altLang="en-US" smtClean="0"/>
-              <a:t>2020/7/19</a:t>
+              <a:t>2020/7/20</a:t>
             </a:fld>
             <a:endParaRPr lang="zh-CN" altLang="en-US"/>
           </a:p>
@@ -1107,7 +1108,7 @@
           <a:p>
             <a:fld id="{6276281A-EA41-49C1-842C-A632D6C7403E}" type="datetimeFigureOut">
               <a:rPr lang="zh-CN" altLang="en-US" smtClean="0"/>
-              <a:t>2020/7/19</a:t>
+              <a:t>2020/7/20</a:t>
             </a:fld>
             <a:endParaRPr lang="zh-CN" altLang="en-US"/>
           </a:p>
@@ -1305,7 +1306,7 @@
           <a:p>
             <a:fld id="{6276281A-EA41-49C1-842C-A632D6C7403E}" type="datetimeFigureOut">
               <a:rPr lang="zh-CN" altLang="en-US" smtClean="0"/>
-              <a:t>2020/7/19</a:t>
+              <a:t>2020/7/20</a:t>
             </a:fld>
             <a:endParaRPr lang="zh-CN" altLang="en-US"/>
           </a:p>
@@ -1580,7 +1581,7 @@
           <a:p>
             <a:fld id="{6276281A-EA41-49C1-842C-A632D6C7403E}" type="datetimeFigureOut">
               <a:rPr lang="zh-CN" altLang="en-US" smtClean="0"/>
-              <a:t>2020/7/19</a:t>
+              <a:t>2020/7/20</a:t>
             </a:fld>
             <a:endParaRPr lang="zh-CN" altLang="en-US"/>
           </a:p>
@@ -1845,7 +1846,7 @@
           <a:p>
             <a:fld id="{6276281A-EA41-49C1-842C-A632D6C7403E}" type="datetimeFigureOut">
               <a:rPr lang="zh-CN" altLang="en-US" smtClean="0"/>
-              <a:t>2020/7/19</a:t>
+              <a:t>2020/7/20</a:t>
             </a:fld>
             <a:endParaRPr lang="zh-CN" altLang="en-US"/>
           </a:p>
@@ -2257,7 +2258,7 @@
           <a:p>
             <a:fld id="{6276281A-EA41-49C1-842C-A632D6C7403E}" type="datetimeFigureOut">
               <a:rPr lang="zh-CN" altLang="en-US" smtClean="0"/>
-              <a:t>2020/7/19</a:t>
+              <a:t>2020/7/20</a:t>
             </a:fld>
             <a:endParaRPr lang="zh-CN" altLang="en-US"/>
           </a:p>
@@ -2398,7 +2399,7 @@
           <a:p>
             <a:fld id="{6276281A-EA41-49C1-842C-A632D6C7403E}" type="datetimeFigureOut">
               <a:rPr lang="zh-CN" altLang="en-US" smtClean="0"/>
-              <a:t>2020/7/19</a:t>
+              <a:t>2020/7/20</a:t>
             </a:fld>
             <a:endParaRPr lang="zh-CN" altLang="en-US"/>
           </a:p>
@@ -2511,7 +2512,7 @@
           <a:p>
             <a:fld id="{6276281A-EA41-49C1-842C-A632D6C7403E}" type="datetimeFigureOut">
               <a:rPr lang="zh-CN" altLang="en-US" smtClean="0"/>
-              <a:t>2020/7/19</a:t>
+              <a:t>2020/7/20</a:t>
             </a:fld>
             <a:endParaRPr lang="zh-CN" altLang="en-US"/>
           </a:p>
@@ -2822,7 +2823,7 @@
           <a:p>
             <a:fld id="{6276281A-EA41-49C1-842C-A632D6C7403E}" type="datetimeFigureOut">
               <a:rPr lang="zh-CN" altLang="en-US" smtClean="0"/>
-              <a:t>2020/7/19</a:t>
+              <a:t>2020/7/20</a:t>
             </a:fld>
             <a:endParaRPr lang="zh-CN" altLang="en-US"/>
           </a:p>
@@ -3110,7 +3111,7 @@
           <a:p>
             <a:fld id="{6276281A-EA41-49C1-842C-A632D6C7403E}" type="datetimeFigureOut">
               <a:rPr lang="zh-CN" altLang="en-US" smtClean="0"/>
-              <a:t>2020/7/19</a:t>
+              <a:t>2020/7/20</a:t>
             </a:fld>
             <a:endParaRPr lang="zh-CN" altLang="en-US"/>
           </a:p>
@@ -3351,7 +3352,7 @@
           <a:p>
             <a:fld id="{6276281A-EA41-49C1-842C-A632D6C7403E}" type="datetimeFigureOut">
               <a:rPr lang="zh-CN" altLang="en-US" smtClean="0"/>
-              <a:t>2020/7/19</a:t>
+              <a:t>2020/7/20</a:t>
             </a:fld>
             <a:endParaRPr lang="zh-CN" altLang="en-US"/>
           </a:p>
@@ -14857,6 +14858,1660 @@
 </p:sld>
 </file>
 
+<file path=ppt/slides/slide8.xml><?xml version="1.0" encoding="utf-8"?>
+<p:sld xmlns:a="http://schemas.openxmlformats.org/drawingml/2006/main" xmlns:r="http://schemas.openxmlformats.org/officeDocument/2006/relationships" xmlns:p="http://schemas.openxmlformats.org/presentationml/2006/main">
+  <p:cSld>
+    <p:spTree>
+      <p:nvGrpSpPr>
+        <p:cNvPr id="1" name=""/>
+        <p:cNvGrpSpPr/>
+        <p:nvPr/>
+      </p:nvGrpSpPr>
+      <p:grpSpPr>
+        <a:xfrm>
+          <a:off x="0" y="0"/>
+          <a:ext cx="0" cy="0"/>
+          <a:chOff x="0" y="0"/>
+          <a:chExt cx="0" cy="0"/>
+        </a:xfrm>
+      </p:grpSpPr>
+      <p:sp>
+        <p:nvSpPr>
+          <p:cNvPr id="34" name="矩形 33">
+            <a:extLst>
+              <a:ext uri="{FF2B5EF4-FFF2-40B4-BE49-F238E27FC236}">
+                <a16:creationId xmlns:a16="http://schemas.microsoft.com/office/drawing/2014/main" id="{313191B8-A687-4FD4-A084-645206C39994}"/>
+              </a:ext>
+            </a:extLst>
+          </p:cNvPr>
+          <p:cNvSpPr/>
+          <p:nvPr/>
+        </p:nvSpPr>
+        <p:spPr>
+          <a:xfrm>
+            <a:off x="165370" y="398834"/>
+            <a:ext cx="11523174" cy="6079787"/>
+          </a:xfrm>
+          <a:prstGeom prst="rect">
+            <a:avLst/>
+          </a:prstGeom>
+          <a:noFill/>
+          <a:ln w="38100">
+            <a:solidFill>
+              <a:schemeClr val="bg2">
+                <a:lumMod val="90000"/>
+              </a:schemeClr>
+            </a:solidFill>
+          </a:ln>
+        </p:spPr>
+        <p:style>
+          <a:lnRef idx="2">
+            <a:schemeClr val="accent1">
+              <a:shade val="50000"/>
+            </a:schemeClr>
+          </a:lnRef>
+          <a:fillRef idx="1">
+            <a:schemeClr val="accent1"/>
+          </a:fillRef>
+          <a:effectRef idx="0">
+            <a:schemeClr val="accent1"/>
+          </a:effectRef>
+          <a:fontRef idx="minor">
+            <a:schemeClr val="lt1"/>
+          </a:fontRef>
+        </p:style>
+        <p:txBody>
+          <a:bodyPr rtlCol="0" anchor="ctr"/>
+          <a:lstStyle/>
+          <a:p>
+            <a:pPr algn="ctr"/>
+            <a:endParaRPr lang="zh-CN" altLang="en-US"/>
+          </a:p>
+        </p:txBody>
+      </p:sp>
+      <p:sp>
+        <p:nvSpPr>
+          <p:cNvPr id="4" name="TextBox 1">
+            <a:extLst>
+              <a:ext uri="{FF2B5EF4-FFF2-40B4-BE49-F238E27FC236}">
+                <a16:creationId xmlns:a16="http://schemas.microsoft.com/office/drawing/2014/main" id="{01948D83-AE42-4A5C-A269-102FD32D4F56}"/>
+              </a:ext>
+            </a:extLst>
+          </p:cNvPr>
+          <p:cNvSpPr txBox="1"/>
+          <p:nvPr/>
+        </p:nvSpPr>
+        <p:spPr>
+          <a:xfrm>
+            <a:off x="503456" y="787751"/>
+            <a:ext cx="2020490" cy="502445"/>
+          </a:xfrm>
+          <a:prstGeom prst="rect">
+            <a:avLst/>
+          </a:prstGeom>
+          <a:noFill/>
+        </p:spPr>
+        <p:txBody>
+          <a:bodyPr wrap="none" rtlCol="0">
+            <a:spAutoFit/>
+          </a:bodyPr>
+          <a:lstStyle/>
+          <a:p>
+            <a:pPr defTabSz="1218565">
+              <a:defRPr/>
+            </a:pPr>
+            <a:r>
+              <a:rPr lang="en-US" altLang="zh-CN" sz="2665" noProof="1">
+                <a:solidFill>
+                  <a:srgbClr val="1D69A3"/>
+                </a:solidFill>
+                <a:latin typeface="微软雅黑" panose="020B0503020204020204" pitchFamily="34" charset="-122"/>
+                <a:ea typeface="微软雅黑" panose="020B0503020204020204" pitchFamily="34" charset="-122"/>
+              </a:rPr>
+              <a:t>Filter</a:t>
+            </a:r>
+            <a:r>
+              <a:rPr lang="zh-CN" altLang="en-US" sz="2665" noProof="1">
+                <a:solidFill>
+                  <a:srgbClr val="1D69A3"/>
+                </a:solidFill>
+                <a:latin typeface="微软雅黑" panose="020B0503020204020204" pitchFamily="34" charset="-122"/>
+                <a:ea typeface="微软雅黑" panose="020B0503020204020204" pitchFamily="34" charset="-122"/>
+              </a:rPr>
+              <a:t>过滤器</a:t>
+            </a:r>
+          </a:p>
+        </p:txBody>
+      </p:sp>
+      <p:sp>
+        <p:nvSpPr>
+          <p:cNvPr id="5" name="矩形 4">
+            <a:extLst>
+              <a:ext uri="{FF2B5EF4-FFF2-40B4-BE49-F238E27FC236}">
+                <a16:creationId xmlns:a16="http://schemas.microsoft.com/office/drawing/2014/main" id="{9E925836-886C-4C8E-9D32-4F7844185A96}"/>
+              </a:ext>
+            </a:extLst>
+          </p:cNvPr>
+          <p:cNvSpPr/>
+          <p:nvPr/>
+        </p:nvSpPr>
+        <p:spPr>
+          <a:xfrm>
+            <a:off x="2944512" y="3014788"/>
+            <a:ext cx="8164089" cy="1980889"/>
+          </a:xfrm>
+          <a:prstGeom prst="rect">
+            <a:avLst/>
+          </a:prstGeom>
+          <a:solidFill>
+            <a:schemeClr val="bg1"/>
+          </a:solidFill>
+          <a:ln>
+            <a:solidFill>
+              <a:srgbClr val="FF0000"/>
+            </a:solidFill>
+            <a:prstDash val="lgDash"/>
+          </a:ln>
+        </p:spPr>
+        <p:style>
+          <a:lnRef idx="2">
+            <a:schemeClr val="accent1">
+              <a:shade val="50000"/>
+            </a:schemeClr>
+          </a:lnRef>
+          <a:fillRef idx="1">
+            <a:schemeClr val="accent1"/>
+          </a:fillRef>
+          <a:effectRef idx="0">
+            <a:schemeClr val="accent1"/>
+          </a:effectRef>
+          <a:fontRef idx="minor">
+            <a:schemeClr val="lt1"/>
+          </a:fontRef>
+        </p:style>
+        <p:txBody>
+          <a:bodyPr rtlCol="0" anchor="t"/>
+          <a:lstStyle/>
+          <a:p>
+            <a:r>
+              <a:rPr lang="en-US" sz="1400" dirty="0" err="1">
+                <a:solidFill>
+                  <a:srgbClr val="FF0000"/>
+                </a:solidFill>
+              </a:rPr>
+              <a:t>ProtocolFilterWrapper</a:t>
+            </a:r>
+            <a:endParaRPr lang="zh-CN" altLang="en-US" sz="1400" dirty="0">
+              <a:solidFill>
+                <a:srgbClr val="FF0000"/>
+              </a:solidFill>
+            </a:endParaRPr>
+          </a:p>
+        </p:txBody>
+      </p:sp>
+      <p:sp>
+        <p:nvSpPr>
+          <p:cNvPr id="6" name="矩形 5">
+            <a:extLst>
+              <a:ext uri="{FF2B5EF4-FFF2-40B4-BE49-F238E27FC236}">
+                <a16:creationId xmlns:a16="http://schemas.microsoft.com/office/drawing/2014/main" id="{52DAB7E2-EBAA-4402-B352-4285C1942DFE}"/>
+              </a:ext>
+            </a:extLst>
+          </p:cNvPr>
+          <p:cNvSpPr/>
+          <p:nvPr/>
+        </p:nvSpPr>
+        <p:spPr>
+          <a:xfrm>
+            <a:off x="3185031" y="4046884"/>
+            <a:ext cx="1416097" cy="359805"/>
+          </a:xfrm>
+          <a:prstGeom prst="rect">
+            <a:avLst/>
+          </a:prstGeom>
+        </p:spPr>
+        <p:style>
+          <a:lnRef idx="2">
+            <a:schemeClr val="accent1">
+              <a:shade val="50000"/>
+            </a:schemeClr>
+          </a:lnRef>
+          <a:fillRef idx="1">
+            <a:schemeClr val="accent1"/>
+          </a:fillRef>
+          <a:effectRef idx="0">
+            <a:schemeClr val="accent1"/>
+          </a:effectRef>
+          <a:fontRef idx="minor">
+            <a:schemeClr val="lt1"/>
+          </a:fontRef>
+        </p:style>
+        <p:txBody>
+          <a:bodyPr rtlCol="0" anchor="ctr"/>
+          <a:lstStyle/>
+          <a:p>
+            <a:pPr algn="ctr"/>
+            <a:r>
+              <a:rPr lang="en-US" dirty="0"/>
+              <a:t>protocol</a:t>
+            </a:r>
+            <a:endParaRPr lang="zh-CN" altLang="en-US" dirty="0"/>
+          </a:p>
+        </p:txBody>
+      </p:sp>
+      <p:sp>
+        <p:nvSpPr>
+          <p:cNvPr id="7" name="云形 6">
+            <a:extLst>
+              <a:ext uri="{FF2B5EF4-FFF2-40B4-BE49-F238E27FC236}">
+                <a16:creationId xmlns:a16="http://schemas.microsoft.com/office/drawing/2014/main" id="{9A0E3611-DFEA-439A-8A29-0EF5E65A2223}"/>
+              </a:ext>
+            </a:extLst>
+          </p:cNvPr>
+          <p:cNvSpPr/>
+          <p:nvPr/>
+        </p:nvSpPr>
+        <p:spPr>
+          <a:xfrm>
+            <a:off x="779543" y="3784706"/>
+            <a:ext cx="1468316" cy="914400"/>
+          </a:xfrm>
+          <a:prstGeom prst="cloud">
+            <a:avLst/>
+          </a:prstGeom>
+          <a:solidFill>
+            <a:schemeClr val="accent3">
+              <a:lumMod val="20000"/>
+              <a:lumOff val="80000"/>
+            </a:schemeClr>
+          </a:solidFill>
+        </p:spPr>
+        <p:style>
+          <a:lnRef idx="2">
+            <a:schemeClr val="accent1">
+              <a:shade val="50000"/>
+            </a:schemeClr>
+          </a:lnRef>
+          <a:fillRef idx="1">
+            <a:schemeClr val="accent1"/>
+          </a:fillRef>
+          <a:effectRef idx="0">
+            <a:schemeClr val="accent1"/>
+          </a:effectRef>
+          <a:fontRef idx="minor">
+            <a:schemeClr val="lt1"/>
+          </a:fontRef>
+        </p:style>
+        <p:txBody>
+          <a:bodyPr rtlCol="0" anchor="ctr"/>
+          <a:lstStyle/>
+          <a:p>
+            <a:pPr algn="ctr"/>
+            <a:r>
+              <a:rPr lang="zh-CN" altLang="en-US" dirty="0">
+                <a:solidFill>
+                  <a:schemeClr val="tx1"/>
+                </a:solidFill>
+              </a:rPr>
+              <a:t>网络</a:t>
+            </a:r>
+          </a:p>
+        </p:txBody>
+      </p:sp>
+      <p:cxnSp>
+        <p:nvCxnSpPr>
+          <p:cNvPr id="8" name="直接箭头连接符 7">
+            <a:extLst>
+              <a:ext uri="{FF2B5EF4-FFF2-40B4-BE49-F238E27FC236}">
+                <a16:creationId xmlns:a16="http://schemas.microsoft.com/office/drawing/2014/main" id="{38817DD2-AC2D-4A24-8DBA-7F0DA1A49992}"/>
+              </a:ext>
+            </a:extLst>
+          </p:cNvPr>
+          <p:cNvCxnSpPr>
+            <a:stCxn id="6" idx="1"/>
+            <a:endCxn id="7" idx="0"/>
+          </p:cNvCxnSpPr>
+          <p:nvPr/>
+        </p:nvCxnSpPr>
+        <p:spPr>
+          <a:xfrm rot="10800000" flipV="1">
+            <a:off x="2246635" y="4226786"/>
+            <a:ext cx="938396" cy="15119"/>
+          </a:xfrm>
+          <a:prstGeom prst="straightConnector1">
+            <a:avLst/>
+          </a:prstGeom>
+          <a:ln>
+            <a:tailEnd type="arrow"/>
+          </a:ln>
+        </p:spPr>
+        <p:style>
+          <a:lnRef idx="1">
+            <a:schemeClr val="accent1"/>
+          </a:lnRef>
+          <a:fillRef idx="0">
+            <a:schemeClr val="accent1"/>
+          </a:fillRef>
+          <a:effectRef idx="0">
+            <a:schemeClr val="accent1"/>
+          </a:effectRef>
+          <a:fontRef idx="minor">
+            <a:schemeClr val="tx1"/>
+          </a:fontRef>
+        </p:style>
+      </p:cxnSp>
+      <p:sp>
+        <p:nvSpPr>
+          <p:cNvPr id="9" name="矩形 8">
+            <a:extLst>
+              <a:ext uri="{FF2B5EF4-FFF2-40B4-BE49-F238E27FC236}">
+                <a16:creationId xmlns:a16="http://schemas.microsoft.com/office/drawing/2014/main" id="{5B40A564-F4A8-4AE0-BD92-ECE727360DE6}"/>
+              </a:ext>
+            </a:extLst>
+          </p:cNvPr>
+          <p:cNvSpPr/>
+          <p:nvPr/>
+        </p:nvSpPr>
+        <p:spPr>
+          <a:xfrm>
+            <a:off x="3180916" y="4401989"/>
+            <a:ext cx="1418599" cy="242527"/>
+          </a:xfrm>
+          <a:prstGeom prst="rect">
+            <a:avLst/>
+          </a:prstGeom>
+          <a:solidFill>
+            <a:schemeClr val="bg2">
+              <a:lumMod val="50000"/>
+            </a:schemeClr>
+          </a:solidFill>
+        </p:spPr>
+        <p:style>
+          <a:lnRef idx="2">
+            <a:schemeClr val="accent1">
+              <a:shade val="50000"/>
+            </a:schemeClr>
+          </a:lnRef>
+          <a:fillRef idx="1">
+            <a:schemeClr val="accent1"/>
+          </a:fillRef>
+          <a:effectRef idx="0">
+            <a:schemeClr val="accent1"/>
+          </a:effectRef>
+          <a:fontRef idx="minor">
+            <a:schemeClr val="lt1"/>
+          </a:fontRef>
+        </p:style>
+        <p:txBody>
+          <a:bodyPr rtlCol="0" anchor="ctr"/>
+          <a:lstStyle/>
+          <a:p>
+            <a:r>
+              <a:rPr lang="en-US" sz="1200" dirty="0"/>
+              <a:t>Refer(</a:t>
+            </a:r>
+            <a:r>
+              <a:rPr lang="en-US" sz="1200" dirty="0" err="1"/>
+              <a:t>int,url</a:t>
+            </a:r>
+            <a:r>
+              <a:rPr lang="en-US" altLang="zh-CN" sz="1200" dirty="0"/>
+              <a:t>)</a:t>
+            </a:r>
+            <a:endParaRPr lang="zh-CN" altLang="en-US" sz="1200" dirty="0"/>
+          </a:p>
+        </p:txBody>
+      </p:sp>
+      <p:sp>
+        <p:nvSpPr>
+          <p:cNvPr id="10" name="椭圆形标注 12">
+            <a:extLst>
+              <a:ext uri="{FF2B5EF4-FFF2-40B4-BE49-F238E27FC236}">
+                <a16:creationId xmlns:a16="http://schemas.microsoft.com/office/drawing/2014/main" id="{23491738-A335-4A53-B493-62EA17D95DF6}"/>
+              </a:ext>
+            </a:extLst>
+          </p:cNvPr>
+          <p:cNvSpPr/>
+          <p:nvPr/>
+        </p:nvSpPr>
+        <p:spPr>
+          <a:xfrm>
+            <a:off x="1865015" y="3141556"/>
+            <a:ext cx="914400" cy="377257"/>
+          </a:xfrm>
+          <a:prstGeom prst="wedgeEllipseCallout">
+            <a:avLst>
+              <a:gd name="adj1" fmla="val -86180"/>
+              <a:gd name="adj2" fmla="val 133799"/>
+            </a:avLst>
+          </a:prstGeom>
+          <a:solidFill>
+            <a:schemeClr val="bg1"/>
+          </a:solidFill>
+          <a:ln>
+            <a:solidFill>
+              <a:srgbClr val="FF0000"/>
+            </a:solidFill>
+            <a:prstDash val="dashDot"/>
+          </a:ln>
+        </p:spPr>
+        <p:style>
+          <a:lnRef idx="2">
+            <a:schemeClr val="accent1">
+              <a:shade val="50000"/>
+            </a:schemeClr>
+          </a:lnRef>
+          <a:fillRef idx="1">
+            <a:schemeClr val="accent1"/>
+          </a:fillRef>
+          <a:effectRef idx="0">
+            <a:schemeClr val="accent1"/>
+          </a:effectRef>
+          <a:fontRef idx="minor">
+            <a:schemeClr val="lt1"/>
+          </a:fontRef>
+        </p:style>
+        <p:txBody>
+          <a:bodyPr rtlCol="0" anchor="ctr"/>
+          <a:lstStyle/>
+          <a:p>
+            <a:pPr algn="ctr"/>
+            <a:r>
+              <a:rPr lang="en-US" altLang="zh-CN" sz="1400" dirty="0">
+                <a:solidFill>
+                  <a:srgbClr val="FF0000"/>
+                </a:solidFill>
+              </a:rPr>
+              <a:t>URL</a:t>
+            </a:r>
+            <a:endParaRPr lang="zh-CN" altLang="en-US" sz="1400" dirty="0">
+              <a:solidFill>
+                <a:srgbClr val="FF0000"/>
+              </a:solidFill>
+            </a:endParaRPr>
+          </a:p>
+        </p:txBody>
+      </p:sp>
+      <p:sp>
+        <p:nvSpPr>
+          <p:cNvPr id="11" name="椭圆形标注 13">
+            <a:extLst>
+              <a:ext uri="{FF2B5EF4-FFF2-40B4-BE49-F238E27FC236}">
+                <a16:creationId xmlns:a16="http://schemas.microsoft.com/office/drawing/2014/main" id="{15FDCDC0-ECFB-4599-B694-19A9FE917804}"/>
+              </a:ext>
+            </a:extLst>
+          </p:cNvPr>
+          <p:cNvSpPr/>
+          <p:nvPr/>
+        </p:nvSpPr>
+        <p:spPr>
+          <a:xfrm>
+            <a:off x="298766" y="3176259"/>
+            <a:ext cx="1348965" cy="377257"/>
+          </a:xfrm>
+          <a:prstGeom prst="wedgeEllipseCallout">
+            <a:avLst>
+              <a:gd name="adj1" fmla="val 41729"/>
+              <a:gd name="adj2" fmla="val 124200"/>
+            </a:avLst>
+          </a:prstGeom>
+          <a:solidFill>
+            <a:schemeClr val="bg1"/>
+          </a:solidFill>
+          <a:ln>
+            <a:solidFill>
+              <a:srgbClr val="FF0000"/>
+            </a:solidFill>
+            <a:prstDash val="dashDot"/>
+          </a:ln>
+        </p:spPr>
+        <p:style>
+          <a:lnRef idx="2">
+            <a:schemeClr val="accent1">
+              <a:shade val="50000"/>
+            </a:schemeClr>
+          </a:lnRef>
+          <a:fillRef idx="1">
+            <a:schemeClr val="accent1"/>
+          </a:fillRef>
+          <a:effectRef idx="0">
+            <a:schemeClr val="accent1"/>
+          </a:effectRef>
+          <a:fontRef idx="minor">
+            <a:schemeClr val="lt1"/>
+          </a:fontRef>
+        </p:style>
+        <p:txBody>
+          <a:bodyPr rtlCol="0" anchor="ctr"/>
+          <a:lstStyle/>
+          <a:p>
+            <a:pPr algn="ctr"/>
+            <a:r>
+              <a:rPr lang="en-US" sz="1400" dirty="0">
+                <a:solidFill>
+                  <a:srgbClr val="FF0000"/>
+                </a:solidFill>
+              </a:rPr>
+              <a:t>interface</a:t>
+            </a:r>
+            <a:endParaRPr lang="zh-CN" altLang="en-US" sz="1400" dirty="0">
+              <a:solidFill>
+                <a:srgbClr val="FF0000"/>
+              </a:solidFill>
+            </a:endParaRPr>
+          </a:p>
+        </p:txBody>
+      </p:sp>
+      <p:sp>
+        <p:nvSpPr>
+          <p:cNvPr id="12" name="椭圆 11">
+            <a:extLst>
+              <a:ext uri="{FF2B5EF4-FFF2-40B4-BE49-F238E27FC236}">
+                <a16:creationId xmlns:a16="http://schemas.microsoft.com/office/drawing/2014/main" id="{8D4C4318-FAE1-4ACD-9763-FA410DA1FAB0}"/>
+              </a:ext>
+            </a:extLst>
+          </p:cNvPr>
+          <p:cNvSpPr/>
+          <p:nvPr/>
+        </p:nvSpPr>
+        <p:spPr>
+          <a:xfrm>
+            <a:off x="4990409" y="3955796"/>
+            <a:ext cx="1328909" cy="516601"/>
+          </a:xfrm>
+          <a:prstGeom prst="ellipse">
+            <a:avLst/>
+          </a:prstGeom>
+        </p:spPr>
+        <p:style>
+          <a:lnRef idx="2">
+            <a:schemeClr val="accent1">
+              <a:shade val="50000"/>
+            </a:schemeClr>
+          </a:lnRef>
+          <a:fillRef idx="1">
+            <a:schemeClr val="accent1"/>
+          </a:fillRef>
+          <a:effectRef idx="0">
+            <a:schemeClr val="accent1"/>
+          </a:effectRef>
+          <a:fontRef idx="minor">
+            <a:schemeClr val="lt1"/>
+          </a:fontRef>
+        </p:style>
+        <p:txBody>
+          <a:bodyPr rtlCol="0" anchor="ctr"/>
+          <a:lstStyle/>
+          <a:p>
+            <a:pPr algn="ctr"/>
+            <a:r>
+              <a:rPr lang="en-US" altLang="zh-CN" sz="1600" dirty="0"/>
+              <a:t>Invoker</a:t>
+            </a:r>
+            <a:endParaRPr lang="zh-CN" altLang="en-US" sz="1600" dirty="0"/>
+          </a:p>
+        </p:txBody>
+      </p:sp>
+      <p:cxnSp>
+        <p:nvCxnSpPr>
+          <p:cNvPr id="13" name="直接箭头连接符 12">
+            <a:extLst>
+              <a:ext uri="{FF2B5EF4-FFF2-40B4-BE49-F238E27FC236}">
+                <a16:creationId xmlns:a16="http://schemas.microsoft.com/office/drawing/2014/main" id="{5A1F74FD-749F-483B-8F50-159F3B92F58E}"/>
+              </a:ext>
+            </a:extLst>
+          </p:cNvPr>
+          <p:cNvCxnSpPr>
+            <a:stCxn id="6" idx="3"/>
+            <a:endCxn id="12" idx="2"/>
+          </p:cNvCxnSpPr>
+          <p:nvPr/>
+        </p:nvCxnSpPr>
+        <p:spPr>
+          <a:xfrm flipV="1">
+            <a:off x="4601128" y="4214097"/>
+            <a:ext cx="389281" cy="12690"/>
+          </a:xfrm>
+          <a:prstGeom prst="straightConnector1">
+            <a:avLst/>
+          </a:prstGeom>
+          <a:ln w="28575">
+            <a:prstDash val="dash"/>
+            <a:tailEnd type="arrow"/>
+          </a:ln>
+        </p:spPr>
+        <p:style>
+          <a:lnRef idx="1">
+            <a:schemeClr val="accent1"/>
+          </a:lnRef>
+          <a:fillRef idx="0">
+            <a:schemeClr val="accent1"/>
+          </a:fillRef>
+          <a:effectRef idx="0">
+            <a:schemeClr val="accent1"/>
+          </a:effectRef>
+          <a:fontRef idx="minor">
+            <a:schemeClr val="tx1"/>
+          </a:fontRef>
+        </p:style>
+      </p:cxnSp>
+      <p:sp>
+        <p:nvSpPr>
+          <p:cNvPr id="14" name="矩形 13">
+            <a:extLst>
+              <a:ext uri="{FF2B5EF4-FFF2-40B4-BE49-F238E27FC236}">
+                <a16:creationId xmlns:a16="http://schemas.microsoft.com/office/drawing/2014/main" id="{E322A397-664E-4B43-8D39-174789F7D67B}"/>
+              </a:ext>
+            </a:extLst>
+          </p:cNvPr>
+          <p:cNvSpPr/>
+          <p:nvPr/>
+        </p:nvSpPr>
+        <p:spPr>
+          <a:xfrm>
+            <a:off x="2943003" y="5085267"/>
+            <a:ext cx="8164089" cy="971501"/>
+          </a:xfrm>
+          <a:prstGeom prst="rect">
+            <a:avLst/>
+          </a:prstGeom>
+          <a:solidFill>
+            <a:schemeClr val="bg1"/>
+          </a:solidFill>
+          <a:ln>
+            <a:solidFill>
+              <a:srgbClr val="FF0000"/>
+            </a:solidFill>
+            <a:prstDash val="lgDash"/>
+          </a:ln>
+        </p:spPr>
+        <p:style>
+          <a:lnRef idx="2">
+            <a:schemeClr val="accent1">
+              <a:shade val="50000"/>
+            </a:schemeClr>
+          </a:lnRef>
+          <a:fillRef idx="1">
+            <a:schemeClr val="accent1"/>
+          </a:fillRef>
+          <a:effectRef idx="0">
+            <a:schemeClr val="accent1"/>
+          </a:effectRef>
+          <a:fontRef idx="minor">
+            <a:schemeClr val="lt1"/>
+          </a:fontRef>
+        </p:style>
+        <p:txBody>
+          <a:bodyPr rtlCol="0" anchor="t"/>
+          <a:lstStyle/>
+          <a:p>
+            <a:r>
+              <a:rPr lang="en-US" sz="1400" dirty="0" err="1">
+                <a:solidFill>
+                  <a:srgbClr val="FF0000"/>
+                </a:solidFill>
+              </a:rPr>
+              <a:t>FilterL</a:t>
+            </a:r>
+            <a:r>
+              <a:rPr lang="en-US" altLang="zh-CN" sz="1400" dirty="0" err="1">
+                <a:solidFill>
+                  <a:srgbClr val="FF0000"/>
+                </a:solidFill>
+              </a:rPr>
+              <a:t>ist</a:t>
+            </a:r>
+            <a:endParaRPr lang="zh-CN" altLang="en-US" sz="1400" dirty="0">
+              <a:solidFill>
+                <a:srgbClr val="FF0000"/>
+              </a:solidFill>
+            </a:endParaRPr>
+          </a:p>
+        </p:txBody>
+      </p:sp>
+      <p:sp>
+        <p:nvSpPr>
+          <p:cNvPr id="15" name="椭圆 14">
+            <a:extLst>
+              <a:ext uri="{FF2B5EF4-FFF2-40B4-BE49-F238E27FC236}">
+                <a16:creationId xmlns:a16="http://schemas.microsoft.com/office/drawing/2014/main" id="{48311E76-A1C8-4D89-A04E-39DAB7F859D9}"/>
+              </a:ext>
+            </a:extLst>
+          </p:cNvPr>
+          <p:cNvSpPr/>
+          <p:nvPr/>
+        </p:nvSpPr>
+        <p:spPr>
+          <a:xfrm>
+            <a:off x="6845600" y="5528248"/>
+            <a:ext cx="1058060" cy="365490"/>
+          </a:xfrm>
+          <a:prstGeom prst="ellipse">
+            <a:avLst/>
+          </a:prstGeom>
+          <a:solidFill>
+            <a:schemeClr val="accent6">
+              <a:lumMod val="75000"/>
+            </a:schemeClr>
+          </a:solidFill>
+        </p:spPr>
+        <p:style>
+          <a:lnRef idx="2">
+            <a:schemeClr val="accent1">
+              <a:shade val="50000"/>
+            </a:schemeClr>
+          </a:lnRef>
+          <a:fillRef idx="1">
+            <a:schemeClr val="accent1"/>
+          </a:fillRef>
+          <a:effectRef idx="0">
+            <a:schemeClr val="accent1"/>
+          </a:effectRef>
+          <a:fontRef idx="minor">
+            <a:schemeClr val="lt1"/>
+          </a:fontRef>
+        </p:style>
+        <p:txBody>
+          <a:bodyPr rtlCol="0" anchor="ctr"/>
+          <a:lstStyle/>
+          <a:p>
+            <a:pPr algn="ctr"/>
+            <a:r>
+              <a:rPr lang="en-US" altLang="zh-CN" sz="1400" dirty="0" err="1"/>
+              <a:t>FilterA</a:t>
+            </a:r>
+            <a:endParaRPr lang="zh-CN" altLang="en-US" sz="1400" dirty="0"/>
+          </a:p>
+        </p:txBody>
+      </p:sp>
+      <p:sp>
+        <p:nvSpPr>
+          <p:cNvPr id="16" name="椭圆 15">
+            <a:extLst>
+              <a:ext uri="{FF2B5EF4-FFF2-40B4-BE49-F238E27FC236}">
+                <a16:creationId xmlns:a16="http://schemas.microsoft.com/office/drawing/2014/main" id="{2821537F-07A0-42BA-90A9-A29B8DE926FC}"/>
+              </a:ext>
+            </a:extLst>
+          </p:cNvPr>
+          <p:cNvSpPr/>
+          <p:nvPr/>
+        </p:nvSpPr>
+        <p:spPr>
+          <a:xfrm>
+            <a:off x="8084416" y="5517686"/>
+            <a:ext cx="1058060" cy="365490"/>
+          </a:xfrm>
+          <a:prstGeom prst="ellipse">
+            <a:avLst/>
+          </a:prstGeom>
+          <a:solidFill>
+            <a:schemeClr val="accent6">
+              <a:lumMod val="75000"/>
+            </a:schemeClr>
+          </a:solidFill>
+        </p:spPr>
+        <p:style>
+          <a:lnRef idx="2">
+            <a:schemeClr val="accent1">
+              <a:shade val="50000"/>
+            </a:schemeClr>
+          </a:lnRef>
+          <a:fillRef idx="1">
+            <a:schemeClr val="accent1"/>
+          </a:fillRef>
+          <a:effectRef idx="0">
+            <a:schemeClr val="accent1"/>
+          </a:effectRef>
+          <a:fontRef idx="minor">
+            <a:schemeClr val="lt1"/>
+          </a:fontRef>
+        </p:style>
+        <p:txBody>
+          <a:bodyPr rtlCol="0" anchor="ctr"/>
+          <a:lstStyle/>
+          <a:p>
+            <a:pPr algn="ctr"/>
+            <a:r>
+              <a:rPr lang="en-US" altLang="zh-CN" sz="1400" dirty="0" err="1"/>
+              <a:t>FilterB</a:t>
+            </a:r>
+            <a:endParaRPr lang="zh-CN" altLang="en-US" sz="1400" dirty="0"/>
+          </a:p>
+        </p:txBody>
+      </p:sp>
+      <p:sp>
+        <p:nvSpPr>
+          <p:cNvPr id="17" name="椭圆 16">
+            <a:extLst>
+              <a:ext uri="{FF2B5EF4-FFF2-40B4-BE49-F238E27FC236}">
+                <a16:creationId xmlns:a16="http://schemas.microsoft.com/office/drawing/2014/main" id="{C4D67F5D-3660-486B-BD2D-12292B36D676}"/>
+              </a:ext>
+            </a:extLst>
+          </p:cNvPr>
+          <p:cNvSpPr/>
+          <p:nvPr/>
+        </p:nvSpPr>
+        <p:spPr>
+          <a:xfrm>
+            <a:off x="9818162" y="5513161"/>
+            <a:ext cx="1127471" cy="365490"/>
+          </a:xfrm>
+          <a:prstGeom prst="ellipse">
+            <a:avLst/>
+          </a:prstGeom>
+          <a:solidFill>
+            <a:schemeClr val="accent6">
+              <a:lumMod val="75000"/>
+            </a:schemeClr>
+          </a:solidFill>
+        </p:spPr>
+        <p:style>
+          <a:lnRef idx="2">
+            <a:schemeClr val="accent1">
+              <a:shade val="50000"/>
+            </a:schemeClr>
+          </a:lnRef>
+          <a:fillRef idx="1">
+            <a:schemeClr val="accent1"/>
+          </a:fillRef>
+          <a:effectRef idx="0">
+            <a:schemeClr val="accent1"/>
+          </a:effectRef>
+          <a:fontRef idx="minor">
+            <a:schemeClr val="lt1"/>
+          </a:fontRef>
+        </p:style>
+        <p:txBody>
+          <a:bodyPr rtlCol="0" anchor="ctr"/>
+          <a:lstStyle/>
+          <a:p>
+            <a:pPr algn="ctr"/>
+            <a:r>
+              <a:rPr lang="en-US" altLang="zh-CN" sz="1400" dirty="0" err="1"/>
+              <a:t>FilterN</a:t>
+            </a:r>
+            <a:endParaRPr lang="zh-CN" altLang="en-US" sz="1400" dirty="0"/>
+          </a:p>
+        </p:txBody>
+      </p:sp>
+      <p:sp>
+        <p:nvSpPr>
+          <p:cNvPr id="18" name="圆角矩形 43">
+            <a:extLst>
+              <a:ext uri="{FF2B5EF4-FFF2-40B4-BE49-F238E27FC236}">
+                <a16:creationId xmlns:a16="http://schemas.microsoft.com/office/drawing/2014/main" id="{F9D5C0D7-800F-4828-81E2-BC17B4C16E49}"/>
+              </a:ext>
+            </a:extLst>
+          </p:cNvPr>
+          <p:cNvSpPr/>
+          <p:nvPr/>
+        </p:nvSpPr>
+        <p:spPr>
+          <a:xfrm>
+            <a:off x="6790097" y="3920135"/>
+            <a:ext cx="1113576" cy="597529"/>
+          </a:xfrm>
+          <a:prstGeom prst="roundRect">
+            <a:avLst/>
+          </a:prstGeom>
+        </p:spPr>
+        <p:style>
+          <a:lnRef idx="2">
+            <a:schemeClr val="accent1">
+              <a:shade val="50000"/>
+            </a:schemeClr>
+          </a:lnRef>
+          <a:fillRef idx="1">
+            <a:schemeClr val="accent1"/>
+          </a:fillRef>
+          <a:effectRef idx="0">
+            <a:schemeClr val="accent1"/>
+          </a:effectRef>
+          <a:fontRef idx="minor">
+            <a:schemeClr val="lt1"/>
+          </a:fontRef>
+        </p:style>
+        <p:txBody>
+          <a:bodyPr rtlCol="0" anchor="ctr"/>
+          <a:lstStyle/>
+          <a:p>
+            <a:pPr algn="ctr"/>
+            <a:r>
+              <a:rPr lang="en-US" altLang="zh-CN" sz="1600" dirty="0" err="1"/>
+              <a:t>InvokerA</a:t>
+            </a:r>
+            <a:endParaRPr lang="zh-CN" altLang="en-US" sz="1600" dirty="0"/>
+          </a:p>
+        </p:txBody>
+      </p:sp>
+      <p:cxnSp>
+        <p:nvCxnSpPr>
+          <p:cNvPr id="19" name="直接箭头连接符 18">
+            <a:extLst>
+              <a:ext uri="{FF2B5EF4-FFF2-40B4-BE49-F238E27FC236}">
+                <a16:creationId xmlns:a16="http://schemas.microsoft.com/office/drawing/2014/main" id="{D03B2AD1-FD54-44D6-AD01-9D2FE32972AB}"/>
+              </a:ext>
+            </a:extLst>
+          </p:cNvPr>
+          <p:cNvCxnSpPr>
+            <a:stCxn id="18" idx="2"/>
+            <a:endCxn id="15" idx="0"/>
+          </p:cNvCxnSpPr>
+          <p:nvPr/>
+        </p:nvCxnSpPr>
+        <p:spPr>
+          <a:xfrm rot="16200000" flipH="1">
+            <a:off x="6855465" y="5009083"/>
+            <a:ext cx="1010584" cy="27745"/>
+          </a:xfrm>
+          <a:prstGeom prst="straightConnector1">
+            <a:avLst/>
+          </a:prstGeom>
+          <a:ln>
+            <a:tailEnd type="arrow"/>
+          </a:ln>
+        </p:spPr>
+        <p:style>
+          <a:lnRef idx="1">
+            <a:schemeClr val="accent1"/>
+          </a:lnRef>
+          <a:fillRef idx="0">
+            <a:schemeClr val="accent1"/>
+          </a:fillRef>
+          <a:effectRef idx="0">
+            <a:schemeClr val="accent1"/>
+          </a:effectRef>
+          <a:fontRef idx="minor">
+            <a:schemeClr val="tx1"/>
+          </a:fontRef>
+        </p:style>
+      </p:cxnSp>
+      <p:sp>
+        <p:nvSpPr>
+          <p:cNvPr id="20" name="圆角矩形 53">
+            <a:extLst>
+              <a:ext uri="{FF2B5EF4-FFF2-40B4-BE49-F238E27FC236}">
+                <a16:creationId xmlns:a16="http://schemas.microsoft.com/office/drawing/2014/main" id="{24D95C49-A021-4D0E-BF56-6DE630317435}"/>
+              </a:ext>
+            </a:extLst>
+          </p:cNvPr>
+          <p:cNvSpPr/>
+          <p:nvPr/>
+        </p:nvSpPr>
+        <p:spPr>
+          <a:xfrm>
+            <a:off x="8056069" y="3936734"/>
+            <a:ext cx="1113576" cy="597529"/>
+          </a:xfrm>
+          <a:prstGeom prst="roundRect">
+            <a:avLst/>
+          </a:prstGeom>
+        </p:spPr>
+        <p:style>
+          <a:lnRef idx="2">
+            <a:schemeClr val="accent1">
+              <a:shade val="50000"/>
+            </a:schemeClr>
+          </a:lnRef>
+          <a:fillRef idx="1">
+            <a:schemeClr val="accent1"/>
+          </a:fillRef>
+          <a:effectRef idx="0">
+            <a:schemeClr val="accent1"/>
+          </a:effectRef>
+          <a:fontRef idx="minor">
+            <a:schemeClr val="lt1"/>
+          </a:fontRef>
+        </p:style>
+        <p:txBody>
+          <a:bodyPr rtlCol="0" anchor="ctr"/>
+          <a:lstStyle/>
+          <a:p>
+            <a:pPr algn="ctr"/>
+            <a:r>
+              <a:rPr lang="en-US" altLang="zh-CN" sz="1600" dirty="0" err="1"/>
+              <a:t>InvokerB</a:t>
+            </a:r>
+            <a:endParaRPr lang="zh-CN" altLang="en-US" sz="1600" dirty="0"/>
+          </a:p>
+        </p:txBody>
+      </p:sp>
+      <p:cxnSp>
+        <p:nvCxnSpPr>
+          <p:cNvPr id="21" name="直接箭头连接符 20">
+            <a:extLst>
+              <a:ext uri="{FF2B5EF4-FFF2-40B4-BE49-F238E27FC236}">
+                <a16:creationId xmlns:a16="http://schemas.microsoft.com/office/drawing/2014/main" id="{EE59E5CC-BD6B-41C8-8DD3-0A8F98B05B6A}"/>
+              </a:ext>
+            </a:extLst>
+          </p:cNvPr>
+          <p:cNvCxnSpPr>
+            <a:stCxn id="20" idx="0"/>
+            <a:endCxn id="16" idx="0"/>
+          </p:cNvCxnSpPr>
+          <p:nvPr/>
+        </p:nvCxnSpPr>
+        <p:spPr>
+          <a:xfrm rot="16200000" flipH="1">
+            <a:off x="7822675" y="4726916"/>
+            <a:ext cx="1580952" cy="589"/>
+          </a:xfrm>
+          <a:prstGeom prst="straightConnector1">
+            <a:avLst/>
+          </a:prstGeom>
+          <a:ln>
+            <a:tailEnd type="arrow"/>
+          </a:ln>
+        </p:spPr>
+        <p:style>
+          <a:lnRef idx="1">
+            <a:schemeClr val="accent1"/>
+          </a:lnRef>
+          <a:fillRef idx="0">
+            <a:schemeClr val="accent1"/>
+          </a:fillRef>
+          <a:effectRef idx="0">
+            <a:schemeClr val="accent1"/>
+          </a:effectRef>
+          <a:fontRef idx="minor">
+            <a:schemeClr val="tx1"/>
+          </a:fontRef>
+        </p:style>
+      </p:cxnSp>
+      <p:cxnSp>
+        <p:nvCxnSpPr>
+          <p:cNvPr id="22" name="直接箭头连接符 21">
+            <a:extLst>
+              <a:ext uri="{FF2B5EF4-FFF2-40B4-BE49-F238E27FC236}">
+                <a16:creationId xmlns:a16="http://schemas.microsoft.com/office/drawing/2014/main" id="{15F7503E-3318-496E-921D-305B9A4C5936}"/>
+              </a:ext>
+            </a:extLst>
+          </p:cNvPr>
+          <p:cNvCxnSpPr>
+            <a:stCxn id="17" idx="0"/>
+            <a:endCxn id="20" idx="2"/>
+          </p:cNvCxnSpPr>
+          <p:nvPr/>
+        </p:nvCxnSpPr>
+        <p:spPr>
+          <a:xfrm rot="16200000" flipV="1">
+            <a:off x="9007929" y="4139191"/>
+            <a:ext cx="978898" cy="1769041"/>
+          </a:xfrm>
+          <a:prstGeom prst="straightConnector1">
+            <a:avLst/>
+          </a:prstGeom>
+          <a:ln>
+            <a:tailEnd type="arrow"/>
+          </a:ln>
+        </p:spPr>
+        <p:style>
+          <a:lnRef idx="1">
+            <a:schemeClr val="accent1"/>
+          </a:lnRef>
+          <a:fillRef idx="0">
+            <a:schemeClr val="accent1"/>
+          </a:fillRef>
+          <a:effectRef idx="0">
+            <a:schemeClr val="accent1"/>
+          </a:effectRef>
+          <a:fontRef idx="minor">
+            <a:schemeClr val="tx1"/>
+          </a:fontRef>
+        </p:style>
+      </p:cxnSp>
+      <p:cxnSp>
+        <p:nvCxnSpPr>
+          <p:cNvPr id="23" name="直接箭头连接符 22">
+            <a:extLst>
+              <a:ext uri="{FF2B5EF4-FFF2-40B4-BE49-F238E27FC236}">
+                <a16:creationId xmlns:a16="http://schemas.microsoft.com/office/drawing/2014/main" id="{A689B380-D6FF-40A8-83FD-B2C504FF5D79}"/>
+              </a:ext>
+            </a:extLst>
+          </p:cNvPr>
+          <p:cNvCxnSpPr>
+            <a:stCxn id="16" idx="0"/>
+            <a:endCxn id="18" idx="2"/>
+          </p:cNvCxnSpPr>
+          <p:nvPr/>
+        </p:nvCxnSpPr>
+        <p:spPr>
+          <a:xfrm rot="16200000" flipV="1">
+            <a:off x="7480155" y="4384394"/>
+            <a:ext cx="1000022" cy="1266561"/>
+          </a:xfrm>
+          <a:prstGeom prst="straightConnector1">
+            <a:avLst/>
+          </a:prstGeom>
+          <a:ln>
+            <a:tailEnd type="arrow"/>
+          </a:ln>
+        </p:spPr>
+        <p:style>
+          <a:lnRef idx="1">
+            <a:schemeClr val="accent1"/>
+          </a:lnRef>
+          <a:fillRef idx="0">
+            <a:schemeClr val="accent1"/>
+          </a:fillRef>
+          <a:effectRef idx="0">
+            <a:schemeClr val="accent1"/>
+          </a:effectRef>
+          <a:fontRef idx="minor">
+            <a:schemeClr val="tx1"/>
+          </a:fontRef>
+        </p:style>
+      </p:cxnSp>
+      <p:cxnSp>
+        <p:nvCxnSpPr>
+          <p:cNvPr id="24" name="直接箭头连接符 23">
+            <a:extLst>
+              <a:ext uri="{FF2B5EF4-FFF2-40B4-BE49-F238E27FC236}">
+                <a16:creationId xmlns:a16="http://schemas.microsoft.com/office/drawing/2014/main" id="{88A3FBC7-0470-4FC0-9E35-B7C006786587}"/>
+              </a:ext>
+            </a:extLst>
+          </p:cNvPr>
+          <p:cNvCxnSpPr>
+            <a:stCxn id="15" idx="0"/>
+            <a:endCxn id="12" idx="5"/>
+          </p:cNvCxnSpPr>
+          <p:nvPr/>
+        </p:nvCxnSpPr>
+        <p:spPr>
+          <a:xfrm rot="16200000" flipV="1">
+            <a:off x="6183915" y="4337533"/>
+            <a:ext cx="1131505" cy="1249926"/>
+          </a:xfrm>
+          <a:prstGeom prst="straightConnector1">
+            <a:avLst/>
+          </a:prstGeom>
+          <a:ln>
+            <a:tailEnd type="arrow"/>
+          </a:ln>
+        </p:spPr>
+        <p:style>
+          <a:lnRef idx="1">
+            <a:schemeClr val="accent1"/>
+          </a:lnRef>
+          <a:fillRef idx="0">
+            <a:schemeClr val="accent1"/>
+          </a:fillRef>
+          <a:effectRef idx="0">
+            <a:schemeClr val="accent1"/>
+          </a:effectRef>
+          <a:fontRef idx="minor">
+            <a:schemeClr val="tx1"/>
+          </a:fontRef>
+        </p:style>
+      </p:cxnSp>
+      <p:sp>
+        <p:nvSpPr>
+          <p:cNvPr id="25" name="圆角矩形 66">
+            <a:extLst>
+              <a:ext uri="{FF2B5EF4-FFF2-40B4-BE49-F238E27FC236}">
+                <a16:creationId xmlns:a16="http://schemas.microsoft.com/office/drawing/2014/main" id="{A417ECD4-AAD8-4CC7-B0EA-2A18B235C037}"/>
+              </a:ext>
+            </a:extLst>
+          </p:cNvPr>
+          <p:cNvSpPr/>
+          <p:nvPr/>
+        </p:nvSpPr>
+        <p:spPr>
+          <a:xfrm>
+            <a:off x="9829039" y="3889957"/>
+            <a:ext cx="1161869" cy="597529"/>
+          </a:xfrm>
+          <a:prstGeom prst="roundRect">
+            <a:avLst/>
+          </a:prstGeom>
+        </p:spPr>
+        <p:style>
+          <a:lnRef idx="2">
+            <a:schemeClr val="accent1">
+              <a:shade val="50000"/>
+            </a:schemeClr>
+          </a:lnRef>
+          <a:fillRef idx="1">
+            <a:schemeClr val="accent1"/>
+          </a:fillRef>
+          <a:effectRef idx="0">
+            <a:schemeClr val="accent1"/>
+          </a:effectRef>
+          <a:fontRef idx="minor">
+            <a:schemeClr val="lt1"/>
+          </a:fontRef>
+        </p:style>
+        <p:txBody>
+          <a:bodyPr rtlCol="0" anchor="ctr"/>
+          <a:lstStyle/>
+          <a:p>
+            <a:pPr algn="ctr"/>
+            <a:r>
+              <a:rPr lang="en-US" altLang="zh-CN" sz="1600" dirty="0" err="1"/>
+              <a:t>InvokerN</a:t>
+            </a:r>
+            <a:endParaRPr lang="zh-CN" altLang="en-US" sz="1600" dirty="0"/>
+          </a:p>
+        </p:txBody>
+      </p:sp>
+      <p:sp>
+        <p:nvSpPr>
+          <p:cNvPr id="26" name="TextBox 67">
+            <a:extLst>
+              <a:ext uri="{FF2B5EF4-FFF2-40B4-BE49-F238E27FC236}">
+                <a16:creationId xmlns:a16="http://schemas.microsoft.com/office/drawing/2014/main" id="{17A91554-BCF5-45E5-9833-A35F72F57246}"/>
+              </a:ext>
+            </a:extLst>
+          </p:cNvPr>
+          <p:cNvSpPr txBox="1"/>
+          <p:nvPr/>
+        </p:nvSpPr>
+        <p:spPr>
+          <a:xfrm>
+            <a:off x="9297906" y="5468298"/>
+            <a:ext cx="484428" cy="369332"/>
+          </a:xfrm>
+          <a:prstGeom prst="rect">
+            <a:avLst/>
+          </a:prstGeom>
+          <a:noFill/>
+        </p:spPr>
+        <p:txBody>
+          <a:bodyPr wrap="none" rtlCol="0">
+            <a:spAutoFit/>
+          </a:bodyPr>
+          <a:lstStyle/>
+          <a:p>
+            <a:r>
+              <a:rPr lang="en-US" altLang="zh-CN" dirty="0"/>
+              <a:t>…..</a:t>
+            </a:r>
+            <a:endParaRPr lang="zh-CN" altLang="en-US" dirty="0"/>
+          </a:p>
+        </p:txBody>
+      </p:sp>
+      <p:cxnSp>
+        <p:nvCxnSpPr>
+          <p:cNvPr id="27" name="直接箭头连接符 26">
+            <a:extLst>
+              <a:ext uri="{FF2B5EF4-FFF2-40B4-BE49-F238E27FC236}">
+                <a16:creationId xmlns:a16="http://schemas.microsoft.com/office/drawing/2014/main" id="{26A78DDB-8348-4C17-B6B9-B7CB3A33DF22}"/>
+              </a:ext>
+            </a:extLst>
+          </p:cNvPr>
+          <p:cNvCxnSpPr>
+            <a:stCxn id="25" idx="0"/>
+            <a:endCxn id="17" idx="0"/>
+          </p:cNvCxnSpPr>
+          <p:nvPr/>
+        </p:nvCxnSpPr>
+        <p:spPr>
+          <a:xfrm rot="16200000" flipH="1" flipV="1">
+            <a:off x="9584334" y="4687521"/>
+            <a:ext cx="1623204" cy="28076"/>
+          </a:xfrm>
+          <a:prstGeom prst="straightConnector1">
+            <a:avLst/>
+          </a:prstGeom>
+          <a:ln>
+            <a:tailEnd type="arrow"/>
+          </a:ln>
+        </p:spPr>
+        <p:style>
+          <a:lnRef idx="1">
+            <a:schemeClr val="accent1"/>
+          </a:lnRef>
+          <a:fillRef idx="0">
+            <a:schemeClr val="accent1"/>
+          </a:fillRef>
+          <a:effectRef idx="0">
+            <a:schemeClr val="accent1"/>
+          </a:effectRef>
+          <a:fontRef idx="minor">
+            <a:schemeClr val="tx1"/>
+          </a:fontRef>
+        </p:style>
+      </p:cxnSp>
+      <p:sp>
+        <p:nvSpPr>
+          <p:cNvPr id="28" name="圆角矩形 104">
+            <a:extLst>
+              <a:ext uri="{FF2B5EF4-FFF2-40B4-BE49-F238E27FC236}">
+                <a16:creationId xmlns:a16="http://schemas.microsoft.com/office/drawing/2014/main" id="{59C8CDD7-7A55-4FD1-98C2-E4EA67150DF4}"/>
+              </a:ext>
+            </a:extLst>
+          </p:cNvPr>
+          <p:cNvSpPr/>
+          <p:nvPr/>
+        </p:nvSpPr>
+        <p:spPr>
+          <a:xfrm>
+            <a:off x="7116024" y="2055136"/>
+            <a:ext cx="1702052" cy="552262"/>
+          </a:xfrm>
+          <a:prstGeom prst="roundRect">
+            <a:avLst/>
+          </a:prstGeom>
+          <a:solidFill>
+            <a:schemeClr val="accent6">
+              <a:lumMod val="75000"/>
+            </a:schemeClr>
+          </a:solidFill>
+        </p:spPr>
+        <p:style>
+          <a:lnRef idx="2">
+            <a:schemeClr val="accent1">
+              <a:shade val="50000"/>
+            </a:schemeClr>
+          </a:lnRef>
+          <a:fillRef idx="1">
+            <a:schemeClr val="accent1"/>
+          </a:fillRef>
+          <a:effectRef idx="0">
+            <a:schemeClr val="accent1"/>
+          </a:effectRef>
+          <a:fontRef idx="minor">
+            <a:schemeClr val="lt1"/>
+          </a:fontRef>
+        </p:style>
+        <p:txBody>
+          <a:bodyPr rtlCol="0" anchor="ctr"/>
+          <a:lstStyle/>
+          <a:p>
+            <a:pPr algn="ctr"/>
+            <a:r>
+              <a:rPr lang="zh-CN" altLang="en-US" dirty="0"/>
+              <a:t>消费端调用</a:t>
+            </a:r>
+          </a:p>
+        </p:txBody>
+      </p:sp>
+      <p:cxnSp>
+        <p:nvCxnSpPr>
+          <p:cNvPr id="29" name="直接箭头连接符 28">
+            <a:extLst>
+              <a:ext uri="{FF2B5EF4-FFF2-40B4-BE49-F238E27FC236}">
+                <a16:creationId xmlns:a16="http://schemas.microsoft.com/office/drawing/2014/main" id="{B23A13B8-AB4D-4AD7-A4EA-0B69C644C04E}"/>
+              </a:ext>
+            </a:extLst>
+          </p:cNvPr>
+          <p:cNvCxnSpPr>
+            <a:stCxn id="28" idx="2"/>
+            <a:endCxn id="12" idx="7"/>
+          </p:cNvCxnSpPr>
+          <p:nvPr/>
+        </p:nvCxnSpPr>
+        <p:spPr>
+          <a:xfrm rot="5400000">
+            <a:off x="6333851" y="2398251"/>
+            <a:ext cx="1424052" cy="1842346"/>
+          </a:xfrm>
+          <a:prstGeom prst="straightConnector1">
+            <a:avLst/>
+          </a:prstGeom>
+          <a:ln>
+            <a:solidFill>
+              <a:srgbClr val="00B0F0"/>
+            </a:solidFill>
+            <a:prstDash val="lgDashDotDot"/>
+            <a:tailEnd type="arrow"/>
+          </a:ln>
+        </p:spPr>
+        <p:style>
+          <a:lnRef idx="1">
+            <a:schemeClr val="accent1"/>
+          </a:lnRef>
+          <a:fillRef idx="0">
+            <a:schemeClr val="accent1"/>
+          </a:fillRef>
+          <a:effectRef idx="0">
+            <a:schemeClr val="accent1"/>
+          </a:effectRef>
+          <a:fontRef idx="minor">
+            <a:schemeClr val="tx1"/>
+          </a:fontRef>
+        </p:style>
+      </p:cxnSp>
+      <p:cxnSp>
+        <p:nvCxnSpPr>
+          <p:cNvPr id="30" name="直接箭头连接符 29">
+            <a:extLst>
+              <a:ext uri="{FF2B5EF4-FFF2-40B4-BE49-F238E27FC236}">
+                <a16:creationId xmlns:a16="http://schemas.microsoft.com/office/drawing/2014/main" id="{355D10BC-23CB-451C-9DC6-47DE2D3C348A}"/>
+              </a:ext>
+            </a:extLst>
+          </p:cNvPr>
+          <p:cNvCxnSpPr>
+            <a:stCxn id="28" idx="2"/>
+            <a:endCxn id="18" idx="0"/>
+          </p:cNvCxnSpPr>
+          <p:nvPr/>
+        </p:nvCxnSpPr>
+        <p:spPr>
+          <a:xfrm rot="5400000">
+            <a:off x="7000600" y="2953684"/>
+            <a:ext cx="1312737" cy="620165"/>
+          </a:xfrm>
+          <a:prstGeom prst="straightConnector1">
+            <a:avLst/>
+          </a:prstGeom>
+          <a:ln>
+            <a:solidFill>
+              <a:srgbClr val="00B0F0"/>
+            </a:solidFill>
+            <a:prstDash val="lgDashDotDot"/>
+            <a:tailEnd type="arrow"/>
+          </a:ln>
+        </p:spPr>
+        <p:style>
+          <a:lnRef idx="1">
+            <a:schemeClr val="accent1"/>
+          </a:lnRef>
+          <a:fillRef idx="0">
+            <a:schemeClr val="accent1"/>
+          </a:fillRef>
+          <a:effectRef idx="0">
+            <a:schemeClr val="accent1"/>
+          </a:effectRef>
+          <a:fontRef idx="minor">
+            <a:schemeClr val="tx1"/>
+          </a:fontRef>
+        </p:style>
+      </p:cxnSp>
+      <p:cxnSp>
+        <p:nvCxnSpPr>
+          <p:cNvPr id="31" name="直接箭头连接符 30">
+            <a:extLst>
+              <a:ext uri="{FF2B5EF4-FFF2-40B4-BE49-F238E27FC236}">
+                <a16:creationId xmlns:a16="http://schemas.microsoft.com/office/drawing/2014/main" id="{F5ABF67C-BC3D-4E3E-8F5F-22B7C2164C5B}"/>
+              </a:ext>
+            </a:extLst>
+          </p:cNvPr>
+          <p:cNvCxnSpPr>
+            <a:stCxn id="28" idx="2"/>
+            <a:endCxn id="20" idx="0"/>
+          </p:cNvCxnSpPr>
+          <p:nvPr/>
+        </p:nvCxnSpPr>
+        <p:spPr>
+          <a:xfrm rot="16200000" flipH="1">
+            <a:off x="7625285" y="2949162"/>
+            <a:ext cx="1329336" cy="645807"/>
+          </a:xfrm>
+          <a:prstGeom prst="straightConnector1">
+            <a:avLst/>
+          </a:prstGeom>
+          <a:ln>
+            <a:solidFill>
+              <a:srgbClr val="00B0F0"/>
+            </a:solidFill>
+            <a:prstDash val="lgDashDotDot"/>
+            <a:tailEnd type="arrow"/>
+          </a:ln>
+        </p:spPr>
+        <p:style>
+          <a:lnRef idx="1">
+            <a:schemeClr val="accent1"/>
+          </a:lnRef>
+          <a:fillRef idx="0">
+            <a:schemeClr val="accent1"/>
+          </a:fillRef>
+          <a:effectRef idx="0">
+            <a:schemeClr val="accent1"/>
+          </a:effectRef>
+          <a:fontRef idx="minor">
+            <a:schemeClr val="tx1"/>
+          </a:fontRef>
+        </p:style>
+      </p:cxnSp>
+      <p:cxnSp>
+        <p:nvCxnSpPr>
+          <p:cNvPr id="32" name="直接箭头连接符 31">
+            <a:extLst>
+              <a:ext uri="{FF2B5EF4-FFF2-40B4-BE49-F238E27FC236}">
+                <a16:creationId xmlns:a16="http://schemas.microsoft.com/office/drawing/2014/main" id="{71623C15-D26A-4B7B-8656-BD030CD8EE66}"/>
+              </a:ext>
+            </a:extLst>
+          </p:cNvPr>
+          <p:cNvCxnSpPr>
+            <a:stCxn id="28" idx="2"/>
+            <a:endCxn id="25" idx="0"/>
+          </p:cNvCxnSpPr>
+          <p:nvPr/>
+        </p:nvCxnSpPr>
+        <p:spPr>
+          <a:xfrm rot="16200000" flipH="1">
+            <a:off x="8547233" y="2027215"/>
+            <a:ext cx="1282559" cy="2442924"/>
+          </a:xfrm>
+          <a:prstGeom prst="straightConnector1">
+            <a:avLst/>
+          </a:prstGeom>
+          <a:ln>
+            <a:solidFill>
+              <a:srgbClr val="00B0F0"/>
+            </a:solidFill>
+            <a:prstDash val="lgDashDotDot"/>
+            <a:tailEnd type="arrow"/>
+          </a:ln>
+        </p:spPr>
+        <p:style>
+          <a:lnRef idx="1">
+            <a:schemeClr val="accent1"/>
+          </a:lnRef>
+          <a:fillRef idx="0">
+            <a:schemeClr val="accent1"/>
+          </a:fillRef>
+          <a:effectRef idx="0">
+            <a:schemeClr val="accent1"/>
+          </a:effectRef>
+          <a:fontRef idx="minor">
+            <a:schemeClr val="tx1"/>
+          </a:fontRef>
+        </p:style>
+      </p:cxnSp>
+      <p:sp>
+        <p:nvSpPr>
+          <p:cNvPr id="33" name="TextBox 121">
+            <a:extLst>
+              <a:ext uri="{FF2B5EF4-FFF2-40B4-BE49-F238E27FC236}">
+                <a16:creationId xmlns:a16="http://schemas.microsoft.com/office/drawing/2014/main" id="{33C59B8E-5B6F-45C2-92D5-218AC36B0F20}"/>
+              </a:ext>
+            </a:extLst>
+          </p:cNvPr>
+          <p:cNvSpPr txBox="1"/>
+          <p:nvPr/>
+        </p:nvSpPr>
+        <p:spPr>
+          <a:xfrm>
+            <a:off x="1272746" y="1423143"/>
+            <a:ext cx="5347618" cy="923330"/>
+          </a:xfrm>
+          <a:prstGeom prst="rect">
+            <a:avLst/>
+          </a:prstGeom>
+          <a:noFill/>
+        </p:spPr>
+        <p:txBody>
+          <a:bodyPr wrap="none" rtlCol="0">
+            <a:spAutoFit/>
+          </a:bodyPr>
+          <a:lstStyle/>
+          <a:p>
+            <a:r>
+              <a:rPr lang="zh-CN" altLang="en-US" dirty="0"/>
+              <a:t>在</a:t>
+            </a:r>
+            <a:r>
+              <a:rPr lang="en-US" altLang="zh-CN" dirty="0" err="1"/>
+              <a:t>dubbo</a:t>
+            </a:r>
+            <a:r>
+              <a:rPr lang="zh-CN" altLang="en-US" dirty="0"/>
+              <a:t>中，不同的服务，组合的</a:t>
+            </a:r>
+            <a:r>
+              <a:rPr lang="en-US" altLang="zh-CN" dirty="0"/>
+              <a:t>filter</a:t>
+            </a:r>
+            <a:r>
+              <a:rPr lang="zh-CN" altLang="en-US" dirty="0"/>
+              <a:t>是不同的。</a:t>
+            </a:r>
+            <a:endParaRPr lang="en-US" altLang="zh-CN" dirty="0"/>
+          </a:p>
+          <a:p>
+            <a:r>
+              <a:rPr lang="zh-CN" altLang="en-US" dirty="0">
+                <a:solidFill>
+                  <a:srgbClr val="FF0000"/>
+                </a:solidFill>
+              </a:rPr>
+              <a:t>使用</a:t>
+            </a:r>
+            <a:r>
+              <a:rPr lang="en-US" altLang="zh-CN" dirty="0">
+                <a:solidFill>
+                  <a:srgbClr val="FF0000"/>
+                </a:solidFill>
+              </a:rPr>
+              <a:t>Invoker</a:t>
+            </a:r>
+            <a:r>
+              <a:rPr lang="zh-CN" altLang="en-US" dirty="0">
+                <a:solidFill>
+                  <a:srgbClr val="FF0000"/>
+                </a:solidFill>
+              </a:rPr>
+              <a:t>统一不同组件的调用入口</a:t>
+            </a:r>
+            <a:endParaRPr lang="en-US" altLang="zh-CN" dirty="0">
+              <a:solidFill>
+                <a:srgbClr val="FF0000"/>
+              </a:solidFill>
+            </a:endParaRPr>
+          </a:p>
+          <a:p>
+            <a:r>
+              <a:rPr lang="zh-CN" altLang="en-US" dirty="0"/>
+              <a:t>调用者可从任何节点发起调用，都是通的</a:t>
+            </a:r>
+          </a:p>
+        </p:txBody>
+      </p:sp>
+    </p:spTree>
+    <p:extLst>
+      <p:ext uri="{BB962C8B-B14F-4D97-AF65-F5344CB8AC3E}">
+        <p14:creationId xmlns:p14="http://schemas.microsoft.com/office/powerpoint/2010/main" val="3308146406"/>
+      </p:ext>
+    </p:extLst>
+  </p:cSld>
+  <p:clrMapOvr>
+    <a:masterClrMapping/>
+  </p:clrMapOvr>
+</p:sld>
+</file>
+
 <file path=ppt/theme/theme1.xml><?xml version="1.0" encoding="utf-8"?>
 <a:theme xmlns:a="http://schemas.openxmlformats.org/drawingml/2006/main" name="Office 主题​​">
   <a:themeElements>
@@ -14865,7 +16520,7 @@
         <a:sysClr val="windowText" lastClr="000000"/>
       </a:dk1>
       <a:lt1>
-        <a:sysClr val="window" lastClr="FFFFFF"/>
+        <a:sysClr val="window" lastClr="CCE8CF"/>
       </a:lt1>
       <a:dk2>
         <a:srgbClr val="44546A"/>
@@ -15160,7 +16815,7 @@
         <a:sysClr val="windowText" lastClr="000000"/>
       </a:dk1>
       <a:lt1>
-        <a:sysClr val="window" lastClr="FFFFFF"/>
+        <a:sysClr val="window" lastClr="CCE8CF"/>
       </a:lt1>
       <a:dk2>
         <a:srgbClr val="44546A"/>
